--- a/Improgress/PM_EOMP#3.pptx
+++ b/Improgress/PM_EOMP#3.pptx
@@ -13,8 +13,8 @@
   <p:sldIdLst>
     <p:sldId id="256" r:id="rId2"/>
     <p:sldId id="274" r:id="rId3"/>
-    <p:sldId id="271" r:id="rId4"/>
-    <p:sldId id="281" r:id="rId5"/>
+    <p:sldId id="281" r:id="rId4"/>
+    <p:sldId id="271" r:id="rId5"/>
     <p:sldId id="276" r:id="rId6"/>
     <p:sldId id="282" r:id="rId7"/>
     <p:sldId id="284" r:id="rId8"/>
@@ -27,8 +27,8 @@
     <p:sldId id="335" r:id="rId15"/>
     <p:sldId id="295" r:id="rId16"/>
     <p:sldId id="277" r:id="rId17"/>
-    <p:sldId id="339" r:id="rId18"/>
-    <p:sldId id="296" r:id="rId19"/>
+    <p:sldId id="296" r:id="rId18"/>
+    <p:sldId id="339" r:id="rId19"/>
     <p:sldId id="337" r:id="rId20"/>
     <p:sldId id="336" r:id="rId21"/>
     <p:sldId id="338" r:id="rId22"/>
@@ -4357,7 +4357,19 @@
           <a:bodyPr/>
           <a:lstStyle/>
           <a:p>
-            <a:endParaRPr lang="en-US" dirty="0"/>
+            <a:r>
+              <a:rPr lang="vi-VN" dirty="0"/>
+              <a:t>Chào thầy chúng đến từ nhóm 3, thực hiện dự án ứng dụng quản lý công ty bất động sản.</a:t>
+            </a:r>
+          </a:p>
+          <a:p>
+            <a:endParaRPr lang="vi-VN" dirty="0"/>
+          </a:p>
+          <a:p>
+            <a:r>
+              <a:rPr lang="vi-VN" dirty="0"/>
+              <a:t>Sau chúng e xin được phép bắt đầu buổi trình bày báo cáo phản biện.</a:t>
+            </a:r>
           </a:p>
         </p:txBody>
       </p:sp>
@@ -4441,7 +4453,10 @@
           <a:bodyPr/>
           <a:lstStyle/>
           <a:p>
-            <a:endParaRPr lang="en-US" dirty="0"/>
+            <a:r>
+              <a:rPr lang="vi-VN" dirty="0"/>
+              <a:t>Với những chức năng của từng module nhóm đã tính toán ra được khối lượng cv và thời gian dự kiến để thực hiện cho từng module </a:t>
+            </a:r>
           </a:p>
         </p:txBody>
       </p:sp>
@@ -4462,7 +4477,7 @@
           <a:p>
             <a:fld id="{E65D64CF-40D3-8A4B-A22E-736EA1880BEB}" type="slidenum">
               <a:rPr lang="en-US" smtClean="0"/>
-              <a:t>18</a:t>
+              <a:t>11</a:t>
             </a:fld>
             <a:endParaRPr lang="en-US"/>
           </a:p>
@@ -4471,7 +4486,7 @@
     </p:spTree>
     <p:extLst>
       <p:ext uri="{BB962C8B-B14F-4D97-AF65-F5344CB8AC3E}">
-        <p14:creationId xmlns:p14="http://schemas.microsoft.com/office/powerpoint/2010/main" val="135567564"/>
+        <p14:creationId xmlns:p14="http://schemas.microsoft.com/office/powerpoint/2010/main" val="4186768227"/>
       </p:ext>
     </p:extLst>
   </p:cSld>
@@ -4525,7 +4540,94 @@
           <a:bodyPr/>
           <a:lstStyle/>
           <a:p>
-            <a:endParaRPr lang="en-US" dirty="0"/>
+            <a:r>
+              <a:rPr lang="en-US" dirty="0" err="1"/>
+              <a:t>Và</a:t>
+            </a:r>
+            <a:r>
+              <a:rPr lang="en-US" dirty="0"/>
+              <a:t> </a:t>
+            </a:r>
+            <a:r>
+              <a:rPr lang="en-US" dirty="0" err="1"/>
+              <a:t>đây</a:t>
+            </a:r>
+            <a:r>
+              <a:rPr lang="en-US" dirty="0"/>
+              <a:t> </a:t>
+            </a:r>
+            <a:r>
+              <a:rPr lang="en-US" dirty="0" err="1"/>
+              <a:t>là</a:t>
+            </a:r>
+            <a:r>
+              <a:rPr lang="en-US" dirty="0"/>
+              <a:t> </a:t>
+            </a:r>
+            <a:r>
+              <a:rPr lang="en-US" dirty="0" err="1"/>
+              <a:t>thời</a:t>
+            </a:r>
+            <a:r>
+              <a:rPr lang="en-US" dirty="0"/>
+              <a:t> </a:t>
+            </a:r>
+            <a:r>
+              <a:rPr lang="en-US" dirty="0" err="1"/>
+              <a:t>gian</a:t>
+            </a:r>
+            <a:r>
+              <a:rPr lang="en-US" dirty="0"/>
+              <a:t> </a:t>
+            </a:r>
+            <a:r>
+              <a:rPr lang="en-US" dirty="0" err="1"/>
+              <a:t>thực</a:t>
+            </a:r>
+            <a:r>
+              <a:rPr lang="en-US" dirty="0"/>
+              <a:t> </a:t>
+            </a:r>
+            <a:r>
+              <a:rPr lang="en-US" dirty="0" err="1"/>
+              <a:t>tế</a:t>
+            </a:r>
+            <a:r>
+              <a:rPr lang="en-US" dirty="0"/>
+              <a:t> </a:t>
+            </a:r>
+            <a:r>
+              <a:rPr lang="en-US" dirty="0" err="1"/>
+              <a:t>thực</a:t>
+            </a:r>
+            <a:r>
+              <a:rPr lang="en-US" dirty="0"/>
+              <a:t> </a:t>
+            </a:r>
+            <a:r>
+              <a:rPr lang="en-US" dirty="0" err="1"/>
+              <a:t>hiện</a:t>
+            </a:r>
+            <a:r>
+              <a:rPr lang="en-US" dirty="0"/>
+              <a:t> </a:t>
+            </a:r>
+            <a:r>
+              <a:rPr lang="en-US" dirty="0" err="1"/>
+              <a:t>cho</a:t>
+            </a:r>
+            <a:r>
+              <a:rPr lang="en-US" dirty="0"/>
+              <a:t> </a:t>
+            </a:r>
+            <a:r>
+              <a:rPr lang="en-US" dirty="0" err="1"/>
+              <a:t>từng</a:t>
+            </a:r>
+            <a:r>
+              <a:rPr lang="en-US" dirty="0"/>
+              <a:t> module </a:t>
+            </a:r>
           </a:p>
         </p:txBody>
       </p:sp>
@@ -4546,7 +4648,7 @@
           <a:p>
             <a:fld id="{E65D64CF-40D3-8A4B-A22E-736EA1880BEB}" type="slidenum">
               <a:rPr lang="en-US" smtClean="0"/>
-              <a:t>19</a:t>
+              <a:t>12</a:t>
             </a:fld>
             <a:endParaRPr lang="en-US"/>
           </a:p>
@@ -4555,7 +4657,7 @@
     </p:spTree>
     <p:extLst>
       <p:ext uri="{BB962C8B-B14F-4D97-AF65-F5344CB8AC3E}">
-        <p14:creationId xmlns:p14="http://schemas.microsoft.com/office/powerpoint/2010/main" val="434646626"/>
+        <p14:creationId xmlns:p14="http://schemas.microsoft.com/office/powerpoint/2010/main" val="816925685"/>
       </p:ext>
     </p:extLst>
   </p:cSld>
@@ -4609,7 +4711,222 @@
           <a:bodyPr/>
           <a:lstStyle/>
           <a:p>
-            <a:endParaRPr lang="en-US" dirty="0"/>
+            <a:r>
+              <a:rPr lang="en-US" dirty="0" err="1"/>
+              <a:t>Còn</a:t>
+            </a:r>
+            <a:r>
+              <a:rPr lang="en-US" dirty="0"/>
+              <a:t> </a:t>
+            </a:r>
+            <a:r>
+              <a:rPr lang="en-US" dirty="0" err="1"/>
+              <a:t>đây</a:t>
+            </a:r>
+            <a:r>
+              <a:rPr lang="en-US" dirty="0"/>
+              <a:t> </a:t>
+            </a:r>
+            <a:r>
+              <a:rPr lang="en-US" dirty="0" err="1"/>
+              <a:t>là</a:t>
+            </a:r>
+            <a:r>
+              <a:rPr lang="en-US" dirty="0"/>
+              <a:t> </a:t>
+            </a:r>
+            <a:r>
+              <a:rPr lang="en-US" dirty="0" err="1"/>
+              <a:t>tổng</a:t>
+            </a:r>
+            <a:r>
+              <a:rPr lang="en-US" dirty="0"/>
+              <a:t> </a:t>
+            </a:r>
+            <a:r>
+              <a:rPr lang="en-US" dirty="0" err="1"/>
+              <a:t>thời</a:t>
+            </a:r>
+            <a:r>
+              <a:rPr lang="en-US" dirty="0"/>
+              <a:t> </a:t>
+            </a:r>
+            <a:r>
+              <a:rPr lang="en-US" dirty="0" err="1"/>
+              <a:t>gian</a:t>
+            </a:r>
+            <a:r>
+              <a:rPr lang="en-US" dirty="0"/>
+              <a:t> </a:t>
+            </a:r>
+            <a:r>
+              <a:rPr lang="en-US" dirty="0" err="1"/>
+              <a:t>làm</a:t>
+            </a:r>
+            <a:r>
+              <a:rPr lang="en-US" dirty="0"/>
+              <a:t> </a:t>
+            </a:r>
+            <a:r>
+              <a:rPr lang="en-US" dirty="0" err="1"/>
+              <a:t>việc</a:t>
+            </a:r>
+            <a:r>
+              <a:rPr lang="en-US" dirty="0"/>
+              <a:t> </a:t>
+            </a:r>
+            <a:r>
+              <a:rPr lang="en-US" dirty="0" err="1"/>
+              <a:t>theo</a:t>
+            </a:r>
+            <a:r>
+              <a:rPr lang="en-US" dirty="0"/>
+              <a:t> </a:t>
+            </a:r>
+            <a:r>
+              <a:rPr lang="en-US" dirty="0" err="1"/>
+              <a:t>dự</a:t>
+            </a:r>
+            <a:r>
+              <a:rPr lang="en-US" dirty="0"/>
+              <a:t> </a:t>
+            </a:r>
+            <a:r>
+              <a:rPr lang="en-US" dirty="0" err="1"/>
+              <a:t>kiến</a:t>
+            </a:r>
+            <a:r>
+              <a:rPr lang="en-US" dirty="0"/>
+              <a:t> </a:t>
+            </a:r>
+            <a:r>
+              <a:rPr lang="en-US" dirty="0" err="1"/>
+              <a:t>và</a:t>
+            </a:r>
+            <a:r>
+              <a:rPr lang="en-US" dirty="0"/>
+              <a:t> </a:t>
+            </a:r>
+            <a:r>
+              <a:rPr lang="en-US" dirty="0" err="1"/>
+              <a:t>thực</a:t>
+            </a:r>
+            <a:r>
+              <a:rPr lang="en-US" dirty="0"/>
+              <a:t> </a:t>
+            </a:r>
+            <a:r>
+              <a:rPr lang="en-US" dirty="0" err="1"/>
+              <a:t>tế</a:t>
+            </a:r>
+            <a:r>
+              <a:rPr lang="en-US" dirty="0"/>
+              <a:t> </a:t>
+            </a:r>
+            <a:r>
+              <a:rPr lang="en-US" dirty="0" err="1"/>
+              <a:t>của</a:t>
+            </a:r>
+            <a:r>
+              <a:rPr lang="en-US" dirty="0"/>
+              <a:t> </a:t>
+            </a:r>
+            <a:r>
+              <a:rPr lang="en-US" dirty="0" err="1"/>
+              <a:t>từng</a:t>
+            </a:r>
+            <a:r>
+              <a:rPr lang="en-US" dirty="0"/>
+              <a:t> </a:t>
+            </a:r>
+            <a:r>
+              <a:rPr lang="en-US" dirty="0" err="1"/>
+              <a:t>thành</a:t>
+            </a:r>
+            <a:r>
+              <a:rPr lang="en-US" dirty="0"/>
+              <a:t> </a:t>
+            </a:r>
+            <a:r>
+              <a:rPr lang="en-US" dirty="0" err="1"/>
+              <a:t>viên</a:t>
+            </a:r>
+            <a:r>
+              <a:rPr lang="en-US" dirty="0"/>
+              <a:t> </a:t>
+            </a:r>
+            <a:r>
+              <a:rPr lang="en-US" dirty="0" err="1"/>
+              <a:t>trong</a:t>
+            </a:r>
+            <a:r>
+              <a:rPr lang="en-US" dirty="0"/>
+              <a:t> </a:t>
+            </a:r>
+            <a:r>
+              <a:rPr lang="en-US" dirty="0" err="1"/>
+              <a:t>toàn</a:t>
+            </a:r>
+            <a:r>
+              <a:rPr lang="en-US" dirty="0"/>
+              <a:t> </a:t>
+            </a:r>
+            <a:r>
+              <a:rPr lang="en-US" dirty="0" err="1"/>
+              <a:t>bộ</a:t>
+            </a:r>
+            <a:r>
+              <a:rPr lang="en-US" dirty="0"/>
+              <a:t> </a:t>
+            </a:r>
+            <a:r>
+              <a:rPr lang="en-US" dirty="0" err="1"/>
+              <a:t>quá</a:t>
+            </a:r>
+            <a:r>
+              <a:rPr lang="en-US" dirty="0"/>
+              <a:t> </a:t>
+            </a:r>
+            <a:r>
+              <a:rPr lang="en-US" dirty="0" err="1"/>
+              <a:t>trình</a:t>
+            </a:r>
+            <a:r>
+              <a:rPr lang="en-US" dirty="0"/>
+              <a:t> </a:t>
+            </a:r>
+            <a:r>
+              <a:rPr lang="en-US" dirty="0" err="1"/>
+              <a:t>thực</a:t>
+            </a:r>
+            <a:r>
+              <a:rPr lang="en-US" dirty="0"/>
+              <a:t> </a:t>
+            </a:r>
+            <a:r>
+              <a:rPr lang="en-US" dirty="0" err="1"/>
+              <a:t>hiện</a:t>
+            </a:r>
+            <a:r>
+              <a:rPr lang="en-US" dirty="0"/>
+              <a:t> </a:t>
+            </a:r>
+            <a:r>
+              <a:rPr lang="en-US" dirty="0" err="1"/>
+              <a:t>dự</a:t>
+            </a:r>
+            <a:r>
+              <a:rPr lang="en-US" dirty="0"/>
+              <a:t> </a:t>
+            </a:r>
+            <a:r>
+              <a:rPr lang="en-US" dirty="0" err="1"/>
+              <a:t>án</a:t>
+            </a:r>
+            <a:r>
+              <a:rPr lang="en-US" dirty="0"/>
+              <a:t>.</a:t>
+            </a:r>
           </a:p>
         </p:txBody>
       </p:sp>
@@ -4630,7 +4947,7 @@
           <a:p>
             <a:fld id="{E65D64CF-40D3-8A4B-A22E-736EA1880BEB}" type="slidenum">
               <a:rPr lang="en-US" smtClean="0"/>
-              <a:t>20</a:t>
+              <a:t>13</a:t>
             </a:fld>
             <a:endParaRPr lang="en-US"/>
           </a:p>
@@ -4639,7 +4956,7 @@
     </p:spTree>
     <p:extLst>
       <p:ext uri="{BB962C8B-B14F-4D97-AF65-F5344CB8AC3E}">
-        <p14:creationId xmlns:p14="http://schemas.microsoft.com/office/powerpoint/2010/main" val="1429398691"/>
+        <p14:creationId xmlns:p14="http://schemas.microsoft.com/office/powerpoint/2010/main" val="3838883376"/>
       </p:ext>
     </p:extLst>
   </p:cSld>
@@ -4693,6 +5010,122 @@
           <a:bodyPr/>
           <a:lstStyle/>
           <a:p>
+            <a:r>
+              <a:rPr lang="en-US" dirty="0" err="1"/>
+              <a:t>Và</a:t>
+            </a:r>
+            <a:r>
+              <a:rPr lang="en-US" dirty="0"/>
+              <a:t> </a:t>
+            </a:r>
+            <a:r>
+              <a:rPr lang="en-US" dirty="0" err="1"/>
+              <a:t>cuối</a:t>
+            </a:r>
+            <a:r>
+              <a:rPr lang="en-US" dirty="0"/>
+              <a:t> </a:t>
+            </a:r>
+            <a:r>
+              <a:rPr lang="en-US" dirty="0" err="1"/>
+              <a:t>cùng</a:t>
+            </a:r>
+            <a:r>
+              <a:rPr lang="en-US" dirty="0"/>
+              <a:t> </a:t>
+            </a:r>
+            <a:r>
+              <a:rPr lang="en-US" dirty="0" err="1"/>
+              <a:t>là</a:t>
+            </a:r>
+            <a:r>
+              <a:rPr lang="en-US" dirty="0"/>
+              <a:t> </a:t>
+            </a:r>
+            <a:r>
+              <a:rPr lang="en-US" dirty="0" err="1"/>
+              <a:t>những</a:t>
+            </a:r>
+            <a:r>
+              <a:rPr lang="en-US" dirty="0"/>
+              <a:t> </a:t>
+            </a:r>
+            <a:r>
+              <a:rPr lang="en-US" dirty="0" err="1"/>
+              <a:t>cột</a:t>
+            </a:r>
+            <a:r>
+              <a:rPr lang="en-US" dirty="0"/>
+              <a:t> </a:t>
+            </a:r>
+            <a:r>
+              <a:rPr lang="en-US" dirty="0" err="1"/>
+              <a:t>mốc</a:t>
+            </a:r>
+            <a:r>
+              <a:rPr lang="en-US" dirty="0"/>
+              <a:t> </a:t>
+            </a:r>
+            <a:r>
+              <a:rPr lang="en-US" dirty="0" err="1"/>
+              <a:t>quan</a:t>
+            </a:r>
+            <a:r>
+              <a:rPr lang="en-US" dirty="0"/>
+              <a:t> </a:t>
+            </a:r>
+            <a:r>
+              <a:rPr lang="en-US" dirty="0" err="1"/>
+              <a:t>trọng</a:t>
+            </a:r>
+            <a:r>
+              <a:rPr lang="en-US" dirty="0"/>
+              <a:t> </a:t>
+            </a:r>
+            <a:r>
+              <a:rPr lang="en-US" dirty="0" err="1"/>
+              <a:t>trong</a:t>
+            </a:r>
+            <a:r>
+              <a:rPr lang="en-US" dirty="0"/>
+              <a:t> </a:t>
+            </a:r>
+            <a:r>
+              <a:rPr lang="en-US" dirty="0" err="1"/>
+              <a:t>suốt</a:t>
+            </a:r>
+            <a:r>
+              <a:rPr lang="en-US" dirty="0"/>
+              <a:t> </a:t>
+            </a:r>
+            <a:r>
+              <a:rPr lang="en-US" dirty="0" err="1"/>
+              <a:t>quá</a:t>
+            </a:r>
+            <a:r>
+              <a:rPr lang="en-US" dirty="0"/>
+              <a:t> </a:t>
+            </a:r>
+            <a:r>
+              <a:rPr lang="en-US" dirty="0" err="1"/>
+              <a:t>trình</a:t>
+            </a:r>
+            <a:r>
+              <a:rPr lang="en-US" dirty="0"/>
+              <a:t> </a:t>
+            </a:r>
+            <a:r>
+              <a:rPr lang="en-US" dirty="0" err="1"/>
+              <a:t>dự</a:t>
+            </a:r>
+            <a:r>
+              <a:rPr lang="en-US" dirty="0"/>
+              <a:t> </a:t>
+            </a:r>
+            <a:r>
+              <a:rPr lang="en-US" dirty="0" err="1"/>
+              <a:t>án</a:t>
+            </a:r>
             <a:endParaRPr lang="en-US" dirty="0"/>
           </a:p>
         </p:txBody>
@@ -4714,7 +5147,7 @@
           <a:p>
             <a:fld id="{E65D64CF-40D3-8A4B-A22E-736EA1880BEB}" type="slidenum">
               <a:rPr lang="en-US" smtClean="0"/>
-              <a:t>21</a:t>
+              <a:t>14</a:t>
             </a:fld>
             <a:endParaRPr lang="en-US"/>
           </a:p>
@@ -4723,7 +5156,7 @@
     </p:spTree>
     <p:extLst>
       <p:ext uri="{BB962C8B-B14F-4D97-AF65-F5344CB8AC3E}">
-        <p14:creationId xmlns:p14="http://schemas.microsoft.com/office/powerpoint/2010/main" val="2469013159"/>
+        <p14:creationId xmlns:p14="http://schemas.microsoft.com/office/powerpoint/2010/main" val="1394761916"/>
       </p:ext>
     </p:extLst>
   </p:cSld>
@@ -4777,7 +5210,132 @@
           <a:bodyPr/>
           <a:lstStyle/>
           <a:p>
-            <a:endParaRPr lang="en-US" dirty="0"/>
+            <a:pPr>
+              <a:lnSpc>
+                <a:spcPct val="250000"/>
+              </a:lnSpc>
+              <a:spcBef>
+                <a:spcPts val="1200"/>
+              </a:spcBef>
+            </a:pPr>
+            <a:r>
+              <a:rPr lang="vi-VN" dirty="0"/>
+              <a:t>Tiếp đến là phần kiến trúc</a:t>
+            </a:r>
+          </a:p>
+          <a:p>
+            <a:pPr>
+              <a:lnSpc>
+                <a:spcPct val="250000"/>
+              </a:lnSpc>
+              <a:spcBef>
+                <a:spcPts val="1200"/>
+              </a:spcBef>
+            </a:pPr>
+            <a:endParaRPr lang="vi-VN" dirty="0"/>
+          </a:p>
+          <a:p>
+            <a:pPr marL="171450" indent="-171450">
+              <a:lnSpc>
+                <a:spcPct val="250000"/>
+              </a:lnSpc>
+              <a:spcBef>
+                <a:spcPts val="1200"/>
+              </a:spcBef>
+              <a:buFont typeface="Arial" panose="020B0604020202020204" pitchFamily="34" charset="0"/>
+              <a:buChar char="•"/>
+            </a:pPr>
+            <a:r>
+              <a:rPr lang="vi-VN" dirty="0"/>
+              <a:t>Sơ đồ này khái quát những thành phần chính tương tác trực tiếp trong hệ thống:</a:t>
+            </a:r>
+          </a:p>
+          <a:p>
+            <a:pPr marL="171450" indent="-171450">
+              <a:lnSpc>
+                <a:spcPct val="250000"/>
+              </a:lnSpc>
+              <a:spcBef>
+                <a:spcPts val="1200"/>
+              </a:spcBef>
+              <a:buFont typeface="Arial" panose="020B0604020202020204" pitchFamily="34" charset="0"/>
+              <a:buChar char="•"/>
+            </a:pPr>
+            <a:endParaRPr lang="vi-VN" dirty="0"/>
+          </a:p>
+          <a:p>
+            <a:pPr marL="171450" indent="-171450">
+              <a:lnSpc>
+                <a:spcPct val="250000"/>
+              </a:lnSpc>
+              <a:spcBef>
+                <a:spcPts val="1200"/>
+              </a:spcBef>
+              <a:buFont typeface="Arial" panose="020B0604020202020204" pitchFamily="34" charset="0"/>
+              <a:buChar char="•"/>
+            </a:pPr>
+            <a:r>
+              <a:rPr lang="vi-VN" dirty="0"/>
+              <a:t>Có 2 doi tượng người dùng chính:</a:t>
+            </a:r>
+          </a:p>
+          <a:p>
+            <a:pPr marL="171450" indent="-171450">
+              <a:lnSpc>
+                <a:spcPct val="250000"/>
+              </a:lnSpc>
+              <a:spcBef>
+                <a:spcPts val="1200"/>
+              </a:spcBef>
+              <a:buFont typeface="Arial" panose="020B0604020202020204" pitchFamily="34" charset="0"/>
+              <a:buChar char="•"/>
+            </a:pPr>
+            <a:endParaRPr lang="vi-VN" dirty="0"/>
+          </a:p>
+          <a:p>
+            <a:pPr marL="171450" indent="-171450">
+              <a:lnSpc>
+                <a:spcPct val="250000"/>
+              </a:lnSpc>
+              <a:spcBef>
+                <a:spcPts val="1200"/>
+              </a:spcBef>
+              <a:buFont typeface="Arial" panose="020B0604020202020204" pitchFamily="34" charset="0"/>
+              <a:buChar char="•"/>
+            </a:pPr>
+            <a:r>
+              <a:rPr lang="vi-VN" dirty="0"/>
+              <a:t>1 là đối tượng sử dụng mobile app và 2 là web app .</a:t>
+            </a:r>
+          </a:p>
+          <a:p>
+            <a:pPr marL="171450" indent="-171450">
+              <a:lnSpc>
+                <a:spcPct val="250000"/>
+              </a:lnSpc>
+              <a:spcBef>
+                <a:spcPts val="1200"/>
+              </a:spcBef>
+              <a:buFont typeface="Arial" panose="020B0604020202020204" pitchFamily="34" charset="0"/>
+              <a:buChar char="•"/>
+            </a:pPr>
+            <a:endParaRPr lang="vi-VN" dirty="0"/>
+          </a:p>
+          <a:p>
+            <a:pPr marL="171450" indent="-171450">
+              <a:lnSpc>
+                <a:spcPct val="250000"/>
+              </a:lnSpc>
+              <a:spcBef>
+                <a:spcPts val="1200"/>
+              </a:spcBef>
+              <a:buFont typeface="Arial" panose="020B0604020202020204" pitchFamily="34" charset="0"/>
+              <a:buChar char="•"/>
+            </a:pPr>
+            <a:r>
+              <a:rPr lang="vi-VN" dirty="0"/>
+              <a:t>Cả 2 đối tượng người dùng này đều sd chung 1 cs dữ liệu duy nhất để truy xuất dữ liệu mà cụ thể ở đây là firebase .</a:t>
+            </a:r>
           </a:p>
         </p:txBody>
       </p:sp>
@@ -4798,7 +5356,7 @@
           <a:p>
             <a:fld id="{E65D64CF-40D3-8A4B-A22E-736EA1880BEB}" type="slidenum">
               <a:rPr lang="en-US" smtClean="0"/>
-              <a:t>25</a:t>
+              <a:t>15</a:t>
             </a:fld>
             <a:endParaRPr lang="en-US"/>
           </a:p>
@@ -4807,7 +5365,7 @@
     </p:spTree>
     <p:extLst>
       <p:ext uri="{BB962C8B-B14F-4D97-AF65-F5344CB8AC3E}">
-        <p14:creationId xmlns:p14="http://schemas.microsoft.com/office/powerpoint/2010/main" val="1802305342"/>
+        <p14:creationId xmlns:p14="http://schemas.microsoft.com/office/powerpoint/2010/main" val="1640813427"/>
       </p:ext>
     </p:extLst>
   </p:cSld>
@@ -4861,7 +5419,16 @@
           <a:bodyPr/>
           <a:lstStyle/>
           <a:p>
-            <a:endParaRPr lang="en-US" dirty="0"/>
+            <a:r>
+              <a:rPr lang="vi-VN" dirty="0"/>
+              <a:t>Về thiết kế kiến trúc nhóm chỉ tập trung vào 2 thuộc tính chất lượng chính và cơ bản nhất là tính dễ sử dụng và tính đa năng.</a:t>
+            </a:r>
+          </a:p>
+          <a:p>
+            <a:r>
+              <a:rPr lang="vi-VN" dirty="0"/>
+              <a:t>Vì tính chất của dự án yêu cầu ứng dụng phát triển nhanh.</a:t>
+            </a:r>
           </a:p>
         </p:txBody>
       </p:sp>
@@ -4882,7 +5449,7 @@
           <a:p>
             <a:fld id="{E65D64CF-40D3-8A4B-A22E-736EA1880BEB}" type="slidenum">
               <a:rPr lang="en-US" smtClean="0"/>
-              <a:t>27</a:t>
+              <a:t>16</a:t>
             </a:fld>
             <a:endParaRPr lang="en-US"/>
           </a:p>
@@ -4891,7 +5458,592 @@
     </p:spTree>
     <p:extLst>
       <p:ext uri="{BB962C8B-B14F-4D97-AF65-F5344CB8AC3E}">
-        <p14:creationId xmlns:p14="http://schemas.microsoft.com/office/powerpoint/2010/main" val="1087628761"/>
+        <p14:creationId xmlns:p14="http://schemas.microsoft.com/office/powerpoint/2010/main" val="816143016"/>
+      </p:ext>
+    </p:extLst>
+  </p:cSld>
+  <p:clrMapOvr>
+    <a:masterClrMapping/>
+  </p:clrMapOvr>
+</p:notes>
+</file>
+
+<file path=ppt/notesSlides/notesSlide16.xml><?xml version="1.0" encoding="utf-8"?>
+<p:notes xmlns:a="http://schemas.openxmlformats.org/drawingml/2006/main" xmlns:r="http://schemas.openxmlformats.org/officeDocument/2006/relationships" xmlns:p="http://schemas.openxmlformats.org/presentationml/2006/main">
+  <p:cSld>
+    <p:spTree>
+      <p:nvGrpSpPr>
+        <p:cNvPr id="1" name=""/>
+        <p:cNvGrpSpPr/>
+        <p:nvPr/>
+      </p:nvGrpSpPr>
+      <p:grpSpPr>
+        <a:xfrm>
+          <a:off x="0" y="0"/>
+          <a:ext cx="0" cy="0"/>
+          <a:chOff x="0" y="0"/>
+          <a:chExt cx="0" cy="0"/>
+        </a:xfrm>
+      </p:grpSpPr>
+      <p:sp>
+        <p:nvSpPr>
+          <p:cNvPr id="2" name="Slide Image Placeholder 1"/>
+          <p:cNvSpPr>
+            <a:spLocks noGrp="1" noRot="1" noChangeAspect="1"/>
+          </p:cNvSpPr>
+          <p:nvPr>
+            <p:ph type="sldImg"/>
+          </p:nvPr>
+        </p:nvSpPr>
+        <p:spPr/>
+      </p:sp>
+      <p:sp>
+        <p:nvSpPr>
+          <p:cNvPr id="3" name="Notes Placeholder 2"/>
+          <p:cNvSpPr>
+            <a:spLocks noGrp="1"/>
+          </p:cNvSpPr>
+          <p:nvPr>
+            <p:ph type="body" idx="1"/>
+          </p:nvPr>
+        </p:nvSpPr>
+        <p:spPr/>
+        <p:txBody>
+          <a:bodyPr/>
+          <a:lstStyle/>
+          <a:p>
+            <a:r>
+              <a:rPr lang="vi-VN" dirty="0"/>
+              <a:t>Về tính dễ sử dụng nhóm đã tập trung vào việc thiết kế giao diện</a:t>
+            </a:r>
+          </a:p>
+          <a:p>
+            <a:endParaRPr lang="vi-VN" dirty="0"/>
+          </a:p>
+          <a:p>
+            <a:r>
+              <a:rPr lang="vi-VN" dirty="0"/>
+              <a:t>Luồng đi của người dùng để tăng khả năng trải nghiệm người dùng</a:t>
+            </a:r>
+          </a:p>
+          <a:p>
+            <a:endParaRPr lang="vi-VN" dirty="0"/>
+          </a:p>
+          <a:p>
+            <a:r>
+              <a:rPr lang="vi-VN" dirty="0"/>
+              <a:t>Để người dùng dễ dàng tương tác với ứng dụng trên nền tảng mobile app lẫn web</a:t>
+            </a:r>
+          </a:p>
+        </p:txBody>
+      </p:sp>
+      <p:sp>
+        <p:nvSpPr>
+          <p:cNvPr id="4" name="Slide Number Placeholder 3"/>
+          <p:cNvSpPr>
+            <a:spLocks noGrp="1"/>
+          </p:cNvSpPr>
+          <p:nvPr>
+            <p:ph type="sldNum" sz="quarter" idx="5"/>
+          </p:nvPr>
+        </p:nvSpPr>
+        <p:spPr/>
+        <p:txBody>
+          <a:bodyPr/>
+          <a:lstStyle/>
+          <a:p>
+            <a:fld id="{E65D64CF-40D3-8A4B-A22E-736EA1880BEB}" type="slidenum">
+              <a:rPr lang="en-US" smtClean="0"/>
+              <a:t>17</a:t>
+            </a:fld>
+            <a:endParaRPr lang="en-US"/>
+          </a:p>
+        </p:txBody>
+      </p:sp>
+    </p:spTree>
+    <p:extLst>
+      <p:ext uri="{BB962C8B-B14F-4D97-AF65-F5344CB8AC3E}">
+        <p14:creationId xmlns:p14="http://schemas.microsoft.com/office/powerpoint/2010/main" val="135567564"/>
+      </p:ext>
+    </p:extLst>
+  </p:cSld>
+  <p:clrMapOvr>
+    <a:masterClrMapping/>
+  </p:clrMapOvr>
+</p:notes>
+</file>
+
+<file path=ppt/notesSlides/notesSlide17.xml><?xml version="1.0" encoding="utf-8"?>
+<p:notes xmlns:a="http://schemas.openxmlformats.org/drawingml/2006/main" xmlns:r="http://schemas.openxmlformats.org/officeDocument/2006/relationships" xmlns:p="http://schemas.openxmlformats.org/presentationml/2006/main">
+  <p:cSld>
+    <p:spTree>
+      <p:nvGrpSpPr>
+        <p:cNvPr id="1" name=""/>
+        <p:cNvGrpSpPr/>
+        <p:nvPr/>
+      </p:nvGrpSpPr>
+      <p:grpSpPr>
+        <a:xfrm>
+          <a:off x="0" y="0"/>
+          <a:ext cx="0" cy="0"/>
+          <a:chOff x="0" y="0"/>
+          <a:chExt cx="0" cy="0"/>
+        </a:xfrm>
+      </p:grpSpPr>
+      <p:sp>
+        <p:nvSpPr>
+          <p:cNvPr id="2" name="Slide Image Placeholder 1"/>
+          <p:cNvSpPr>
+            <a:spLocks noGrp="1" noRot="1" noChangeAspect="1"/>
+          </p:cNvSpPr>
+          <p:nvPr>
+            <p:ph type="sldImg"/>
+          </p:nvPr>
+        </p:nvSpPr>
+        <p:spPr/>
+      </p:sp>
+      <p:sp>
+        <p:nvSpPr>
+          <p:cNvPr id="3" name="Notes Placeholder 2"/>
+          <p:cNvSpPr>
+            <a:spLocks noGrp="1"/>
+          </p:cNvSpPr>
+          <p:nvPr>
+            <p:ph type="body" idx="1"/>
+          </p:nvPr>
+        </p:nvSpPr>
+        <p:spPr/>
+        <p:txBody>
+          <a:bodyPr/>
+          <a:lstStyle/>
+          <a:p>
+            <a:r>
+              <a:rPr lang="vi-VN" dirty="0"/>
+              <a:t>Về tính đa năng, vì yêu cầu đề ra là ứng dụng cần phát triển nhanh, và chạy được trên hai nền tảng di động chính hiện nay là android và ios.</a:t>
+            </a:r>
+          </a:p>
+          <a:p>
+            <a:r>
+              <a:rPr lang="vi-VN" dirty="0"/>
+              <a:t>Do đó nhóm đã chọn framework react native để xây dựng ứng dụng để ứng dụng được triển khai trong thời gian nhanh nhất có thể.</a:t>
+            </a:r>
+            <a:endParaRPr lang="en-US" dirty="0"/>
+          </a:p>
+        </p:txBody>
+      </p:sp>
+      <p:sp>
+        <p:nvSpPr>
+          <p:cNvPr id="4" name="Slide Number Placeholder 3"/>
+          <p:cNvSpPr>
+            <a:spLocks noGrp="1"/>
+          </p:cNvSpPr>
+          <p:nvPr>
+            <p:ph type="sldNum" sz="quarter" idx="5"/>
+          </p:nvPr>
+        </p:nvSpPr>
+        <p:spPr/>
+        <p:txBody>
+          <a:bodyPr/>
+          <a:lstStyle/>
+          <a:p>
+            <a:fld id="{E65D64CF-40D3-8A4B-A22E-736EA1880BEB}" type="slidenum">
+              <a:rPr lang="en-US" smtClean="0"/>
+              <a:t>18</a:t>
+            </a:fld>
+            <a:endParaRPr lang="en-US"/>
+          </a:p>
+        </p:txBody>
+      </p:sp>
+    </p:spTree>
+    <p:extLst>
+      <p:ext uri="{BB962C8B-B14F-4D97-AF65-F5344CB8AC3E}">
+        <p14:creationId xmlns:p14="http://schemas.microsoft.com/office/powerpoint/2010/main" val="3327323752"/>
+      </p:ext>
+    </p:extLst>
+  </p:cSld>
+  <p:clrMapOvr>
+    <a:masterClrMapping/>
+  </p:clrMapOvr>
+</p:notes>
+</file>
+
+<file path=ppt/notesSlides/notesSlide18.xml><?xml version="1.0" encoding="utf-8"?>
+<p:notes xmlns:a="http://schemas.openxmlformats.org/drawingml/2006/main" xmlns:r="http://schemas.openxmlformats.org/officeDocument/2006/relationships" xmlns:p="http://schemas.openxmlformats.org/presentationml/2006/main">
+  <p:cSld>
+    <p:spTree>
+      <p:nvGrpSpPr>
+        <p:cNvPr id="1" name=""/>
+        <p:cNvGrpSpPr/>
+        <p:nvPr/>
+      </p:nvGrpSpPr>
+      <p:grpSpPr>
+        <a:xfrm>
+          <a:off x="0" y="0"/>
+          <a:ext cx="0" cy="0"/>
+          <a:chOff x="0" y="0"/>
+          <a:chExt cx="0" cy="0"/>
+        </a:xfrm>
+      </p:grpSpPr>
+      <p:sp>
+        <p:nvSpPr>
+          <p:cNvPr id="2" name="Slide Image Placeholder 1"/>
+          <p:cNvSpPr>
+            <a:spLocks noGrp="1" noRot="1" noChangeAspect="1"/>
+          </p:cNvSpPr>
+          <p:nvPr>
+            <p:ph type="sldImg"/>
+          </p:nvPr>
+        </p:nvSpPr>
+        <p:spPr/>
+      </p:sp>
+      <p:sp>
+        <p:nvSpPr>
+          <p:cNvPr id="3" name="Notes Placeholder 2"/>
+          <p:cNvSpPr>
+            <a:spLocks noGrp="1"/>
+          </p:cNvSpPr>
+          <p:nvPr>
+            <p:ph type="body" idx="1"/>
+          </p:nvPr>
+        </p:nvSpPr>
+        <p:spPr/>
+        <p:txBody>
+          <a:bodyPr/>
+          <a:lstStyle/>
+          <a:p>
+            <a:r>
+              <a:rPr lang="en-US" dirty="0" err="1"/>
+              <a:t>Dự</a:t>
+            </a:r>
+            <a:r>
+              <a:rPr lang="en-US" dirty="0"/>
+              <a:t> </a:t>
+            </a:r>
+            <a:r>
+              <a:rPr lang="en-US" dirty="0" err="1"/>
+              <a:t>án</a:t>
+            </a:r>
+            <a:r>
+              <a:rPr lang="en-US" dirty="0"/>
+              <a:t> </a:t>
+            </a:r>
+            <a:r>
+              <a:rPr lang="en-US" dirty="0" err="1"/>
+              <a:t>này</a:t>
+            </a:r>
+            <a:r>
+              <a:rPr lang="en-US" dirty="0"/>
+              <a:t> </a:t>
+            </a:r>
+            <a:r>
+              <a:rPr lang="en-US" dirty="0" err="1"/>
+              <a:t>nhóm</a:t>
+            </a:r>
+            <a:r>
+              <a:rPr lang="en-US" dirty="0"/>
+              <a:t> </a:t>
+            </a:r>
+            <a:r>
+              <a:rPr lang="en-US" dirty="0" err="1"/>
+              <a:t>thực</a:t>
+            </a:r>
+            <a:r>
+              <a:rPr lang="en-US" dirty="0"/>
+              <a:t> </a:t>
+            </a:r>
+            <a:r>
+              <a:rPr lang="en-US" dirty="0" err="1"/>
+              <a:t>hiện</a:t>
+            </a:r>
+            <a:r>
+              <a:rPr lang="en-US" dirty="0"/>
+              <a:t> manual test </a:t>
+            </a:r>
+            <a:r>
+              <a:rPr lang="en-US" dirty="0" err="1"/>
+              <a:t>với</a:t>
+            </a:r>
+            <a:r>
+              <a:rPr lang="en-US" dirty="0"/>
+              <a:t> 3 level:</a:t>
+            </a:r>
+          </a:p>
+          <a:p>
+            <a:endParaRPr lang="en-US" dirty="0"/>
+          </a:p>
+          <a:p>
+            <a:pPr marL="171450" indent="-171450">
+              <a:buFont typeface="Arial" panose="020B0604020202020204" pitchFamily="34" charset="0"/>
+              <a:buChar char="•"/>
+            </a:pPr>
+            <a:r>
+              <a:rPr lang="en-US" dirty="0" err="1"/>
+              <a:t>Intergration</a:t>
+            </a:r>
+            <a:r>
+              <a:rPr lang="en-US" dirty="0"/>
+              <a:t> test, function test, UAT test.</a:t>
+            </a:r>
+          </a:p>
+          <a:p>
+            <a:pPr marL="171450" indent="-171450">
+              <a:buFont typeface="Arial" panose="020B0604020202020204" pitchFamily="34" charset="0"/>
+              <a:buChar char="•"/>
+            </a:pPr>
+            <a:endParaRPr lang="en-US" dirty="0"/>
+          </a:p>
+          <a:p>
+            <a:pPr marL="171450" indent="-171450">
+              <a:buFont typeface="Arial" panose="020B0604020202020204" pitchFamily="34" charset="0"/>
+              <a:buChar char="•"/>
+            </a:pPr>
+            <a:r>
+              <a:rPr lang="en-US" dirty="0" err="1"/>
+              <a:t>Với</a:t>
+            </a:r>
+            <a:r>
+              <a:rPr lang="en-US" dirty="0"/>
+              <a:t> </a:t>
+            </a:r>
+            <a:r>
+              <a:rPr lang="en-US" dirty="0" err="1"/>
+              <a:t>tổng</a:t>
+            </a:r>
+            <a:r>
+              <a:rPr lang="en-US" dirty="0"/>
+              <a:t> </a:t>
+            </a:r>
+            <a:r>
+              <a:rPr lang="en-US" dirty="0" err="1"/>
+              <a:t>cộng</a:t>
+            </a:r>
+            <a:r>
+              <a:rPr lang="en-US" dirty="0"/>
+              <a:t> 372 test case </a:t>
+            </a:r>
+            <a:r>
+              <a:rPr lang="en-US" dirty="0" err="1"/>
+              <a:t>thuộc</a:t>
+            </a:r>
+            <a:r>
+              <a:rPr lang="en-US" dirty="0"/>
+              <a:t> 3 </a:t>
+            </a:r>
+            <a:r>
+              <a:rPr lang="en-US" dirty="0" err="1"/>
+              <a:t>mức</a:t>
+            </a:r>
+            <a:r>
+              <a:rPr lang="en-US" dirty="0"/>
+              <a:t> </a:t>
+            </a:r>
+            <a:r>
+              <a:rPr lang="en-US" dirty="0" err="1"/>
+              <a:t>độ</a:t>
+            </a:r>
+            <a:r>
+              <a:rPr lang="en-US" dirty="0"/>
+              <a:t> High medium </a:t>
+            </a:r>
+            <a:r>
+              <a:rPr lang="en-US" dirty="0" err="1"/>
+              <a:t>và</a:t>
+            </a:r>
+            <a:r>
+              <a:rPr lang="en-US" dirty="0"/>
+              <a:t> low. </a:t>
+            </a:r>
+          </a:p>
+          <a:p>
+            <a:pPr marL="171450" indent="-171450">
+              <a:buFont typeface="Arial" panose="020B0604020202020204" pitchFamily="34" charset="0"/>
+              <a:buChar char="•"/>
+            </a:pPr>
+            <a:endParaRPr lang="en-US" dirty="0"/>
+          </a:p>
+          <a:p>
+            <a:endParaRPr lang="en-US" dirty="0"/>
+          </a:p>
+          <a:p>
+            <a:endParaRPr lang="en-US" dirty="0"/>
+          </a:p>
+        </p:txBody>
+      </p:sp>
+      <p:sp>
+        <p:nvSpPr>
+          <p:cNvPr id="4" name="Slide Number Placeholder 3"/>
+          <p:cNvSpPr>
+            <a:spLocks noGrp="1"/>
+          </p:cNvSpPr>
+          <p:nvPr>
+            <p:ph type="sldNum" sz="quarter" idx="5"/>
+          </p:nvPr>
+        </p:nvSpPr>
+        <p:spPr/>
+        <p:txBody>
+          <a:bodyPr/>
+          <a:lstStyle/>
+          <a:p>
+            <a:fld id="{E65D64CF-40D3-8A4B-A22E-736EA1880BEB}" type="slidenum">
+              <a:rPr lang="en-US" smtClean="0"/>
+              <a:t>19</a:t>
+            </a:fld>
+            <a:endParaRPr lang="en-US"/>
+          </a:p>
+        </p:txBody>
+      </p:sp>
+    </p:spTree>
+    <p:extLst>
+      <p:ext uri="{BB962C8B-B14F-4D97-AF65-F5344CB8AC3E}">
+        <p14:creationId xmlns:p14="http://schemas.microsoft.com/office/powerpoint/2010/main" val="434646626"/>
+      </p:ext>
+    </p:extLst>
+  </p:cSld>
+  <p:clrMapOvr>
+    <a:masterClrMapping/>
+  </p:clrMapOvr>
+</p:notes>
+</file>
+
+<file path=ppt/notesSlides/notesSlide19.xml><?xml version="1.0" encoding="utf-8"?>
+<p:notes xmlns:a="http://schemas.openxmlformats.org/drawingml/2006/main" xmlns:r="http://schemas.openxmlformats.org/officeDocument/2006/relationships" xmlns:p="http://schemas.openxmlformats.org/presentationml/2006/main">
+  <p:cSld>
+    <p:spTree>
+      <p:nvGrpSpPr>
+        <p:cNvPr id="1" name=""/>
+        <p:cNvGrpSpPr/>
+        <p:nvPr/>
+      </p:nvGrpSpPr>
+      <p:grpSpPr>
+        <a:xfrm>
+          <a:off x="0" y="0"/>
+          <a:ext cx="0" cy="0"/>
+          <a:chOff x="0" y="0"/>
+          <a:chExt cx="0" cy="0"/>
+        </a:xfrm>
+      </p:grpSpPr>
+      <p:sp>
+        <p:nvSpPr>
+          <p:cNvPr id="2" name="Slide Image Placeholder 1"/>
+          <p:cNvSpPr>
+            <a:spLocks noGrp="1" noRot="1" noChangeAspect="1"/>
+          </p:cNvSpPr>
+          <p:nvPr>
+            <p:ph type="sldImg"/>
+          </p:nvPr>
+        </p:nvSpPr>
+        <p:spPr/>
+      </p:sp>
+      <p:sp>
+        <p:nvSpPr>
+          <p:cNvPr id="3" name="Notes Placeholder 2"/>
+          <p:cNvSpPr>
+            <a:spLocks noGrp="1"/>
+          </p:cNvSpPr>
+          <p:nvPr>
+            <p:ph type="body" idx="1"/>
+          </p:nvPr>
+        </p:nvSpPr>
+        <p:spPr/>
+        <p:txBody>
+          <a:bodyPr/>
+          <a:lstStyle/>
+          <a:p>
+            <a:pPr marL="0" marR="0" lvl="0" indent="0" algn="l" defTabSz="914400" rtl="0" eaLnBrk="1" fontAlgn="auto" latinLnBrk="0" hangingPunct="1">
+              <a:lnSpc>
+                <a:spcPct val="100000"/>
+              </a:lnSpc>
+              <a:spcBef>
+                <a:spcPts val="0"/>
+              </a:spcBef>
+              <a:spcAft>
+                <a:spcPts val="0"/>
+              </a:spcAft>
+              <a:buClrTx/>
+              <a:buSzTx/>
+              <a:buFontTx/>
+              <a:buNone/>
+              <a:tabLst/>
+              <a:defRPr/>
+            </a:pPr>
+            <a:r>
+              <a:rPr lang="en-US" dirty="0" err="1"/>
+              <a:t>Trong</a:t>
+            </a:r>
+            <a:r>
+              <a:rPr lang="en-US" dirty="0"/>
+              <a:t> </a:t>
+            </a:r>
+            <a:r>
+              <a:rPr lang="en-US" dirty="0" err="1"/>
+              <a:t>đó</a:t>
+            </a:r>
+            <a:r>
+              <a:rPr lang="en-US" dirty="0"/>
+              <a:t> 40 high, 45 medium </a:t>
+            </a:r>
+            <a:r>
+              <a:rPr lang="en-US" dirty="0" err="1"/>
+              <a:t>và</a:t>
+            </a:r>
+            <a:r>
+              <a:rPr lang="en-US" dirty="0"/>
+              <a:t> </a:t>
+            </a:r>
+            <a:r>
+              <a:rPr lang="en-US" dirty="0" err="1"/>
+              <a:t>còn</a:t>
+            </a:r>
+            <a:r>
+              <a:rPr lang="en-US" dirty="0"/>
+              <a:t> </a:t>
+            </a:r>
+            <a:r>
+              <a:rPr lang="en-US" dirty="0" err="1"/>
+              <a:t>lại</a:t>
+            </a:r>
+            <a:r>
+              <a:rPr lang="en-US" dirty="0"/>
+              <a:t> </a:t>
+            </a:r>
+            <a:r>
+              <a:rPr lang="en-US" dirty="0" err="1"/>
+              <a:t>là</a:t>
+            </a:r>
+            <a:r>
+              <a:rPr lang="en-US" dirty="0"/>
+              <a:t> low </a:t>
+            </a:r>
+          </a:p>
+        </p:txBody>
+      </p:sp>
+      <p:sp>
+        <p:nvSpPr>
+          <p:cNvPr id="4" name="Slide Number Placeholder 3"/>
+          <p:cNvSpPr>
+            <a:spLocks noGrp="1"/>
+          </p:cNvSpPr>
+          <p:nvPr>
+            <p:ph type="sldNum" sz="quarter" idx="5"/>
+          </p:nvPr>
+        </p:nvSpPr>
+        <p:spPr/>
+        <p:txBody>
+          <a:bodyPr/>
+          <a:lstStyle/>
+          <a:p>
+            <a:fld id="{E65D64CF-40D3-8A4B-A22E-736EA1880BEB}" type="slidenum">
+              <a:rPr lang="en-US" smtClean="0"/>
+              <a:t>20</a:t>
+            </a:fld>
+            <a:endParaRPr lang="en-US"/>
+          </a:p>
+        </p:txBody>
+      </p:sp>
+    </p:spTree>
+    <p:extLst>
+      <p:ext uri="{BB962C8B-B14F-4D97-AF65-F5344CB8AC3E}">
+        <p14:creationId xmlns:p14="http://schemas.microsoft.com/office/powerpoint/2010/main" val="1429398691"/>
       </p:ext>
     </p:extLst>
   </p:cSld>
@@ -4945,6 +6097,58 @@
           <a:bodyPr/>
           <a:lstStyle/>
           <a:p>
+            <a:r>
+              <a:rPr lang="vi-VN" dirty="0"/>
+              <a:t>Trong buổi thuyết trình hôm nay, nhóm sẽ trình bày các nội dung như sau:</a:t>
+            </a:r>
+          </a:p>
+          <a:p>
+            <a:r>
+              <a:rPr lang="vi-VN" dirty="0"/>
+              <a:t>1. Team introduction</a:t>
+            </a:r>
+          </a:p>
+          <a:p>
+            <a:r>
+              <a:rPr lang="vi-VN" dirty="0"/>
+              <a:t>2. Project overview</a:t>
+            </a:r>
+          </a:p>
+          <a:p>
+            <a:r>
+              <a:rPr lang="vi-VN" dirty="0"/>
+              <a:t>3. Monitoring &amp; control</a:t>
+            </a:r>
+          </a:p>
+          <a:p>
+            <a:r>
+              <a:rPr lang="vi-VN" dirty="0"/>
+              <a:t>4. Architectural</a:t>
+            </a:r>
+          </a:p>
+          <a:p>
+            <a:r>
+              <a:rPr lang="vi-VN" dirty="0"/>
+              <a:t>5. Summary test report</a:t>
+            </a:r>
+          </a:p>
+          <a:p>
+            <a:r>
+              <a:rPr lang="vi-VN" dirty="0"/>
+              <a:t>6. Risk management</a:t>
+            </a:r>
+          </a:p>
+          <a:p>
+            <a:r>
+              <a:rPr lang="vi-VN" dirty="0"/>
+              <a:t>7. Problem project</a:t>
+            </a:r>
+          </a:p>
+          <a:p>
+            <a:r>
+              <a:rPr lang="vi-VN" dirty="0"/>
+              <a:t>Và cuối cùng là Lesson learned  &amp; Demo.</a:t>
+            </a:r>
             <a:endParaRPr lang="en-US" dirty="0"/>
           </a:p>
         </p:txBody>
@@ -4966,7 +6170,7 @@
           <a:p>
             <a:fld id="{E65D64CF-40D3-8A4B-A22E-736EA1880BEB}" type="slidenum">
               <a:rPr lang="en-US" smtClean="0"/>
-              <a:t>3</a:t>
+              <a:t>2</a:t>
             </a:fld>
             <a:endParaRPr lang="en-US"/>
           </a:p>
@@ -4975,7 +6179,1279 @@
     </p:spTree>
     <p:extLst>
       <p:ext uri="{BB962C8B-B14F-4D97-AF65-F5344CB8AC3E}">
-        <p14:creationId xmlns:p14="http://schemas.microsoft.com/office/powerpoint/2010/main" val="718762331"/>
+        <p14:creationId xmlns:p14="http://schemas.microsoft.com/office/powerpoint/2010/main" val="3102422781"/>
+      </p:ext>
+    </p:extLst>
+  </p:cSld>
+  <p:clrMapOvr>
+    <a:masterClrMapping/>
+  </p:clrMapOvr>
+</p:notes>
+</file>
+
+<file path=ppt/notesSlides/notesSlide20.xml><?xml version="1.0" encoding="utf-8"?>
+<p:notes xmlns:a="http://schemas.openxmlformats.org/drawingml/2006/main" xmlns:r="http://schemas.openxmlformats.org/officeDocument/2006/relationships" xmlns:p="http://schemas.openxmlformats.org/presentationml/2006/main">
+  <p:cSld>
+    <p:spTree>
+      <p:nvGrpSpPr>
+        <p:cNvPr id="1" name=""/>
+        <p:cNvGrpSpPr/>
+        <p:nvPr/>
+      </p:nvGrpSpPr>
+      <p:grpSpPr>
+        <a:xfrm>
+          <a:off x="0" y="0"/>
+          <a:ext cx="0" cy="0"/>
+          <a:chOff x="0" y="0"/>
+          <a:chExt cx="0" cy="0"/>
+        </a:xfrm>
+      </p:grpSpPr>
+      <p:sp>
+        <p:nvSpPr>
+          <p:cNvPr id="2" name="Slide Image Placeholder 1"/>
+          <p:cNvSpPr>
+            <a:spLocks noGrp="1" noRot="1" noChangeAspect="1"/>
+          </p:cNvSpPr>
+          <p:nvPr>
+            <p:ph type="sldImg"/>
+          </p:nvPr>
+        </p:nvSpPr>
+        <p:spPr/>
+      </p:sp>
+      <p:sp>
+        <p:nvSpPr>
+          <p:cNvPr id="3" name="Notes Placeholder 2"/>
+          <p:cNvSpPr>
+            <a:spLocks noGrp="1"/>
+          </p:cNvSpPr>
+          <p:nvPr>
+            <p:ph type="body" idx="1"/>
+          </p:nvPr>
+        </p:nvSpPr>
+        <p:spPr/>
+        <p:txBody>
+          <a:bodyPr/>
+          <a:lstStyle/>
+          <a:p>
+            <a:r>
+              <a:rPr lang="en-US" dirty="0" err="1"/>
+              <a:t>Nhóm</a:t>
+            </a:r>
+            <a:r>
+              <a:rPr lang="en-US" dirty="0"/>
+              <a:t> </a:t>
+            </a:r>
+            <a:r>
+              <a:rPr lang="en-US" dirty="0" err="1"/>
+              <a:t>thực</a:t>
+            </a:r>
+            <a:r>
+              <a:rPr lang="en-US" dirty="0"/>
+              <a:t> </a:t>
+            </a:r>
+            <a:r>
+              <a:rPr lang="en-US" dirty="0" err="1"/>
+              <a:t>thi</a:t>
+            </a:r>
+            <a:r>
+              <a:rPr lang="en-US" dirty="0"/>
+              <a:t> 100% </a:t>
+            </a:r>
+            <a:r>
+              <a:rPr lang="en-US" dirty="0" err="1"/>
+              <a:t>số</a:t>
+            </a:r>
+            <a:r>
+              <a:rPr lang="en-US" dirty="0"/>
+              <a:t> test case </a:t>
+            </a:r>
+            <a:r>
+              <a:rPr lang="en-US" dirty="0" err="1"/>
+              <a:t>và</a:t>
+            </a:r>
+            <a:r>
+              <a:rPr lang="en-US" dirty="0"/>
+              <a:t> </a:t>
+            </a:r>
+            <a:r>
+              <a:rPr lang="en-US" dirty="0" err="1"/>
+              <a:t>tìm</a:t>
+            </a:r>
+            <a:r>
+              <a:rPr lang="en-US" dirty="0"/>
+              <a:t> </a:t>
+            </a:r>
+            <a:r>
+              <a:rPr lang="en-US" dirty="0" err="1"/>
+              <a:t>thấy</a:t>
+            </a:r>
+            <a:r>
+              <a:rPr lang="en-US" dirty="0"/>
+              <a:t>:</a:t>
+            </a:r>
+          </a:p>
+          <a:p>
+            <a:pPr marL="171450" indent="-171450">
+              <a:buFont typeface="Arial" panose="020B0604020202020204" pitchFamily="34" charset="0"/>
+              <a:buChar char="•"/>
+            </a:pPr>
+            <a:r>
+              <a:rPr lang="en-US" dirty="0"/>
+              <a:t>61 </a:t>
+            </a:r>
+            <a:r>
+              <a:rPr lang="en-US" dirty="0" err="1"/>
+              <a:t>lỗi</a:t>
+            </a:r>
+            <a:r>
+              <a:rPr lang="en-US" dirty="0"/>
+              <a:t> </a:t>
+            </a:r>
+            <a:r>
+              <a:rPr lang="en-US" dirty="0" err="1"/>
+              <a:t>và</a:t>
+            </a:r>
+            <a:r>
+              <a:rPr lang="en-US" dirty="0"/>
+              <a:t> </a:t>
+            </a:r>
+            <a:r>
+              <a:rPr lang="en-US" dirty="0" err="1"/>
+              <a:t>sửa</a:t>
+            </a:r>
+            <a:r>
+              <a:rPr lang="en-US" dirty="0"/>
+              <a:t> </a:t>
+            </a:r>
+            <a:r>
+              <a:rPr lang="en-US" dirty="0" err="1"/>
+              <a:t>chữa</a:t>
+            </a:r>
+            <a:r>
+              <a:rPr lang="en-US" dirty="0"/>
+              <a:t> dc </a:t>
+            </a:r>
+          </a:p>
+          <a:p>
+            <a:pPr marL="171450" indent="-171450">
+              <a:buFont typeface="Arial" panose="020B0604020202020204" pitchFamily="34" charset="0"/>
+              <a:buChar char="•"/>
+            </a:pPr>
+            <a:r>
+              <a:rPr lang="en-US" dirty="0"/>
+              <a:t>50 </a:t>
+            </a:r>
+            <a:r>
+              <a:rPr lang="en-US" dirty="0" err="1"/>
+              <a:t>lỗi</a:t>
+            </a:r>
+            <a:r>
+              <a:rPr lang="en-US" dirty="0"/>
+              <a:t> </a:t>
+            </a:r>
+            <a:r>
+              <a:rPr lang="en-US" dirty="0" err="1"/>
+              <a:t>và</a:t>
+            </a:r>
+            <a:r>
+              <a:rPr lang="en-US" dirty="0"/>
+              <a:t> </a:t>
+            </a:r>
+            <a:r>
+              <a:rPr lang="en-US" dirty="0" err="1"/>
+              <a:t>còn</a:t>
+            </a:r>
+            <a:r>
+              <a:rPr lang="en-US" dirty="0"/>
+              <a:t> </a:t>
+            </a:r>
+            <a:r>
+              <a:rPr lang="en-US" dirty="0" err="1"/>
+              <a:t>lại</a:t>
+            </a:r>
+            <a:r>
+              <a:rPr lang="en-US" dirty="0"/>
+              <a:t> </a:t>
+            </a:r>
+          </a:p>
+          <a:p>
+            <a:pPr marL="171450" indent="-171450">
+              <a:buFont typeface="Arial" panose="020B0604020202020204" pitchFamily="34" charset="0"/>
+              <a:buChar char="•"/>
+            </a:pPr>
+            <a:r>
+              <a:rPr lang="en-US" dirty="0"/>
+              <a:t>11 </a:t>
+            </a:r>
+            <a:r>
+              <a:rPr lang="en-US" dirty="0" err="1"/>
+              <a:t>lổi</a:t>
+            </a:r>
+            <a:r>
+              <a:rPr lang="en-US" dirty="0"/>
+              <a:t> </a:t>
+            </a:r>
+            <a:r>
+              <a:rPr lang="en-US" dirty="0" err="1"/>
+              <a:t>thuộc</a:t>
+            </a:r>
+            <a:r>
+              <a:rPr lang="en-US" dirty="0"/>
+              <a:t> </a:t>
+            </a:r>
+            <a:r>
+              <a:rPr lang="en-US" dirty="0" err="1"/>
+              <a:t>mức</a:t>
+            </a:r>
+            <a:r>
+              <a:rPr lang="en-US" dirty="0"/>
+              <a:t> </a:t>
+            </a:r>
+            <a:r>
+              <a:rPr lang="en-US" dirty="0" err="1"/>
+              <a:t>độ</a:t>
+            </a:r>
+            <a:r>
+              <a:rPr lang="en-US" dirty="0"/>
+              <a:t> low </a:t>
+            </a:r>
+            <a:r>
+              <a:rPr lang="en-US" dirty="0" err="1"/>
+              <a:t>va</a:t>
+            </a:r>
+            <a:r>
+              <a:rPr lang="en-US" dirty="0"/>
+              <a:t> medium </a:t>
+            </a:r>
+          </a:p>
+        </p:txBody>
+      </p:sp>
+      <p:sp>
+        <p:nvSpPr>
+          <p:cNvPr id="4" name="Slide Number Placeholder 3"/>
+          <p:cNvSpPr>
+            <a:spLocks noGrp="1"/>
+          </p:cNvSpPr>
+          <p:nvPr>
+            <p:ph type="sldNum" sz="quarter" idx="5"/>
+          </p:nvPr>
+        </p:nvSpPr>
+        <p:spPr/>
+        <p:txBody>
+          <a:bodyPr/>
+          <a:lstStyle/>
+          <a:p>
+            <a:fld id="{E65D64CF-40D3-8A4B-A22E-736EA1880BEB}" type="slidenum">
+              <a:rPr lang="en-US" smtClean="0"/>
+              <a:t>21</a:t>
+            </a:fld>
+            <a:endParaRPr lang="en-US"/>
+          </a:p>
+        </p:txBody>
+      </p:sp>
+    </p:spTree>
+    <p:extLst>
+      <p:ext uri="{BB962C8B-B14F-4D97-AF65-F5344CB8AC3E}">
+        <p14:creationId xmlns:p14="http://schemas.microsoft.com/office/powerpoint/2010/main" val="2469013159"/>
+      </p:ext>
+    </p:extLst>
+  </p:cSld>
+  <p:clrMapOvr>
+    <a:masterClrMapping/>
+  </p:clrMapOvr>
+</p:notes>
+</file>
+
+<file path=ppt/notesSlides/notesSlide21.xml><?xml version="1.0" encoding="utf-8"?>
+<p:notes xmlns:a="http://schemas.openxmlformats.org/drawingml/2006/main" xmlns:r="http://schemas.openxmlformats.org/officeDocument/2006/relationships" xmlns:p="http://schemas.openxmlformats.org/presentationml/2006/main">
+  <p:cSld>
+    <p:spTree>
+      <p:nvGrpSpPr>
+        <p:cNvPr id="1" name=""/>
+        <p:cNvGrpSpPr/>
+        <p:nvPr/>
+      </p:nvGrpSpPr>
+      <p:grpSpPr>
+        <a:xfrm>
+          <a:off x="0" y="0"/>
+          <a:ext cx="0" cy="0"/>
+          <a:chOff x="0" y="0"/>
+          <a:chExt cx="0" cy="0"/>
+        </a:xfrm>
+      </p:grpSpPr>
+      <p:sp>
+        <p:nvSpPr>
+          <p:cNvPr id="2" name="Slide Image Placeholder 1"/>
+          <p:cNvSpPr>
+            <a:spLocks noGrp="1" noRot="1" noChangeAspect="1"/>
+          </p:cNvSpPr>
+          <p:nvPr>
+            <p:ph type="sldImg"/>
+          </p:nvPr>
+        </p:nvSpPr>
+        <p:spPr/>
+      </p:sp>
+      <p:sp>
+        <p:nvSpPr>
+          <p:cNvPr id="3" name="Notes Placeholder 2"/>
+          <p:cNvSpPr>
+            <a:spLocks noGrp="1"/>
+          </p:cNvSpPr>
+          <p:nvPr>
+            <p:ph type="body" idx="1"/>
+          </p:nvPr>
+        </p:nvSpPr>
+        <p:spPr/>
+        <p:txBody>
+          <a:bodyPr/>
+          <a:lstStyle/>
+          <a:p>
+            <a:r>
+              <a:rPr lang="vi-VN" dirty="0"/>
+              <a:t>Vào giai đoạn đầu của dự án nhóm đã đưa ra những rũi ro có thể gặp phải trong quá trình thực hiện dự án trên thực tế đã có những rủi ro trở thành problem.</a:t>
+            </a:r>
+          </a:p>
+        </p:txBody>
+      </p:sp>
+      <p:sp>
+        <p:nvSpPr>
+          <p:cNvPr id="4" name="Slide Number Placeholder 3"/>
+          <p:cNvSpPr>
+            <a:spLocks noGrp="1"/>
+          </p:cNvSpPr>
+          <p:nvPr>
+            <p:ph type="sldNum" sz="quarter" idx="5"/>
+          </p:nvPr>
+        </p:nvSpPr>
+        <p:spPr/>
+        <p:txBody>
+          <a:bodyPr/>
+          <a:lstStyle/>
+          <a:p>
+            <a:fld id="{E65D64CF-40D3-8A4B-A22E-736EA1880BEB}" type="slidenum">
+              <a:rPr lang="en-US" smtClean="0"/>
+              <a:t>22</a:t>
+            </a:fld>
+            <a:endParaRPr lang="en-US"/>
+          </a:p>
+        </p:txBody>
+      </p:sp>
+    </p:spTree>
+    <p:extLst>
+      <p:ext uri="{BB962C8B-B14F-4D97-AF65-F5344CB8AC3E}">
+        <p14:creationId xmlns:p14="http://schemas.microsoft.com/office/powerpoint/2010/main" val="4167134753"/>
+      </p:ext>
+    </p:extLst>
+  </p:cSld>
+  <p:clrMapOvr>
+    <a:masterClrMapping/>
+  </p:clrMapOvr>
+</p:notes>
+</file>
+
+<file path=ppt/notesSlides/notesSlide22.xml><?xml version="1.0" encoding="utf-8"?>
+<p:notes xmlns:a="http://schemas.openxmlformats.org/drawingml/2006/main" xmlns:r="http://schemas.openxmlformats.org/officeDocument/2006/relationships" xmlns:p="http://schemas.openxmlformats.org/presentationml/2006/main">
+  <p:cSld>
+    <p:spTree>
+      <p:nvGrpSpPr>
+        <p:cNvPr id="1" name=""/>
+        <p:cNvGrpSpPr/>
+        <p:nvPr/>
+      </p:nvGrpSpPr>
+      <p:grpSpPr>
+        <a:xfrm>
+          <a:off x="0" y="0"/>
+          <a:ext cx="0" cy="0"/>
+          <a:chOff x="0" y="0"/>
+          <a:chExt cx="0" cy="0"/>
+        </a:xfrm>
+      </p:grpSpPr>
+      <p:sp>
+        <p:nvSpPr>
+          <p:cNvPr id="2" name="Slide Image Placeholder 1"/>
+          <p:cNvSpPr>
+            <a:spLocks noGrp="1" noRot="1" noChangeAspect="1"/>
+          </p:cNvSpPr>
+          <p:nvPr>
+            <p:ph type="sldImg"/>
+          </p:nvPr>
+        </p:nvSpPr>
+        <p:spPr/>
+      </p:sp>
+      <p:sp>
+        <p:nvSpPr>
+          <p:cNvPr id="3" name="Notes Placeholder 2"/>
+          <p:cNvSpPr>
+            <a:spLocks noGrp="1"/>
+          </p:cNvSpPr>
+          <p:nvPr>
+            <p:ph type="body" idx="1"/>
+          </p:nvPr>
+        </p:nvSpPr>
+        <p:spPr/>
+        <p:txBody>
+          <a:bodyPr/>
+          <a:lstStyle/>
+          <a:p>
+            <a:pPr marL="0" marR="0" lvl="0" indent="0" algn="l" defTabSz="914400" rtl="0" eaLnBrk="1" fontAlgn="auto" latinLnBrk="0" hangingPunct="1">
+              <a:lnSpc>
+                <a:spcPct val="100000"/>
+              </a:lnSpc>
+              <a:spcBef>
+                <a:spcPts val="0"/>
+              </a:spcBef>
+              <a:spcAft>
+                <a:spcPts val="0"/>
+              </a:spcAft>
+              <a:buClrTx/>
+              <a:buSzTx/>
+              <a:buFontTx/>
+              <a:buNone/>
+              <a:tabLst/>
+              <a:defRPr/>
+            </a:pPr>
+            <a:r>
+              <a:rPr lang="vi-VN" dirty="0"/>
+              <a:t>Vào giai đoạn đầu của dự án nhóm đã đưa ra những rũi ro có thể gặp phải trong quá trình thực hiện dự án trên thực tế đã có những rủi ro trở thành problem.</a:t>
+            </a:r>
+            <a:r>
+              <a:rPr lang="en-US" dirty="0"/>
+              <a:t>(next)</a:t>
+            </a:r>
+            <a:endParaRPr lang="vi-VN" dirty="0"/>
+          </a:p>
+        </p:txBody>
+      </p:sp>
+      <p:sp>
+        <p:nvSpPr>
+          <p:cNvPr id="4" name="Slide Number Placeholder 3"/>
+          <p:cNvSpPr>
+            <a:spLocks noGrp="1"/>
+          </p:cNvSpPr>
+          <p:nvPr>
+            <p:ph type="sldNum" sz="quarter" idx="5"/>
+          </p:nvPr>
+        </p:nvSpPr>
+        <p:spPr/>
+        <p:txBody>
+          <a:bodyPr/>
+          <a:lstStyle/>
+          <a:p>
+            <a:fld id="{E65D64CF-40D3-8A4B-A22E-736EA1880BEB}" type="slidenum">
+              <a:rPr lang="en-US" smtClean="0"/>
+              <a:t>23</a:t>
+            </a:fld>
+            <a:endParaRPr lang="en-US"/>
+          </a:p>
+        </p:txBody>
+      </p:sp>
+    </p:spTree>
+    <p:extLst>
+      <p:ext uri="{BB962C8B-B14F-4D97-AF65-F5344CB8AC3E}">
+        <p14:creationId xmlns:p14="http://schemas.microsoft.com/office/powerpoint/2010/main" val="1604695909"/>
+      </p:ext>
+    </p:extLst>
+  </p:cSld>
+  <p:clrMapOvr>
+    <a:masterClrMapping/>
+  </p:clrMapOvr>
+</p:notes>
+</file>
+
+<file path=ppt/notesSlides/notesSlide23.xml><?xml version="1.0" encoding="utf-8"?>
+<p:notes xmlns:a="http://schemas.openxmlformats.org/drawingml/2006/main" xmlns:r="http://schemas.openxmlformats.org/officeDocument/2006/relationships" xmlns:p="http://schemas.openxmlformats.org/presentationml/2006/main">
+  <p:cSld>
+    <p:spTree>
+      <p:nvGrpSpPr>
+        <p:cNvPr id="1" name=""/>
+        <p:cNvGrpSpPr/>
+        <p:nvPr/>
+      </p:nvGrpSpPr>
+      <p:grpSpPr>
+        <a:xfrm>
+          <a:off x="0" y="0"/>
+          <a:ext cx="0" cy="0"/>
+          <a:chOff x="0" y="0"/>
+          <a:chExt cx="0" cy="0"/>
+        </a:xfrm>
+      </p:grpSpPr>
+      <p:sp>
+        <p:nvSpPr>
+          <p:cNvPr id="2" name="Slide Image Placeholder 1"/>
+          <p:cNvSpPr>
+            <a:spLocks noGrp="1" noRot="1" noChangeAspect="1"/>
+          </p:cNvSpPr>
+          <p:nvPr>
+            <p:ph type="sldImg"/>
+          </p:nvPr>
+        </p:nvSpPr>
+        <p:spPr/>
+      </p:sp>
+      <p:sp>
+        <p:nvSpPr>
+          <p:cNvPr id="3" name="Notes Placeholder 2"/>
+          <p:cNvSpPr>
+            <a:spLocks noGrp="1"/>
+          </p:cNvSpPr>
+          <p:nvPr>
+            <p:ph type="body" idx="1"/>
+          </p:nvPr>
+        </p:nvSpPr>
+        <p:spPr/>
+        <p:txBody>
+          <a:bodyPr/>
+          <a:lstStyle/>
+          <a:p>
+            <a:pPr>
+              <a:lnSpc>
+                <a:spcPct val="200000"/>
+              </a:lnSpc>
+            </a:pPr>
+            <a:r>
+              <a:rPr lang="en-US" dirty="0" err="1"/>
+              <a:t>Nhóm</a:t>
+            </a:r>
+            <a:r>
+              <a:rPr lang="en-US" dirty="0"/>
+              <a:t> </a:t>
+            </a:r>
+            <a:r>
+              <a:rPr lang="en-US" dirty="0" err="1"/>
+              <a:t>đã</a:t>
+            </a:r>
+            <a:r>
+              <a:rPr lang="en-US" dirty="0"/>
+              <a:t> </a:t>
+            </a:r>
+            <a:r>
+              <a:rPr lang="en-US" dirty="0" err="1"/>
+              <a:t>phân</a:t>
+            </a:r>
+            <a:r>
+              <a:rPr lang="en-US" dirty="0"/>
+              <a:t> </a:t>
+            </a:r>
+            <a:r>
+              <a:rPr lang="en-US" dirty="0" err="1"/>
+              <a:t>các</a:t>
+            </a:r>
+            <a:r>
+              <a:rPr lang="en-US" dirty="0"/>
+              <a:t> problem </a:t>
+            </a:r>
+            <a:r>
+              <a:rPr lang="en-US" dirty="0" err="1"/>
+              <a:t>thành</a:t>
+            </a:r>
+            <a:r>
+              <a:rPr lang="en-US" dirty="0"/>
+              <a:t> 2 </a:t>
+            </a:r>
+            <a:r>
+              <a:rPr lang="en-US" dirty="0" err="1"/>
+              <a:t>yếu</a:t>
+            </a:r>
+            <a:r>
+              <a:rPr lang="en-US" dirty="0"/>
+              <a:t> </a:t>
+            </a:r>
+            <a:r>
+              <a:rPr lang="en-US" dirty="0" err="1"/>
+              <a:t>tố</a:t>
+            </a:r>
+            <a:r>
+              <a:rPr lang="en-US" dirty="0"/>
+              <a:t> </a:t>
+            </a:r>
+            <a:r>
+              <a:rPr lang="en-US" dirty="0" err="1"/>
+              <a:t>chủ</a:t>
+            </a:r>
+            <a:r>
+              <a:rPr lang="en-US" dirty="0"/>
+              <a:t> </a:t>
+            </a:r>
+            <a:r>
+              <a:rPr lang="en-US" dirty="0" err="1"/>
+              <a:t>quan</a:t>
+            </a:r>
+            <a:r>
+              <a:rPr lang="en-US" dirty="0"/>
+              <a:t> </a:t>
+            </a:r>
+            <a:r>
+              <a:rPr lang="en-US" dirty="0" err="1"/>
+              <a:t>và</a:t>
+            </a:r>
+            <a:r>
+              <a:rPr lang="en-US" dirty="0"/>
+              <a:t> </a:t>
+            </a:r>
+            <a:r>
+              <a:rPr lang="en-US" dirty="0" err="1"/>
+              <a:t>khách</a:t>
+            </a:r>
+            <a:r>
+              <a:rPr lang="en-US" dirty="0"/>
+              <a:t> </a:t>
+            </a:r>
+            <a:r>
+              <a:rPr lang="en-US" dirty="0" err="1"/>
+              <a:t>quan</a:t>
+            </a:r>
+            <a:r>
+              <a:rPr lang="en-US" dirty="0"/>
+              <a:t>:</a:t>
+            </a:r>
+          </a:p>
+          <a:p>
+            <a:pPr>
+              <a:lnSpc>
+                <a:spcPct val="200000"/>
+              </a:lnSpc>
+            </a:pPr>
+            <a:endParaRPr lang="en-US" dirty="0"/>
+          </a:p>
+          <a:p>
+            <a:pPr marL="171450" indent="-171450">
+              <a:lnSpc>
+                <a:spcPct val="200000"/>
+              </a:lnSpc>
+              <a:buFont typeface="Arial" panose="020B0604020202020204" pitchFamily="34" charset="0"/>
+              <a:buChar char="•"/>
+            </a:pPr>
+            <a:r>
+              <a:rPr lang="vi-VN" dirty="0"/>
+              <a:t>Trong đó yếu tố chủ quan bao gồm ngôn ngữ mới, hệ quản trị cơ sở dữ liệu non SQl và chưa làm rõ hoàn toàn yêu cầu của khác hàng</a:t>
+            </a:r>
+          </a:p>
+          <a:p>
+            <a:pPr marL="171450" indent="-171450">
+              <a:lnSpc>
+                <a:spcPct val="200000"/>
+              </a:lnSpc>
+              <a:buFont typeface="Arial" panose="020B0604020202020204" pitchFamily="34" charset="0"/>
+              <a:buChar char="•"/>
+            </a:pPr>
+            <a:endParaRPr lang="vi-VN" dirty="0"/>
+          </a:p>
+          <a:p>
+            <a:pPr marL="171450" indent="-171450">
+              <a:lnSpc>
+                <a:spcPct val="200000"/>
+              </a:lnSpc>
+              <a:buFont typeface="Arial" panose="020B0604020202020204" pitchFamily="34" charset="0"/>
+              <a:buChar char="•"/>
+            </a:pPr>
+            <a:r>
+              <a:rPr lang="vi-VN" dirty="0"/>
+              <a:t>Còn lại vấn đề thuộc yếu tố khách quan </a:t>
+            </a:r>
+            <a:endParaRPr lang="en-US" dirty="0"/>
+          </a:p>
+        </p:txBody>
+      </p:sp>
+      <p:sp>
+        <p:nvSpPr>
+          <p:cNvPr id="4" name="Slide Number Placeholder 3"/>
+          <p:cNvSpPr>
+            <a:spLocks noGrp="1"/>
+          </p:cNvSpPr>
+          <p:nvPr>
+            <p:ph type="sldNum" sz="quarter" idx="5"/>
+          </p:nvPr>
+        </p:nvSpPr>
+        <p:spPr/>
+        <p:txBody>
+          <a:bodyPr/>
+          <a:lstStyle/>
+          <a:p>
+            <a:fld id="{E65D64CF-40D3-8A4B-A22E-736EA1880BEB}" type="slidenum">
+              <a:rPr lang="en-US" smtClean="0"/>
+              <a:t>24</a:t>
+            </a:fld>
+            <a:endParaRPr lang="en-US"/>
+          </a:p>
+        </p:txBody>
+      </p:sp>
+    </p:spTree>
+    <p:extLst>
+      <p:ext uri="{BB962C8B-B14F-4D97-AF65-F5344CB8AC3E}">
+        <p14:creationId xmlns:p14="http://schemas.microsoft.com/office/powerpoint/2010/main" val="2852730235"/>
+      </p:ext>
+    </p:extLst>
+  </p:cSld>
+  <p:clrMapOvr>
+    <a:masterClrMapping/>
+  </p:clrMapOvr>
+</p:notes>
+</file>
+
+<file path=ppt/notesSlides/notesSlide24.xml><?xml version="1.0" encoding="utf-8"?>
+<p:notes xmlns:a="http://schemas.openxmlformats.org/drawingml/2006/main" xmlns:r="http://schemas.openxmlformats.org/officeDocument/2006/relationships" xmlns:p="http://schemas.openxmlformats.org/presentationml/2006/main">
+  <p:cSld>
+    <p:spTree>
+      <p:nvGrpSpPr>
+        <p:cNvPr id="1" name=""/>
+        <p:cNvGrpSpPr/>
+        <p:nvPr/>
+      </p:nvGrpSpPr>
+      <p:grpSpPr>
+        <a:xfrm>
+          <a:off x="0" y="0"/>
+          <a:ext cx="0" cy="0"/>
+          <a:chOff x="0" y="0"/>
+          <a:chExt cx="0" cy="0"/>
+        </a:xfrm>
+      </p:grpSpPr>
+      <p:sp>
+        <p:nvSpPr>
+          <p:cNvPr id="2" name="Slide Image Placeholder 1"/>
+          <p:cNvSpPr>
+            <a:spLocks noGrp="1" noRot="1" noChangeAspect="1"/>
+          </p:cNvSpPr>
+          <p:nvPr>
+            <p:ph type="sldImg"/>
+          </p:nvPr>
+        </p:nvSpPr>
+        <p:spPr/>
+      </p:sp>
+      <p:sp>
+        <p:nvSpPr>
+          <p:cNvPr id="3" name="Notes Placeholder 2"/>
+          <p:cNvSpPr>
+            <a:spLocks noGrp="1"/>
+          </p:cNvSpPr>
+          <p:nvPr>
+            <p:ph type="body" idx="1"/>
+          </p:nvPr>
+        </p:nvSpPr>
+        <p:spPr/>
+        <p:txBody>
+          <a:bodyPr/>
+          <a:lstStyle/>
+          <a:p>
+            <a:r>
+              <a:rPr lang="vi-VN" dirty="0"/>
+              <a:t>Qua dự án này , nhóm đã rút ra được 1 số bài học và kinh nghiệm. </a:t>
+            </a:r>
+          </a:p>
+          <a:p>
+            <a:endParaRPr lang="en-US" dirty="0"/>
+          </a:p>
+          <a:p>
+            <a:pPr marL="228600" indent="-228600">
+              <a:buFont typeface="Arial" panose="020B0604020202020204" pitchFamily="34" charset="0"/>
+              <a:buChar char="•"/>
+            </a:pPr>
+            <a:r>
+              <a:rPr lang="en-US" dirty="0" err="1"/>
+              <a:t>Thứ</a:t>
+            </a:r>
+            <a:r>
+              <a:rPr lang="en-US" dirty="0"/>
+              <a:t> </a:t>
+            </a:r>
+            <a:r>
+              <a:rPr lang="en-US" dirty="0" err="1"/>
+              <a:t>nhất</a:t>
+            </a:r>
+            <a:r>
+              <a:rPr lang="en-US" dirty="0"/>
+              <a:t> </a:t>
+            </a:r>
+            <a:r>
+              <a:rPr lang="en-US" dirty="0" err="1"/>
+              <a:t>về</a:t>
+            </a:r>
+            <a:r>
+              <a:rPr lang="en-US" dirty="0"/>
+              <a:t> </a:t>
+            </a:r>
+            <a:r>
+              <a:rPr lang="en-US" dirty="0" err="1"/>
+              <a:t>thiết</a:t>
+            </a:r>
+            <a:r>
+              <a:rPr lang="en-US" dirty="0"/>
+              <a:t> </a:t>
+            </a:r>
+            <a:r>
+              <a:rPr lang="en-US" dirty="0" err="1"/>
+              <a:t>kế</a:t>
+            </a:r>
+            <a:r>
+              <a:rPr lang="en-US" dirty="0"/>
+              <a:t> , </a:t>
+            </a:r>
+            <a:r>
+              <a:rPr lang="en-US" dirty="0" err="1"/>
+              <a:t>hiểu</a:t>
+            </a:r>
+            <a:r>
+              <a:rPr lang="en-US" dirty="0"/>
+              <a:t> </a:t>
+            </a:r>
+            <a:r>
+              <a:rPr lang="en-US" dirty="0" err="1"/>
+              <a:t>thêm</a:t>
+            </a:r>
+            <a:r>
+              <a:rPr lang="en-US" dirty="0"/>
+              <a:t> </a:t>
+            </a:r>
+            <a:r>
+              <a:rPr lang="en-US" dirty="0" err="1"/>
+              <a:t>về</a:t>
+            </a:r>
+            <a:r>
+              <a:rPr lang="en-US" dirty="0"/>
+              <a:t> </a:t>
+            </a:r>
+            <a:r>
+              <a:rPr lang="en-US" dirty="0" err="1"/>
+              <a:t>thiết</a:t>
+            </a:r>
+            <a:r>
+              <a:rPr lang="en-US" dirty="0"/>
+              <a:t> </a:t>
+            </a:r>
+            <a:r>
+              <a:rPr lang="en-US" dirty="0" err="1"/>
+              <a:t>kế</a:t>
+            </a:r>
+            <a:r>
+              <a:rPr lang="en-US" dirty="0"/>
+              <a:t> </a:t>
+            </a:r>
+            <a:r>
+              <a:rPr lang="en-US" dirty="0" err="1"/>
+              <a:t>và</a:t>
+            </a:r>
+            <a:r>
+              <a:rPr lang="en-US" dirty="0"/>
+              <a:t> </a:t>
+            </a:r>
+            <a:r>
+              <a:rPr lang="en-US" dirty="0" err="1"/>
+              <a:t>có</a:t>
+            </a:r>
+            <a:r>
+              <a:rPr lang="en-US" dirty="0"/>
+              <a:t> </a:t>
+            </a:r>
+            <a:r>
+              <a:rPr lang="en-US" dirty="0" err="1"/>
+              <a:t>thêm</a:t>
+            </a:r>
+            <a:r>
+              <a:rPr lang="en-US" dirty="0"/>
+              <a:t> </a:t>
+            </a:r>
+            <a:r>
+              <a:rPr lang="en-US" dirty="0" err="1"/>
+              <a:t>kiến</a:t>
+            </a:r>
+            <a:r>
+              <a:rPr lang="en-US" dirty="0"/>
+              <a:t> </a:t>
+            </a:r>
+            <a:r>
+              <a:rPr lang="en-US" dirty="0" err="1"/>
+              <a:t>thúc</a:t>
+            </a:r>
+            <a:r>
+              <a:rPr lang="en-US" dirty="0"/>
+              <a:t> </a:t>
+            </a:r>
+            <a:r>
+              <a:rPr lang="en-US" dirty="0" err="1"/>
+              <a:t>về</a:t>
+            </a:r>
+            <a:r>
+              <a:rPr lang="en-US" dirty="0"/>
+              <a:t> </a:t>
+            </a:r>
+            <a:r>
+              <a:rPr lang="en-US" dirty="0" err="1"/>
+              <a:t>việc</a:t>
+            </a:r>
+            <a:r>
+              <a:rPr lang="en-US" dirty="0"/>
+              <a:t> </a:t>
+            </a:r>
+            <a:r>
+              <a:rPr lang="en-US" dirty="0" err="1"/>
+              <a:t>thực</a:t>
+            </a:r>
+            <a:r>
+              <a:rPr lang="en-US" dirty="0"/>
+              <a:t> </a:t>
+            </a:r>
+            <a:r>
+              <a:rPr lang="en-US" dirty="0" err="1"/>
+              <a:t>hiện</a:t>
+            </a:r>
+            <a:r>
+              <a:rPr lang="en-US" dirty="0"/>
+              <a:t> </a:t>
+            </a:r>
+            <a:r>
+              <a:rPr lang="en-US" dirty="0" err="1"/>
+              <a:t>dự</a:t>
+            </a:r>
+            <a:r>
+              <a:rPr lang="en-US" dirty="0"/>
+              <a:t> </a:t>
+            </a:r>
+            <a:r>
+              <a:rPr lang="en-US" dirty="0" err="1"/>
+              <a:t>án</a:t>
+            </a:r>
+            <a:r>
+              <a:rPr lang="en-US" dirty="0"/>
+              <a:t> </a:t>
+            </a:r>
+            <a:r>
+              <a:rPr lang="en-US" dirty="0" err="1"/>
+              <a:t>thực</a:t>
+            </a:r>
+            <a:r>
+              <a:rPr lang="en-US" dirty="0"/>
+              <a:t> </a:t>
+            </a:r>
+            <a:r>
+              <a:rPr lang="en-US" dirty="0" err="1"/>
+              <a:t>tế</a:t>
+            </a:r>
+            <a:r>
+              <a:rPr lang="en-US" dirty="0"/>
+              <a:t> </a:t>
+            </a:r>
+          </a:p>
+          <a:p>
+            <a:pPr marL="228600" indent="-228600">
+              <a:buFont typeface="Arial" panose="020B0604020202020204" pitchFamily="34" charset="0"/>
+              <a:buChar char="•"/>
+            </a:pPr>
+            <a:r>
+              <a:rPr lang="vi-VN" dirty="0"/>
+              <a:t>Về kĩ năng lập trình thì có được kiến thức mới về ngôn ngữ lập trình và kinh nghiệm dự án thực tế </a:t>
+            </a:r>
+          </a:p>
+          <a:p>
+            <a:pPr marL="228600" indent="-228600">
+              <a:buFont typeface="Arial" panose="020B0604020202020204" pitchFamily="34" charset="0"/>
+              <a:buChar char="•"/>
+            </a:pPr>
+            <a:r>
+              <a:rPr lang="vi-VN" dirty="0"/>
+              <a:t>Hiểu được tầm quan trọng của test và có được kinh nghiệm thực tế </a:t>
+            </a:r>
+          </a:p>
+          <a:p>
+            <a:pPr marL="228600" indent="-228600">
+              <a:buFont typeface="Arial" panose="020B0604020202020204" pitchFamily="34" charset="0"/>
+              <a:buChar char="•"/>
+            </a:pPr>
+            <a:r>
+              <a:rPr lang="en-US" dirty="0" err="1"/>
+              <a:t>Nâng</a:t>
+            </a:r>
+            <a:r>
+              <a:rPr lang="en-US" dirty="0"/>
+              <a:t> </a:t>
+            </a:r>
+            <a:r>
+              <a:rPr lang="en-US" dirty="0" err="1"/>
+              <a:t>cao</a:t>
+            </a:r>
+            <a:r>
+              <a:rPr lang="en-US" dirty="0"/>
+              <a:t> </a:t>
+            </a:r>
+            <a:r>
+              <a:rPr lang="en-US" dirty="0" err="1"/>
+              <a:t>khả</a:t>
+            </a:r>
+            <a:r>
+              <a:rPr lang="en-US" dirty="0"/>
+              <a:t> </a:t>
+            </a:r>
+            <a:r>
+              <a:rPr lang="en-US" dirty="0" err="1"/>
+              <a:t>năng</a:t>
+            </a:r>
+            <a:r>
+              <a:rPr lang="en-US" dirty="0"/>
+              <a:t> </a:t>
+            </a:r>
+            <a:r>
+              <a:rPr lang="en-US" dirty="0" err="1"/>
+              <a:t>làm</a:t>
+            </a:r>
+            <a:r>
+              <a:rPr lang="en-US" dirty="0"/>
+              <a:t> </a:t>
+            </a:r>
+            <a:r>
+              <a:rPr lang="en-US" dirty="0" err="1"/>
+              <a:t>việc</a:t>
+            </a:r>
+            <a:r>
+              <a:rPr lang="en-US" dirty="0"/>
+              <a:t> </a:t>
+            </a:r>
+            <a:r>
+              <a:rPr lang="en-US" dirty="0" err="1"/>
+              <a:t>nhóm</a:t>
+            </a:r>
+            <a:r>
+              <a:rPr lang="en-US" dirty="0"/>
+              <a:t>.</a:t>
+            </a:r>
+          </a:p>
+          <a:p>
+            <a:pPr marL="228600" indent="-228600">
+              <a:buFont typeface="Arial" panose="020B0604020202020204" pitchFamily="34" charset="0"/>
+              <a:buChar char="•"/>
+            </a:pPr>
+            <a:r>
+              <a:rPr lang="en-US" dirty="0" err="1"/>
+              <a:t>Và</a:t>
+            </a:r>
+            <a:r>
+              <a:rPr lang="en-US" dirty="0"/>
+              <a:t> </a:t>
+            </a:r>
+            <a:r>
+              <a:rPr lang="en-US" dirty="0" err="1"/>
+              <a:t>cải</a:t>
+            </a:r>
+            <a:r>
+              <a:rPr lang="en-US" dirty="0"/>
+              <a:t> </a:t>
+            </a:r>
+            <a:r>
+              <a:rPr lang="en-US" dirty="0" err="1"/>
+              <a:t>thiện</a:t>
+            </a:r>
+            <a:r>
+              <a:rPr lang="en-US" dirty="0"/>
+              <a:t> </a:t>
+            </a:r>
+            <a:r>
+              <a:rPr lang="en-US" dirty="0" err="1"/>
+              <a:t>khả</a:t>
+            </a:r>
+            <a:r>
+              <a:rPr lang="en-US" dirty="0"/>
+              <a:t> </a:t>
+            </a:r>
+            <a:r>
+              <a:rPr lang="en-US" dirty="0" err="1"/>
+              <a:t>năng</a:t>
+            </a:r>
+            <a:r>
+              <a:rPr lang="en-US" dirty="0"/>
+              <a:t> </a:t>
+            </a:r>
+            <a:r>
+              <a:rPr lang="en-US" dirty="0" err="1"/>
+              <a:t>trình</a:t>
+            </a:r>
+            <a:r>
+              <a:rPr lang="en-US" dirty="0"/>
+              <a:t> </a:t>
+            </a:r>
+            <a:r>
+              <a:rPr lang="en-US" dirty="0" err="1"/>
+              <a:t>bày</a:t>
+            </a:r>
+            <a:r>
+              <a:rPr lang="en-US" dirty="0"/>
+              <a:t>  </a:t>
+            </a:r>
+          </a:p>
+          <a:p>
+            <a:pPr marL="228600" indent="-228600">
+              <a:buFont typeface="Arial" panose="020B0604020202020204" pitchFamily="34" charset="0"/>
+              <a:buChar char="•"/>
+            </a:pPr>
+            <a:r>
+              <a:rPr lang="en-US" dirty="0"/>
+              <a:t>Sau </a:t>
+            </a:r>
+            <a:r>
+              <a:rPr lang="en-US" dirty="0" err="1"/>
+              <a:t>đây</a:t>
+            </a:r>
+            <a:r>
+              <a:rPr lang="en-US" dirty="0"/>
+              <a:t> , </a:t>
+            </a:r>
+            <a:r>
+              <a:rPr lang="en-US" dirty="0" err="1"/>
+              <a:t>nhóm</a:t>
+            </a:r>
+            <a:r>
+              <a:rPr lang="en-US" dirty="0"/>
+              <a:t> </a:t>
+            </a:r>
+            <a:r>
+              <a:rPr lang="en-US" dirty="0" err="1"/>
+              <a:t>xin</a:t>
+            </a:r>
+            <a:r>
+              <a:rPr lang="en-US" dirty="0"/>
+              <a:t> </a:t>
+            </a:r>
+            <a:r>
+              <a:rPr lang="en-US" dirty="0" err="1"/>
+              <a:t>trình</a:t>
+            </a:r>
+            <a:r>
+              <a:rPr lang="en-US" dirty="0"/>
+              <a:t> </a:t>
+            </a:r>
+            <a:r>
+              <a:rPr lang="en-US" dirty="0" err="1"/>
+              <a:t>bày</a:t>
+            </a:r>
+            <a:r>
+              <a:rPr lang="en-US" dirty="0"/>
+              <a:t> demo </a:t>
+            </a:r>
+            <a:r>
+              <a:rPr lang="en-US" dirty="0" err="1"/>
+              <a:t>ứng</a:t>
+            </a:r>
+            <a:r>
+              <a:rPr lang="en-US" dirty="0"/>
+              <a:t> </a:t>
+            </a:r>
+            <a:r>
+              <a:rPr lang="en-US" dirty="0" err="1"/>
+              <a:t>dụng</a:t>
+            </a:r>
+            <a:r>
+              <a:rPr lang="en-US" dirty="0"/>
+              <a:t> </a:t>
+            </a:r>
+          </a:p>
+        </p:txBody>
+      </p:sp>
+      <p:sp>
+        <p:nvSpPr>
+          <p:cNvPr id="4" name="Slide Number Placeholder 3"/>
+          <p:cNvSpPr>
+            <a:spLocks noGrp="1"/>
+          </p:cNvSpPr>
+          <p:nvPr>
+            <p:ph type="sldNum" sz="quarter" idx="5"/>
+          </p:nvPr>
+        </p:nvSpPr>
+        <p:spPr/>
+        <p:txBody>
+          <a:bodyPr/>
+          <a:lstStyle/>
+          <a:p>
+            <a:fld id="{E65D64CF-40D3-8A4B-A22E-736EA1880BEB}" type="slidenum">
+              <a:rPr lang="en-US" smtClean="0"/>
+              <a:t>25</a:t>
+            </a:fld>
+            <a:endParaRPr lang="en-US"/>
+          </a:p>
+        </p:txBody>
+      </p:sp>
+    </p:spTree>
+    <p:extLst>
+      <p:ext uri="{BB962C8B-B14F-4D97-AF65-F5344CB8AC3E}">
+        <p14:creationId xmlns:p14="http://schemas.microsoft.com/office/powerpoint/2010/main" val="1802305342"/>
+      </p:ext>
+    </p:extLst>
+  </p:cSld>
+  <p:clrMapOvr>
+    <a:masterClrMapping/>
+  </p:clrMapOvr>
+</p:notes>
+</file>
+
+<file path=ppt/notesSlides/notesSlide25.xml><?xml version="1.0" encoding="utf-8"?>
+<p:notes xmlns:a="http://schemas.openxmlformats.org/drawingml/2006/main" xmlns:r="http://schemas.openxmlformats.org/officeDocument/2006/relationships" xmlns:p="http://schemas.openxmlformats.org/presentationml/2006/main">
+  <p:cSld>
+    <p:spTree>
+      <p:nvGrpSpPr>
+        <p:cNvPr id="1" name=""/>
+        <p:cNvGrpSpPr/>
+        <p:nvPr/>
+      </p:nvGrpSpPr>
+      <p:grpSpPr>
+        <a:xfrm>
+          <a:off x="0" y="0"/>
+          <a:ext cx="0" cy="0"/>
+          <a:chOff x="0" y="0"/>
+          <a:chExt cx="0" cy="0"/>
+        </a:xfrm>
+      </p:grpSpPr>
+      <p:sp>
+        <p:nvSpPr>
+          <p:cNvPr id="2" name="Slide Image Placeholder 1"/>
+          <p:cNvSpPr>
+            <a:spLocks noGrp="1" noRot="1" noChangeAspect="1"/>
+          </p:cNvSpPr>
+          <p:nvPr>
+            <p:ph type="sldImg"/>
+          </p:nvPr>
+        </p:nvSpPr>
+        <p:spPr/>
+      </p:sp>
+      <p:sp>
+        <p:nvSpPr>
+          <p:cNvPr id="3" name="Notes Placeholder 2"/>
+          <p:cNvSpPr>
+            <a:spLocks noGrp="1"/>
+          </p:cNvSpPr>
+          <p:nvPr>
+            <p:ph type="body" idx="1"/>
+          </p:nvPr>
+        </p:nvSpPr>
+        <p:spPr/>
+        <p:txBody>
+          <a:bodyPr/>
+          <a:lstStyle/>
+          <a:p>
+            <a:endParaRPr lang="en-US" dirty="0"/>
+          </a:p>
+        </p:txBody>
+      </p:sp>
+      <p:sp>
+        <p:nvSpPr>
+          <p:cNvPr id="4" name="Slide Number Placeholder 3"/>
+          <p:cNvSpPr>
+            <a:spLocks noGrp="1"/>
+          </p:cNvSpPr>
+          <p:nvPr>
+            <p:ph type="sldNum" sz="quarter" idx="5"/>
+          </p:nvPr>
+        </p:nvSpPr>
+        <p:spPr/>
+        <p:txBody>
+          <a:bodyPr/>
+          <a:lstStyle/>
+          <a:p>
+            <a:fld id="{E65D64CF-40D3-8A4B-A22E-736EA1880BEB}" type="slidenum">
+              <a:rPr lang="en-US" smtClean="0"/>
+              <a:t>27</a:t>
+            </a:fld>
+            <a:endParaRPr lang="en-US"/>
+          </a:p>
+        </p:txBody>
+      </p:sp>
+    </p:spTree>
+    <p:extLst>
+      <p:ext uri="{BB962C8B-B14F-4D97-AF65-F5344CB8AC3E}">
+        <p14:creationId xmlns:p14="http://schemas.microsoft.com/office/powerpoint/2010/main" val="1087628761"/>
       </p:ext>
     </p:extLst>
   </p:cSld>
@@ -5029,7 +7505,158 @@
           <a:bodyPr/>
           <a:lstStyle/>
           <a:p>
-            <a:endParaRPr lang="en-US" dirty="0"/>
+            <a:r>
+              <a:rPr lang="en-US" dirty="0" err="1"/>
+              <a:t>Đầu</a:t>
+            </a:r>
+            <a:r>
+              <a:rPr lang="en-US" dirty="0"/>
+              <a:t> </a:t>
+            </a:r>
+            <a:r>
+              <a:rPr lang="en-US" dirty="0" err="1"/>
+              <a:t>tiên</a:t>
+            </a:r>
+            <a:r>
+              <a:rPr lang="en-US" dirty="0"/>
+              <a:t> e </a:t>
+            </a:r>
+            <a:r>
+              <a:rPr lang="en-US" dirty="0" err="1"/>
+              <a:t>xin</a:t>
+            </a:r>
+            <a:r>
+              <a:rPr lang="en-US" dirty="0"/>
+              <a:t> </a:t>
+            </a:r>
+            <a:r>
+              <a:rPr lang="en-US" dirty="0" err="1"/>
+              <a:t>giới</a:t>
+            </a:r>
+            <a:r>
+              <a:rPr lang="en-US" dirty="0"/>
+              <a:t> </a:t>
+            </a:r>
+            <a:r>
+              <a:rPr lang="en-US" dirty="0" err="1"/>
+              <a:t>thiệu</a:t>
+            </a:r>
+            <a:r>
+              <a:rPr lang="en-US" dirty="0"/>
+              <a:t> </a:t>
+            </a:r>
+            <a:r>
+              <a:rPr lang="en-US" dirty="0" err="1"/>
+              <a:t>nhóm</a:t>
+            </a:r>
+            <a:r>
+              <a:rPr lang="en-US" dirty="0"/>
+              <a:t> </a:t>
+            </a:r>
+            <a:r>
+              <a:rPr lang="en-US" dirty="0" err="1"/>
+              <a:t>tụi</a:t>
+            </a:r>
+            <a:r>
+              <a:rPr lang="en-US" dirty="0"/>
+              <a:t> </a:t>
+            </a:r>
+            <a:r>
+              <a:rPr lang="en-US" dirty="0" err="1"/>
+              <a:t>có</a:t>
+            </a:r>
+            <a:r>
+              <a:rPr lang="en-US" dirty="0"/>
+              <a:t> </a:t>
+            </a:r>
+            <a:r>
+              <a:rPr lang="en-US" dirty="0" err="1"/>
+              <a:t>tên</a:t>
+            </a:r>
+            <a:r>
+              <a:rPr lang="en-US" dirty="0"/>
+              <a:t> </a:t>
+            </a:r>
+            <a:r>
+              <a:rPr lang="en-US" dirty="0" err="1"/>
+              <a:t>là</a:t>
+            </a:r>
+            <a:r>
+              <a:rPr lang="en-US" dirty="0"/>
+              <a:t> </a:t>
+            </a:r>
+            <a:r>
+              <a:rPr lang="en-US" dirty="0" err="1"/>
+              <a:t>helloWorld</a:t>
+            </a:r>
+            <a:r>
+              <a:rPr lang="en-US" dirty="0"/>
+              <a:t> bao </a:t>
+            </a:r>
+            <a:r>
+              <a:rPr lang="en-US" dirty="0" err="1"/>
+              <a:t>gồm</a:t>
+            </a:r>
+            <a:r>
+              <a:rPr lang="en-US" dirty="0"/>
+              <a:t> 5 </a:t>
+            </a:r>
+            <a:r>
+              <a:rPr lang="en-US" dirty="0" err="1"/>
+              <a:t>thành</a:t>
+            </a:r>
+            <a:r>
+              <a:rPr lang="en-US" dirty="0"/>
+              <a:t> </a:t>
+            </a:r>
+            <a:r>
+              <a:rPr lang="en-US" dirty="0" err="1"/>
+              <a:t>viên</a:t>
+            </a:r>
+            <a:r>
+              <a:rPr lang="en-US" dirty="0"/>
+              <a:t> </a:t>
+            </a:r>
+            <a:r>
+              <a:rPr lang="en-US" dirty="0" err="1"/>
+              <a:t>thực</a:t>
+            </a:r>
+            <a:r>
+              <a:rPr lang="en-US" dirty="0"/>
+              <a:t> </a:t>
+            </a:r>
+            <a:r>
+              <a:rPr lang="en-US" dirty="0" err="1"/>
+              <a:t>hiện</a:t>
+            </a:r>
+            <a:r>
+              <a:rPr lang="en-US" dirty="0"/>
+              <a:t> </a:t>
+            </a:r>
+            <a:r>
+              <a:rPr lang="en-US" dirty="0" err="1"/>
+              <a:t>dự</a:t>
+            </a:r>
+            <a:r>
+              <a:rPr lang="en-US" dirty="0"/>
+              <a:t> </a:t>
+            </a:r>
+            <a:r>
+              <a:rPr lang="en-US" dirty="0" err="1"/>
+              <a:t>án</a:t>
+            </a:r>
+            <a:r>
+              <a:rPr lang="en-US" dirty="0"/>
+              <a:t> </a:t>
+            </a:r>
+            <a:r>
+              <a:rPr lang="en-US" dirty="0" err="1"/>
+              <a:t>này</a:t>
+            </a:r>
+            <a:r>
+              <a:rPr lang="en-US" dirty="0"/>
+              <a:t>. </a:t>
+            </a:r>
           </a:p>
         </p:txBody>
       </p:sp>
@@ -5050,7 +7677,7 @@
           <a:p>
             <a:fld id="{E65D64CF-40D3-8A4B-A22E-736EA1880BEB}" type="slidenum">
               <a:rPr lang="en-US" smtClean="0"/>
-              <a:t>10</a:t>
+              <a:t>3</a:t>
             </a:fld>
             <a:endParaRPr lang="en-US"/>
           </a:p>
@@ -5059,7 +7686,7 @@
     </p:spTree>
     <p:extLst>
       <p:ext uri="{BB962C8B-B14F-4D97-AF65-F5344CB8AC3E}">
-        <p14:creationId xmlns:p14="http://schemas.microsoft.com/office/powerpoint/2010/main" val="838941567"/>
+        <p14:creationId xmlns:p14="http://schemas.microsoft.com/office/powerpoint/2010/main" val="1807333436"/>
       </p:ext>
     </p:extLst>
   </p:cSld>
@@ -5113,6 +7740,266 @@
           <a:bodyPr/>
           <a:lstStyle/>
           <a:p>
+            <a:pPr marL="0" marR="0" lvl="0" indent="0" algn="l" defTabSz="914400" rtl="0" eaLnBrk="1" fontAlgn="auto" latinLnBrk="0" hangingPunct="1">
+              <a:lnSpc>
+                <a:spcPct val="100000"/>
+              </a:lnSpc>
+              <a:spcBef>
+                <a:spcPts val="0"/>
+              </a:spcBef>
+              <a:spcAft>
+                <a:spcPts val="0"/>
+              </a:spcAft>
+              <a:buClrTx/>
+              <a:buSzTx/>
+              <a:buFontTx/>
+              <a:buNone/>
+              <a:tabLst/>
+              <a:defRPr/>
+            </a:pPr>
+            <a:r>
+              <a:rPr lang="en-US" dirty="0" err="1"/>
+              <a:t>Với</a:t>
+            </a:r>
+            <a:r>
+              <a:rPr lang="en-US" dirty="0"/>
+              <a:t> </a:t>
+            </a:r>
+            <a:r>
+              <a:rPr lang="en-US" dirty="0" err="1"/>
+              <a:t>bên</a:t>
+            </a:r>
+            <a:r>
+              <a:rPr lang="en-US" dirty="0"/>
+              <a:t> </a:t>
+            </a:r>
+            <a:r>
+              <a:rPr lang="en-US" dirty="0" err="1"/>
+              <a:t>khách</a:t>
+            </a:r>
+            <a:r>
+              <a:rPr lang="en-US" dirty="0"/>
+              <a:t> </a:t>
+            </a:r>
+            <a:r>
+              <a:rPr lang="en-US" dirty="0" err="1"/>
+              <a:t>hàng</a:t>
+            </a:r>
+            <a:r>
+              <a:rPr lang="en-US" dirty="0"/>
+              <a:t> </a:t>
+            </a:r>
+            <a:r>
+              <a:rPr lang="en-US" dirty="0" err="1"/>
+              <a:t>là</a:t>
+            </a:r>
+            <a:r>
+              <a:rPr lang="en-US" dirty="0"/>
+              <a:t> </a:t>
+            </a:r>
+            <a:r>
+              <a:rPr lang="en-US" dirty="0" err="1"/>
+              <a:t>anh</a:t>
+            </a:r>
+            <a:r>
+              <a:rPr lang="en-US" dirty="0"/>
+              <a:t> </a:t>
+            </a:r>
+            <a:r>
+              <a:rPr lang="en-US" dirty="0" err="1"/>
+              <a:t>Trần</a:t>
+            </a:r>
+            <a:r>
+              <a:rPr lang="en-US" dirty="0"/>
+              <a:t> Minh </a:t>
+            </a:r>
+            <a:r>
+              <a:rPr lang="en-US" dirty="0" err="1"/>
+              <a:t>Châu</a:t>
+            </a:r>
+            <a:r>
+              <a:rPr lang="en-US" dirty="0"/>
+              <a:t> </a:t>
+            </a:r>
+            <a:r>
+              <a:rPr lang="en-US" dirty="0" err="1"/>
+              <a:t>và</a:t>
+            </a:r>
+            <a:r>
+              <a:rPr lang="en-US" dirty="0"/>
+              <a:t> </a:t>
+            </a:r>
+            <a:r>
+              <a:rPr lang="en-US" dirty="0" err="1"/>
+              <a:t>anh</a:t>
+            </a:r>
+            <a:r>
+              <a:rPr lang="en-US" dirty="0"/>
+              <a:t> </a:t>
+            </a:r>
+            <a:r>
+              <a:rPr lang="en-US" dirty="0" err="1"/>
+              <a:t>Nguyễn</a:t>
+            </a:r>
+            <a:r>
+              <a:rPr lang="en-US" dirty="0"/>
+              <a:t> </a:t>
+            </a:r>
+            <a:r>
+              <a:rPr lang="en-US" dirty="0" err="1"/>
+              <a:t>Hữu</a:t>
+            </a:r>
+            <a:r>
+              <a:rPr lang="en-US" dirty="0"/>
+              <a:t> </a:t>
+            </a:r>
+            <a:r>
+              <a:rPr lang="en-US" dirty="0" err="1"/>
+              <a:t>Nhật</a:t>
+            </a:r>
+            <a:r>
+              <a:rPr lang="en-US" dirty="0"/>
+              <a:t>.</a:t>
+            </a:r>
+          </a:p>
+          <a:p>
+            <a:pPr marL="0" marR="0" lvl="0" indent="0" algn="l" defTabSz="914400" rtl="0" eaLnBrk="1" fontAlgn="auto" latinLnBrk="0" hangingPunct="1">
+              <a:lnSpc>
+                <a:spcPct val="100000"/>
+              </a:lnSpc>
+              <a:spcBef>
+                <a:spcPts val="0"/>
+              </a:spcBef>
+              <a:spcAft>
+                <a:spcPts val="0"/>
+              </a:spcAft>
+              <a:buClrTx/>
+              <a:buSzTx/>
+              <a:buFontTx/>
+              <a:buNone/>
+              <a:tabLst/>
+              <a:defRPr/>
+            </a:pPr>
+            <a:endParaRPr lang="en-US" dirty="0"/>
+          </a:p>
+          <a:p>
+            <a:pPr marL="0" marR="0" lvl="0" indent="0" algn="l" defTabSz="914400" rtl="0" eaLnBrk="1" fontAlgn="auto" latinLnBrk="0" hangingPunct="1">
+              <a:lnSpc>
+                <a:spcPct val="100000"/>
+              </a:lnSpc>
+              <a:spcBef>
+                <a:spcPts val="0"/>
+              </a:spcBef>
+              <a:spcAft>
+                <a:spcPts val="0"/>
+              </a:spcAft>
+              <a:buClrTx/>
+              <a:buSzTx/>
+              <a:buFontTx/>
+              <a:buNone/>
+              <a:tabLst/>
+              <a:defRPr/>
+            </a:pPr>
+            <a:r>
+              <a:rPr lang="en-US" dirty="0"/>
+              <a:t>Sau </a:t>
+            </a:r>
+            <a:r>
+              <a:rPr lang="en-US" dirty="0" err="1"/>
+              <a:t>đây</a:t>
+            </a:r>
+            <a:r>
+              <a:rPr lang="en-US" dirty="0"/>
+              <a:t> e </a:t>
+            </a:r>
+            <a:r>
+              <a:rPr lang="en-US" dirty="0" err="1"/>
+              <a:t>xin</a:t>
+            </a:r>
+            <a:r>
+              <a:rPr lang="en-US" dirty="0"/>
+              <a:t> </a:t>
+            </a:r>
+            <a:r>
+              <a:rPr lang="en-US" dirty="0" err="1"/>
+              <a:t>trình</a:t>
+            </a:r>
+            <a:r>
+              <a:rPr lang="en-US" dirty="0"/>
+              <a:t> </a:t>
+            </a:r>
+            <a:r>
+              <a:rPr lang="en-US" dirty="0" err="1"/>
+              <a:t>bày</a:t>
+            </a:r>
+            <a:r>
+              <a:rPr lang="en-US" dirty="0"/>
+              <a:t> </a:t>
+            </a:r>
+            <a:r>
+              <a:rPr lang="en-US" dirty="0" err="1"/>
+              <a:t>về</a:t>
+            </a:r>
+            <a:r>
+              <a:rPr lang="en-US" dirty="0"/>
+              <a:t> </a:t>
+            </a:r>
+            <a:r>
+              <a:rPr lang="en-US" dirty="0" err="1"/>
+              <a:t>phần</a:t>
+            </a:r>
+            <a:r>
+              <a:rPr lang="en-US" dirty="0"/>
+              <a:t> </a:t>
+            </a:r>
+            <a:r>
+              <a:rPr lang="en-US" dirty="0" err="1"/>
+              <a:t>tông</a:t>
+            </a:r>
+            <a:r>
+              <a:rPr lang="en-US" dirty="0"/>
+              <a:t> </a:t>
+            </a:r>
+            <a:r>
+              <a:rPr lang="en-US" dirty="0" err="1"/>
+              <a:t>quản</a:t>
+            </a:r>
+            <a:r>
+              <a:rPr lang="en-US" dirty="0"/>
+              <a:t> </a:t>
+            </a:r>
+            <a:r>
+              <a:rPr lang="en-US" dirty="0" err="1"/>
+              <a:t>dự</a:t>
+            </a:r>
+            <a:r>
+              <a:rPr lang="en-US" dirty="0"/>
+              <a:t> </a:t>
+            </a:r>
+            <a:r>
+              <a:rPr lang="en-US" dirty="0" err="1"/>
+              <a:t>án</a:t>
+            </a:r>
+            <a:endParaRPr lang="en-US" dirty="0"/>
+          </a:p>
+          <a:p>
+            <a:pPr marL="0" marR="0" lvl="0" indent="0" algn="l" defTabSz="914400" rtl="0" eaLnBrk="1" fontAlgn="auto" latinLnBrk="0" hangingPunct="1">
+              <a:lnSpc>
+                <a:spcPct val="100000"/>
+              </a:lnSpc>
+              <a:spcBef>
+                <a:spcPts val="0"/>
+              </a:spcBef>
+              <a:spcAft>
+                <a:spcPts val="0"/>
+              </a:spcAft>
+              <a:buClrTx/>
+              <a:buSzTx/>
+              <a:buFontTx/>
+              <a:buNone/>
+              <a:tabLst/>
+              <a:defRPr/>
+            </a:pPr>
             <a:endParaRPr lang="en-US" dirty="0"/>
           </a:p>
         </p:txBody>
@@ -5134,7 +8021,7 @@
           <a:p>
             <a:fld id="{E65D64CF-40D3-8A4B-A22E-736EA1880BEB}" type="slidenum">
               <a:rPr lang="en-US" smtClean="0"/>
-              <a:t>11</a:t>
+              <a:t>4</a:t>
             </a:fld>
             <a:endParaRPr lang="en-US"/>
           </a:p>
@@ -5143,7 +8030,7 @@
     </p:spTree>
     <p:extLst>
       <p:ext uri="{BB962C8B-B14F-4D97-AF65-F5344CB8AC3E}">
-        <p14:creationId xmlns:p14="http://schemas.microsoft.com/office/powerpoint/2010/main" val="4186768227"/>
+        <p14:creationId xmlns:p14="http://schemas.microsoft.com/office/powerpoint/2010/main" val="718762331"/>
       </p:ext>
     </p:extLst>
   </p:cSld>
@@ -5197,6 +8084,28 @@
           <a:bodyPr/>
           <a:lstStyle/>
           <a:p>
+            <a:r>
+              <a:rPr lang="vi-VN" dirty="0"/>
+              <a:t>Do nhu cầu tìm kiếm nhà ở tăng cao các công ty bds ngày càng nhiều, quy mô công ty</a:t>
+            </a:r>
+          </a:p>
+          <a:p>
+            <a:endParaRPr lang="vi-VN" dirty="0"/>
+          </a:p>
+          <a:p>
+            <a:r>
+              <a:rPr lang="vi-VN" dirty="0"/>
+              <a:t>Ngày càng mở rộng vì thế ứng dụng quản lý công ty bds ra đời nhằm đáp ứng nhu cầu quản lý</a:t>
+            </a:r>
+          </a:p>
+          <a:p>
+            <a:endParaRPr lang="vi-VN" dirty="0"/>
+          </a:p>
+          <a:p>
+            <a:r>
+              <a:rPr lang="vi-VN" dirty="0"/>
+              <a:t>Về thông tin dự án, quản lý nhân viên, báo cáo doanh số một cách trực quan hơn.</a:t>
+            </a:r>
             <a:endParaRPr lang="en-US" dirty="0"/>
           </a:p>
         </p:txBody>
@@ -5218,7 +8127,7 @@
           <a:p>
             <a:fld id="{E65D64CF-40D3-8A4B-A22E-736EA1880BEB}" type="slidenum">
               <a:rPr lang="en-US" smtClean="0"/>
-              <a:t>12</a:t>
+              <a:t>5</a:t>
             </a:fld>
             <a:endParaRPr lang="en-US"/>
           </a:p>
@@ -5227,7 +8136,7 @@
     </p:spTree>
     <p:extLst>
       <p:ext uri="{BB962C8B-B14F-4D97-AF65-F5344CB8AC3E}">
-        <p14:creationId xmlns:p14="http://schemas.microsoft.com/office/powerpoint/2010/main" val="816925685"/>
+        <p14:creationId xmlns:p14="http://schemas.microsoft.com/office/powerpoint/2010/main" val="938532619"/>
       </p:ext>
     </p:extLst>
   </p:cSld>
@@ -5281,7 +8190,166 @@
           <a:bodyPr/>
           <a:lstStyle/>
           <a:p>
-            <a:endParaRPr lang="en-US" dirty="0"/>
+            <a:pPr marL="171450" indent="-171450">
+              <a:buFont typeface="Arial" panose="020B0604020202020204" pitchFamily="34" charset="0"/>
+              <a:buChar char="•"/>
+            </a:pPr>
+            <a:r>
+              <a:rPr lang="en-US" sz="1200" dirty="0" err="1"/>
+              <a:t>Với</a:t>
+            </a:r>
+            <a:r>
+              <a:rPr lang="en-US" sz="1200" dirty="0"/>
+              <a:t> </a:t>
+            </a:r>
+            <a:r>
+              <a:rPr lang="en-US" sz="1200" dirty="0" err="1"/>
+              <a:t>quy</a:t>
+            </a:r>
+            <a:r>
+              <a:rPr lang="en-US" sz="1200" dirty="0"/>
+              <a:t> </a:t>
+            </a:r>
+            <a:r>
+              <a:rPr lang="en-US" sz="1200" dirty="0" err="1"/>
+              <a:t>mô</a:t>
+            </a:r>
+            <a:r>
+              <a:rPr lang="en-US" sz="1200" dirty="0"/>
+              <a:t> </a:t>
+            </a:r>
+            <a:r>
+              <a:rPr lang="en-US" sz="1200" dirty="0" err="1"/>
+              <a:t>của</a:t>
+            </a:r>
+            <a:r>
+              <a:rPr lang="en-US" sz="1200" dirty="0"/>
+              <a:t> </a:t>
+            </a:r>
+            <a:r>
+              <a:rPr lang="en-US" sz="1200" dirty="0" err="1"/>
+              <a:t>công</a:t>
+            </a:r>
+            <a:r>
+              <a:rPr lang="en-US" sz="1200" dirty="0"/>
+              <a:t> ty </a:t>
+            </a:r>
+            <a:r>
+              <a:rPr lang="en-US" sz="1200" dirty="0" err="1"/>
+              <a:t>vừa</a:t>
+            </a:r>
+            <a:r>
+              <a:rPr lang="en-US" sz="1200" dirty="0"/>
+              <a:t> </a:t>
+            </a:r>
+            <a:r>
+              <a:rPr lang="en-US" sz="1200" dirty="0" err="1"/>
+              <a:t>và</a:t>
+            </a:r>
+            <a:r>
+              <a:rPr lang="en-US" sz="1200" dirty="0"/>
+              <a:t> </a:t>
+            </a:r>
+            <a:r>
+              <a:rPr lang="en-US" sz="1200" dirty="0" err="1"/>
+              <a:t>nhỏ</a:t>
+            </a:r>
+            <a:r>
+              <a:rPr lang="en-US" sz="1200" dirty="0"/>
+              <a:t> </a:t>
+            </a:r>
+            <a:r>
+              <a:rPr lang="en-US" sz="1200" dirty="0" err="1"/>
+              <a:t>yêu</a:t>
+            </a:r>
+            <a:r>
+              <a:rPr lang="en-US" sz="1200" dirty="0"/>
+              <a:t> </a:t>
+            </a:r>
+            <a:r>
+              <a:rPr lang="en-US" sz="1200" dirty="0" err="1"/>
+              <a:t>cầu</a:t>
+            </a:r>
+            <a:r>
+              <a:rPr lang="en-US" sz="1200" dirty="0"/>
+              <a:t> </a:t>
+            </a:r>
+            <a:r>
+              <a:rPr lang="en-US" sz="1200" dirty="0" err="1"/>
+              <a:t>triển</a:t>
+            </a:r>
+            <a:r>
+              <a:rPr lang="en-US" sz="1200" dirty="0"/>
+              <a:t> </a:t>
+            </a:r>
+            <a:r>
+              <a:rPr lang="en-US" sz="1200" dirty="0" err="1"/>
+              <a:t>khai</a:t>
+            </a:r>
+            <a:r>
+              <a:rPr lang="en-US" sz="1200" dirty="0"/>
+              <a:t> </a:t>
+            </a:r>
+            <a:r>
+              <a:rPr lang="en-US" sz="1200" dirty="0" err="1"/>
+              <a:t>nhanh</a:t>
+            </a:r>
+            <a:r>
+              <a:rPr lang="en-US" sz="1200" dirty="0"/>
+              <a:t> </a:t>
+            </a:r>
+            <a:r>
+              <a:rPr lang="en-US" sz="1200" dirty="0" err="1"/>
+              <a:t>sử</a:t>
+            </a:r>
+            <a:r>
+              <a:rPr lang="en-US" sz="1200" dirty="0"/>
+              <a:t> </a:t>
+            </a:r>
+            <a:r>
+              <a:rPr lang="en-US" sz="1200" dirty="0" err="1"/>
+              <a:t>dụng</a:t>
+            </a:r>
+            <a:r>
+              <a:rPr lang="en-US" sz="1200" dirty="0"/>
+              <a:t> </a:t>
+            </a:r>
+            <a:r>
+              <a:rPr lang="en-US" sz="1200" dirty="0" err="1"/>
+              <a:t>cho</a:t>
+            </a:r>
+            <a:r>
+              <a:rPr lang="en-US" sz="1200" dirty="0"/>
+              <a:t> </a:t>
+            </a:r>
+            <a:r>
+              <a:rPr lang="en-US" sz="1200" dirty="0" err="1"/>
+              <a:t>nhiều</a:t>
+            </a:r>
+            <a:r>
+              <a:rPr lang="en-US" sz="1200" dirty="0"/>
+              <a:t> </a:t>
+            </a:r>
+            <a:r>
+              <a:rPr lang="en-US" sz="1200" dirty="0" err="1"/>
+              <a:t>nền</a:t>
+            </a:r>
+            <a:r>
+              <a:rPr lang="en-US" sz="1200" dirty="0"/>
+              <a:t> </a:t>
+            </a:r>
+            <a:r>
+              <a:rPr lang="en-US" sz="1200" dirty="0" err="1"/>
+              <a:t>tảng</a:t>
+            </a:r>
+            <a:endParaRPr lang="en-US" sz="1200" dirty="0"/>
+          </a:p>
+          <a:p>
+            <a:pPr marL="171450" indent="-171450">
+              <a:buFont typeface="Arial" panose="020B0604020202020204" pitchFamily="34" charset="0"/>
+              <a:buChar char="•"/>
+            </a:pPr>
+            <a:endParaRPr lang="en-US" sz="1200" dirty="0"/>
           </a:p>
         </p:txBody>
       </p:sp>
@@ -5302,7 +8370,7 @@
           <a:p>
             <a:fld id="{E65D64CF-40D3-8A4B-A22E-736EA1880BEB}" type="slidenum">
               <a:rPr lang="en-US" smtClean="0"/>
-              <a:t>13</a:t>
+              <a:t>6</a:t>
             </a:fld>
             <a:endParaRPr lang="en-US"/>
           </a:p>
@@ -5311,7 +8379,7 @@
     </p:spTree>
     <p:extLst>
       <p:ext uri="{BB962C8B-B14F-4D97-AF65-F5344CB8AC3E}">
-        <p14:creationId xmlns:p14="http://schemas.microsoft.com/office/powerpoint/2010/main" val="3838883376"/>
+        <p14:creationId xmlns:p14="http://schemas.microsoft.com/office/powerpoint/2010/main" val="3009972312"/>
       </p:ext>
     </p:extLst>
   </p:cSld>
@@ -5365,7 +8433,236 @@
           <a:bodyPr/>
           <a:lstStyle/>
           <a:p>
-            <a:endParaRPr lang="en-US" dirty="0"/>
+            <a:pPr marL="171450" indent="-171450">
+              <a:buFont typeface="Arial" panose="020B0604020202020204" pitchFamily="34" charset="0"/>
+              <a:buChar char="•"/>
+            </a:pPr>
+            <a:r>
+              <a:rPr lang="en-US" sz="1200" dirty="0" err="1"/>
+              <a:t>Thì</a:t>
+            </a:r>
+            <a:r>
+              <a:rPr lang="en-US" sz="1200" dirty="0"/>
+              <a:t> </a:t>
+            </a:r>
+            <a:r>
+              <a:rPr lang="en-US" sz="1200" dirty="0" err="1"/>
+              <a:t>nhóm</a:t>
+            </a:r>
+            <a:r>
+              <a:rPr lang="en-US" sz="1200" dirty="0"/>
+              <a:t> </a:t>
+            </a:r>
+            <a:r>
+              <a:rPr lang="en-US" sz="1200" dirty="0" err="1"/>
+              <a:t>đã</a:t>
+            </a:r>
+            <a:r>
+              <a:rPr lang="en-US" sz="1200" dirty="0"/>
+              <a:t> </a:t>
+            </a:r>
+            <a:r>
+              <a:rPr lang="en-US" sz="1200" dirty="0" err="1"/>
+              <a:t>quyết</a:t>
+            </a:r>
+            <a:r>
+              <a:rPr lang="en-US" sz="1200" dirty="0"/>
+              <a:t> </a:t>
+            </a:r>
+            <a:r>
+              <a:rPr lang="en-US" sz="1200" dirty="0" err="1"/>
+              <a:t>định</a:t>
+            </a:r>
+            <a:r>
+              <a:rPr lang="en-US" sz="1200" dirty="0"/>
+              <a:t> </a:t>
+            </a:r>
+            <a:r>
+              <a:rPr lang="en-US" sz="1200" dirty="0" err="1"/>
+              <a:t>chọn</a:t>
+            </a:r>
+            <a:r>
+              <a:rPr lang="en-US" sz="1200" dirty="0"/>
+              <a:t> </a:t>
+            </a:r>
+            <a:r>
+              <a:rPr lang="en-US" sz="1200" dirty="0" err="1"/>
+              <a:t>những</a:t>
+            </a:r>
+            <a:r>
+              <a:rPr lang="en-US" sz="1200" dirty="0"/>
+              <a:t> </a:t>
+            </a:r>
+            <a:r>
+              <a:rPr lang="en-US" sz="1200" dirty="0" err="1"/>
+              <a:t>công</a:t>
+            </a:r>
+            <a:r>
+              <a:rPr lang="en-US" sz="1200" dirty="0"/>
+              <a:t> </a:t>
+            </a:r>
+            <a:r>
+              <a:rPr lang="en-US" sz="1200" dirty="0" err="1"/>
+              <a:t>nghệ</a:t>
+            </a:r>
+            <a:r>
+              <a:rPr lang="en-US" sz="1200" dirty="0"/>
+              <a:t> </a:t>
+            </a:r>
+            <a:r>
+              <a:rPr lang="en-US" sz="1200" dirty="0" err="1"/>
+              <a:t>này</a:t>
+            </a:r>
+            <a:r>
+              <a:rPr lang="en-US" sz="1200" dirty="0"/>
+              <a:t> </a:t>
+            </a:r>
+            <a:r>
+              <a:rPr lang="en-US" sz="1200" dirty="0" err="1"/>
+              <a:t>để</a:t>
+            </a:r>
+            <a:r>
+              <a:rPr lang="en-US" sz="1200" dirty="0"/>
+              <a:t> </a:t>
+            </a:r>
+            <a:r>
+              <a:rPr lang="en-US" sz="1200" dirty="0" err="1"/>
+              <a:t>phát</a:t>
+            </a:r>
+            <a:r>
+              <a:rPr lang="en-US" sz="1200" dirty="0"/>
+              <a:t> </a:t>
+            </a:r>
+            <a:r>
+              <a:rPr lang="en-US" sz="1200" dirty="0" err="1"/>
+              <a:t>triển</a:t>
+            </a:r>
+            <a:r>
+              <a:rPr lang="en-US" sz="1200" dirty="0"/>
+              <a:t> </a:t>
+            </a:r>
+            <a:r>
+              <a:rPr lang="en-US" sz="1200" dirty="0" err="1"/>
+              <a:t>ứng</a:t>
+            </a:r>
+            <a:r>
+              <a:rPr lang="en-US" sz="1200" dirty="0"/>
+              <a:t> </a:t>
+            </a:r>
+            <a:r>
+              <a:rPr lang="en-US" sz="1200" dirty="0" err="1"/>
+              <a:t>dụng</a:t>
+            </a:r>
+            <a:r>
+              <a:rPr lang="en-US" sz="1200" dirty="0"/>
+              <a:t> </a:t>
+            </a:r>
+            <a:r>
+              <a:rPr lang="en-US" sz="1200" dirty="0" err="1"/>
+              <a:t>và</a:t>
+            </a:r>
+            <a:r>
+              <a:rPr lang="en-US" sz="1200" dirty="0"/>
+              <a:t> </a:t>
+            </a:r>
+            <a:r>
+              <a:rPr lang="en-US" sz="1200" dirty="0" err="1"/>
+              <a:t>đồng</a:t>
+            </a:r>
+            <a:r>
+              <a:rPr lang="en-US" sz="1200" dirty="0"/>
+              <a:t> </a:t>
+            </a:r>
+            <a:r>
+              <a:rPr lang="en-US" sz="1200" dirty="0" err="1"/>
+              <a:t>thời</a:t>
+            </a:r>
+            <a:endParaRPr lang="en-US" sz="1200" dirty="0"/>
+          </a:p>
+          <a:p>
+            <a:pPr marL="171450" indent="-171450">
+              <a:buFont typeface="Arial" panose="020B0604020202020204" pitchFamily="34" charset="0"/>
+              <a:buChar char="•"/>
+            </a:pPr>
+            <a:endParaRPr lang="en-US" sz="1200" dirty="0"/>
+          </a:p>
+          <a:p>
+            <a:pPr marL="171450" indent="-171450">
+              <a:buFont typeface="Arial" panose="020B0604020202020204" pitchFamily="34" charset="0"/>
+              <a:buChar char="•"/>
+            </a:pPr>
+            <a:r>
+              <a:rPr lang="en-US" sz="1200" dirty="0" err="1"/>
+              <a:t>Đáp</a:t>
+            </a:r>
+            <a:r>
+              <a:rPr lang="en-US" sz="1200" dirty="0"/>
+              <a:t> </a:t>
+            </a:r>
+            <a:r>
+              <a:rPr lang="en-US" sz="1200" dirty="0" err="1"/>
+              <a:t>ứng</a:t>
+            </a:r>
+            <a:r>
+              <a:rPr lang="en-US" sz="1200" dirty="0"/>
+              <a:t> </a:t>
+            </a:r>
+            <a:r>
+              <a:rPr lang="en-US" sz="1200" dirty="0" err="1"/>
+              <a:t>nhu</a:t>
+            </a:r>
+            <a:r>
+              <a:rPr lang="en-US" sz="1200" dirty="0"/>
+              <a:t> </a:t>
+            </a:r>
+            <a:r>
+              <a:rPr lang="en-US" sz="1200" dirty="0" err="1"/>
+              <a:t>cầu</a:t>
+            </a:r>
+            <a:r>
+              <a:rPr lang="en-US" sz="1200" dirty="0"/>
+              <a:t> </a:t>
+            </a:r>
+            <a:r>
+              <a:rPr lang="en-US" sz="1200" dirty="0" err="1"/>
+              <a:t>nghiệp</a:t>
+            </a:r>
+            <a:r>
+              <a:rPr lang="en-US" sz="1200" dirty="0"/>
+              <a:t> </a:t>
+            </a:r>
+            <a:r>
+              <a:rPr lang="en-US" sz="1200" dirty="0" err="1"/>
+              <a:t>vụ</a:t>
+            </a:r>
+            <a:r>
+              <a:rPr lang="en-US" sz="1200" dirty="0"/>
+              <a:t> </a:t>
+            </a:r>
+            <a:r>
+              <a:rPr lang="en-US" sz="1200" dirty="0" err="1"/>
+              <a:t>khách</a:t>
+            </a:r>
+            <a:r>
+              <a:rPr lang="en-US" sz="1200" dirty="0"/>
+              <a:t> </a:t>
+            </a:r>
+            <a:r>
+              <a:rPr lang="en-US" sz="1200" dirty="0" err="1"/>
+              <a:t>hàng</a:t>
+            </a:r>
+            <a:r>
+              <a:rPr lang="en-US" sz="1200" dirty="0"/>
+              <a:t> </a:t>
+            </a:r>
+            <a:r>
+              <a:rPr lang="en-US" sz="1200" dirty="0" err="1"/>
+              <a:t>đề</a:t>
+            </a:r>
+            <a:r>
+              <a:rPr lang="en-US" sz="1200" dirty="0"/>
+              <a:t> ra</a:t>
+            </a:r>
           </a:p>
         </p:txBody>
       </p:sp>
@@ -5386,7 +8683,7 @@
           <a:p>
             <a:fld id="{E65D64CF-40D3-8A4B-A22E-736EA1880BEB}" type="slidenum">
               <a:rPr lang="en-US" smtClean="0"/>
-              <a:t>14</a:t>
+              <a:t>7</a:t>
             </a:fld>
             <a:endParaRPr lang="en-US"/>
           </a:p>
@@ -5395,7 +8692,7 @@
     </p:spTree>
     <p:extLst>
       <p:ext uri="{BB962C8B-B14F-4D97-AF65-F5344CB8AC3E}">
-        <p14:creationId xmlns:p14="http://schemas.microsoft.com/office/powerpoint/2010/main" val="1394761916"/>
+        <p14:creationId xmlns:p14="http://schemas.microsoft.com/office/powerpoint/2010/main" val="1918447522"/>
       </p:ext>
     </p:extLst>
   </p:cSld>
@@ -5449,7 +8746,102 @@
           <a:bodyPr/>
           <a:lstStyle/>
           <a:p>
-            <a:endParaRPr lang="en-US" dirty="0"/>
+            <a:r>
+              <a:rPr lang="en-US" dirty="0" err="1"/>
+              <a:t>Từ</a:t>
+            </a:r>
+            <a:r>
+              <a:rPr lang="en-US" dirty="0"/>
+              <a:t> </a:t>
+            </a:r>
+            <a:r>
+              <a:rPr lang="en-US" dirty="0" err="1"/>
+              <a:t>những</a:t>
+            </a:r>
+            <a:r>
+              <a:rPr lang="en-US" dirty="0"/>
+              <a:t> </a:t>
+            </a:r>
+            <a:r>
+              <a:rPr lang="en-US" dirty="0" err="1"/>
+              <a:t>yêu</a:t>
+            </a:r>
+            <a:r>
+              <a:rPr lang="en-US" dirty="0"/>
+              <a:t> </a:t>
+            </a:r>
+            <a:r>
+              <a:rPr lang="en-US" dirty="0" err="1"/>
+              <a:t>cầu</a:t>
+            </a:r>
+            <a:r>
+              <a:rPr lang="en-US" dirty="0"/>
+              <a:t> </a:t>
+            </a:r>
+            <a:r>
+              <a:rPr lang="en-US" dirty="0" err="1"/>
+              <a:t>của</a:t>
+            </a:r>
+            <a:r>
+              <a:rPr lang="en-US" dirty="0"/>
+              <a:t> </a:t>
+            </a:r>
+            <a:r>
+              <a:rPr lang="en-US" dirty="0" err="1"/>
+              <a:t>khách</a:t>
+            </a:r>
+            <a:r>
+              <a:rPr lang="en-US" dirty="0"/>
+              <a:t> </a:t>
+            </a:r>
+            <a:r>
+              <a:rPr lang="en-US" dirty="0" err="1"/>
+              <a:t>hàng</a:t>
+            </a:r>
+            <a:r>
+              <a:rPr lang="en-US" dirty="0"/>
+              <a:t> </a:t>
+            </a:r>
+            <a:r>
+              <a:rPr lang="en-US" dirty="0" err="1"/>
+              <a:t>nhóm</a:t>
+            </a:r>
+            <a:r>
+              <a:rPr lang="en-US" dirty="0"/>
+              <a:t> </a:t>
+            </a:r>
+            <a:r>
+              <a:rPr lang="en-US" dirty="0" err="1"/>
+              <a:t>đã</a:t>
+            </a:r>
+            <a:r>
+              <a:rPr lang="en-US" dirty="0"/>
+              <a:t> </a:t>
+            </a:r>
+            <a:r>
+              <a:rPr lang="en-US" dirty="0" err="1"/>
+              <a:t>phân</a:t>
+            </a:r>
+            <a:r>
+              <a:rPr lang="en-US" dirty="0"/>
+              <a:t> chia ra </a:t>
+            </a:r>
+            <a:r>
+              <a:rPr lang="en-US" dirty="0" err="1"/>
+              <a:t>thành</a:t>
+            </a:r>
+            <a:r>
+              <a:rPr lang="en-US" dirty="0"/>
+              <a:t> 3 module </a:t>
+            </a:r>
+            <a:r>
+              <a:rPr lang="en-US" dirty="0" err="1"/>
+              <a:t>chính</a:t>
+            </a:r>
+            <a:r>
+              <a:rPr lang="en-US" dirty="0"/>
+              <a:t>:</a:t>
+            </a:r>
           </a:p>
         </p:txBody>
       </p:sp>
@@ -5470,7 +8862,7 @@
           <a:p>
             <a:fld id="{E65D64CF-40D3-8A4B-A22E-736EA1880BEB}" type="slidenum">
               <a:rPr lang="en-US" smtClean="0"/>
-              <a:t>15</a:t>
+              <a:t>9</a:t>
             </a:fld>
             <a:endParaRPr lang="en-US"/>
           </a:p>
@@ -5479,7 +8871,7 @@
     </p:spTree>
     <p:extLst>
       <p:ext uri="{BB962C8B-B14F-4D97-AF65-F5344CB8AC3E}">
-        <p14:creationId xmlns:p14="http://schemas.microsoft.com/office/powerpoint/2010/main" val="1640813427"/>
+        <p14:creationId xmlns:p14="http://schemas.microsoft.com/office/powerpoint/2010/main" val="3509765479"/>
       </p:ext>
     </p:extLst>
   </p:cSld>
@@ -5533,6 +8925,12 @@
           <a:bodyPr/>
           <a:lstStyle/>
           <a:p>
+            <a:r>
+              <a:rPr lang="vi-VN" dirty="0"/>
+              <a:t>Với những chức năng của từng module nhóm đã tính toán ra được khổi lượng công việc cho từng module.</a:t>
+            </a:r>
+          </a:p>
+          <a:p>
             <a:endParaRPr lang="en-US" dirty="0"/>
           </a:p>
         </p:txBody>
@@ -5554,7 +8952,7 @@
           <a:p>
             <a:fld id="{E65D64CF-40D3-8A4B-A22E-736EA1880BEB}" type="slidenum">
               <a:rPr lang="en-US" smtClean="0"/>
-              <a:t>17</a:t>
+              <a:t>10</a:t>
             </a:fld>
             <a:endParaRPr lang="en-US"/>
           </a:p>
@@ -5563,7 +8961,7 @@
     </p:spTree>
     <p:extLst>
       <p:ext uri="{BB962C8B-B14F-4D97-AF65-F5344CB8AC3E}">
-        <p14:creationId xmlns:p14="http://schemas.microsoft.com/office/powerpoint/2010/main" val="3327323752"/>
+        <p14:creationId xmlns:p14="http://schemas.microsoft.com/office/powerpoint/2010/main" val="838941567"/>
       </p:ext>
     </p:extLst>
   </p:cSld>
@@ -13051,12 +16449,7 @@
             <p:ph idx="1"/>
           </p:nvPr>
         </p:nvSpPr>
-        <p:spPr>
-          <a:xfrm>
-            <a:off x="541236" y="1508787"/>
-            <a:ext cx="11329259" cy="614197"/>
-          </a:xfrm>
-        </p:spPr>
+        <p:spPr/>
         <p:txBody>
           <a:bodyPr/>
           <a:lstStyle/>
@@ -13067,7 +16460,7 @@
                   <a:schemeClr val="tx1"/>
                 </a:solidFill>
               </a:rPr>
-              <a:t>Portability (Dynamic)</a:t>
+              <a:t>Usability (Static)</a:t>
             </a:r>
             <a:endParaRPr lang="ko-KR" altLang="en-US" b="1" dirty="0">
               <a:solidFill>
@@ -13232,47 +16625,38 @@
       </p:sp>
       <p:pic>
         <p:nvPicPr>
-          <p:cNvPr id="7" name="Hình ảnh 14" descr="C:\Users\HOME\OneDrive\Desktop\Untitled Diagram-portability - dynamic.jpg">
+          <p:cNvPr id="5" name="Picture 4">
             <a:extLst>
               <a:ext uri="{FF2B5EF4-FFF2-40B4-BE49-F238E27FC236}">
-                <a16:creationId xmlns:a16="http://schemas.microsoft.com/office/drawing/2014/main" id="{73700225-404F-9443-98B9-6819D91370FC}"/>
+                <a16:creationId xmlns:a16="http://schemas.microsoft.com/office/drawing/2014/main" id="{23DD0ED2-A6F1-644E-9429-E17BE2C241CA}"/>
               </a:ext>
             </a:extLst>
           </p:cNvPr>
-          <p:cNvPicPr/>
+          <p:cNvPicPr>
+            <a:picLocks noChangeAspect="1"/>
+          </p:cNvPicPr>
           <p:nvPr/>
         </p:nvPicPr>
         <p:blipFill>
-          <a:blip r:embed="rId3">
-            <a:extLst>
-              <a:ext uri="{28A0092B-C50C-407E-A947-70E740481C1C}">
-                <a14:useLocalDpi xmlns:a14="http://schemas.microsoft.com/office/drawing/2010/main" val="0"/>
-              </a:ext>
-            </a:extLst>
-          </a:blip>
-          <a:srcRect/>
+          <a:blip r:embed="rId3"/>
           <a:stretch>
             <a:fillRect/>
           </a:stretch>
         </p:blipFill>
-        <p:spPr bwMode="auto">
+        <p:spPr>
           <a:xfrm>
-            <a:off x="3128010" y="2122983"/>
-            <a:ext cx="5935980" cy="4393563"/>
+            <a:off x="3128009" y="2224303"/>
+            <a:ext cx="5930900" cy="4181028"/>
           </a:xfrm>
           <a:prstGeom prst="rect">
             <a:avLst/>
           </a:prstGeom>
-          <a:noFill/>
-          <a:ln>
-            <a:noFill/>
-          </a:ln>
         </p:spPr>
       </p:pic>
     </p:spTree>
     <p:extLst>
       <p:ext uri="{BB962C8B-B14F-4D97-AF65-F5344CB8AC3E}">
-        <p14:creationId xmlns:p14="http://schemas.microsoft.com/office/powerpoint/2010/main" val="3151648582"/>
+        <p14:creationId xmlns:p14="http://schemas.microsoft.com/office/powerpoint/2010/main" val="1661084127"/>
       </p:ext>
     </p:extLst>
   </p:cSld>
@@ -13321,7 +16705,12 @@
             <p:ph idx="1"/>
           </p:nvPr>
         </p:nvSpPr>
-        <p:spPr/>
+        <p:spPr>
+          <a:xfrm>
+            <a:off x="541236" y="1508787"/>
+            <a:ext cx="11329259" cy="614197"/>
+          </a:xfrm>
+        </p:spPr>
         <p:txBody>
           <a:bodyPr/>
           <a:lstStyle/>
@@ -13332,7 +16721,7 @@
                   <a:schemeClr val="tx1"/>
                 </a:solidFill>
               </a:rPr>
-              <a:t>Usability (Static)</a:t>
+              <a:t>Portability (Dynamic)</a:t>
             </a:r>
             <a:endParaRPr lang="ko-KR" altLang="en-US" b="1" dirty="0">
               <a:solidFill>
@@ -13497,38 +16886,47 @@
       </p:sp>
       <p:pic>
         <p:nvPicPr>
-          <p:cNvPr id="5" name="Picture 4">
+          <p:cNvPr id="7" name="Hình ảnh 14" descr="C:\Users\HOME\OneDrive\Desktop\Untitled Diagram-portability - dynamic.jpg">
             <a:extLst>
               <a:ext uri="{FF2B5EF4-FFF2-40B4-BE49-F238E27FC236}">
-                <a16:creationId xmlns:a16="http://schemas.microsoft.com/office/drawing/2014/main" id="{23DD0ED2-A6F1-644E-9429-E17BE2C241CA}"/>
+                <a16:creationId xmlns:a16="http://schemas.microsoft.com/office/drawing/2014/main" id="{73700225-404F-9443-98B9-6819D91370FC}"/>
               </a:ext>
             </a:extLst>
           </p:cNvPr>
-          <p:cNvPicPr>
-            <a:picLocks noChangeAspect="1"/>
-          </p:cNvPicPr>
+          <p:cNvPicPr/>
           <p:nvPr/>
         </p:nvPicPr>
         <p:blipFill>
-          <a:blip r:embed="rId3"/>
+          <a:blip r:embed="rId3">
+            <a:extLst>
+              <a:ext uri="{28A0092B-C50C-407E-A947-70E740481C1C}">
+                <a14:useLocalDpi xmlns:a14="http://schemas.microsoft.com/office/drawing/2010/main" val="0"/>
+              </a:ext>
+            </a:extLst>
+          </a:blip>
+          <a:srcRect/>
           <a:stretch>
             <a:fillRect/>
           </a:stretch>
         </p:blipFill>
-        <p:spPr>
+        <p:spPr bwMode="auto">
           <a:xfrm>
-            <a:off x="3128009" y="2224303"/>
-            <a:ext cx="5930900" cy="4181028"/>
+            <a:off x="3128010" y="2122983"/>
+            <a:ext cx="5935980" cy="4393563"/>
           </a:xfrm>
           <a:prstGeom prst="rect">
             <a:avLst/>
           </a:prstGeom>
+          <a:noFill/>
+          <a:ln>
+            <a:noFill/>
+          </a:ln>
         </p:spPr>
       </p:pic>
     </p:spTree>
     <p:extLst>
       <p:ext uri="{BB962C8B-B14F-4D97-AF65-F5344CB8AC3E}">
-        <p14:creationId xmlns:p14="http://schemas.microsoft.com/office/powerpoint/2010/main" val="1661084127"/>
+        <p14:creationId xmlns:p14="http://schemas.microsoft.com/office/powerpoint/2010/main" val="3151648582"/>
       </p:ext>
     </p:extLst>
   </p:cSld>
@@ -22863,6 +26261,1517 @@
       </p:grpSpPr>
       <p:sp>
         <p:nvSpPr>
+          <p:cNvPr id="105" name="Rectangle: Rounded Corners 104">
+            <a:extLst>
+              <a:ext uri="{FF2B5EF4-FFF2-40B4-BE49-F238E27FC236}">
+                <a16:creationId xmlns:a16="http://schemas.microsoft.com/office/drawing/2014/main" id="{80704783-8D34-4B76-992C-C1D597A0BEBC}"/>
+              </a:ext>
+            </a:extLst>
+          </p:cNvPr>
+          <p:cNvSpPr/>
+          <p:nvPr/>
+        </p:nvSpPr>
+        <p:spPr>
+          <a:xfrm>
+            <a:off x="7283689" y="1592895"/>
+            <a:ext cx="2123861" cy="3981996"/>
+          </a:xfrm>
+          <a:prstGeom prst="roundRect">
+            <a:avLst>
+              <a:gd name="adj" fmla="val 6143"/>
+            </a:avLst>
+          </a:prstGeom>
+          <a:noFill/>
+          <a:ln>
+            <a:solidFill>
+              <a:schemeClr val="tx1">
+                <a:lumMod val="75000"/>
+                <a:lumOff val="25000"/>
+              </a:schemeClr>
+            </a:solidFill>
+          </a:ln>
+        </p:spPr>
+        <p:style>
+          <a:lnRef idx="2">
+            <a:schemeClr val="accent1">
+              <a:shade val="50000"/>
+            </a:schemeClr>
+          </a:lnRef>
+          <a:fillRef idx="1">
+            <a:schemeClr val="accent1"/>
+          </a:fillRef>
+          <a:effectRef idx="0">
+            <a:schemeClr val="accent1"/>
+          </a:effectRef>
+          <a:fontRef idx="minor">
+            <a:schemeClr val="lt1"/>
+          </a:fontRef>
+        </p:style>
+        <p:txBody>
+          <a:bodyPr rtlCol="0" anchor="ctr"/>
+          <a:lstStyle/>
+          <a:p>
+            <a:pPr algn="ctr"/>
+            <a:endParaRPr lang="en-US"/>
+          </a:p>
+        </p:txBody>
+      </p:sp>
+      <p:sp>
+        <p:nvSpPr>
+          <p:cNvPr id="106" name="Rectangle: Rounded Corners 105">
+            <a:extLst>
+              <a:ext uri="{FF2B5EF4-FFF2-40B4-BE49-F238E27FC236}">
+                <a16:creationId xmlns:a16="http://schemas.microsoft.com/office/drawing/2014/main" id="{D43C0384-4898-46D7-99CA-E8B5DF7D3EE9}"/>
+              </a:ext>
+            </a:extLst>
+          </p:cNvPr>
+          <p:cNvSpPr/>
+          <p:nvPr/>
+        </p:nvSpPr>
+        <p:spPr>
+          <a:xfrm>
+            <a:off x="2784452" y="1592895"/>
+            <a:ext cx="2123861" cy="3981996"/>
+          </a:xfrm>
+          <a:prstGeom prst="roundRect">
+            <a:avLst>
+              <a:gd name="adj" fmla="val 6143"/>
+            </a:avLst>
+          </a:prstGeom>
+          <a:noFill/>
+          <a:ln>
+            <a:solidFill>
+              <a:schemeClr val="tx1">
+                <a:lumMod val="75000"/>
+                <a:lumOff val="25000"/>
+              </a:schemeClr>
+            </a:solidFill>
+          </a:ln>
+        </p:spPr>
+        <p:style>
+          <a:lnRef idx="2">
+            <a:schemeClr val="accent1">
+              <a:shade val="50000"/>
+            </a:schemeClr>
+          </a:lnRef>
+          <a:fillRef idx="1">
+            <a:schemeClr val="accent1"/>
+          </a:fillRef>
+          <a:effectRef idx="0">
+            <a:schemeClr val="accent1"/>
+          </a:effectRef>
+          <a:fontRef idx="minor">
+            <a:schemeClr val="lt1"/>
+          </a:fontRef>
+        </p:style>
+        <p:txBody>
+          <a:bodyPr rtlCol="0" anchor="ctr"/>
+          <a:lstStyle/>
+          <a:p>
+            <a:pPr algn="ctr"/>
+            <a:endParaRPr lang="en-US"/>
+          </a:p>
+        </p:txBody>
+      </p:sp>
+      <p:sp>
+        <p:nvSpPr>
+          <p:cNvPr id="104" name="Rectangle: Rounded Corners 103">
+            <a:extLst>
+              <a:ext uri="{FF2B5EF4-FFF2-40B4-BE49-F238E27FC236}">
+                <a16:creationId xmlns:a16="http://schemas.microsoft.com/office/drawing/2014/main" id="{830976E2-CD3D-4EE3-AAC1-D9E2B9A434B9}"/>
+              </a:ext>
+            </a:extLst>
+          </p:cNvPr>
+          <p:cNvSpPr/>
+          <p:nvPr/>
+        </p:nvSpPr>
+        <p:spPr>
+          <a:xfrm>
+            <a:off x="9533305" y="1592895"/>
+            <a:ext cx="2123861" cy="3981996"/>
+          </a:xfrm>
+          <a:prstGeom prst="roundRect">
+            <a:avLst>
+              <a:gd name="adj" fmla="val 6143"/>
+            </a:avLst>
+          </a:prstGeom>
+          <a:noFill/>
+          <a:ln>
+            <a:solidFill>
+              <a:schemeClr val="accent5"/>
+            </a:solidFill>
+          </a:ln>
+        </p:spPr>
+        <p:style>
+          <a:lnRef idx="2">
+            <a:schemeClr val="accent1">
+              <a:shade val="50000"/>
+            </a:schemeClr>
+          </a:lnRef>
+          <a:fillRef idx="1">
+            <a:schemeClr val="accent1"/>
+          </a:fillRef>
+          <a:effectRef idx="0">
+            <a:schemeClr val="accent1"/>
+          </a:effectRef>
+          <a:fontRef idx="minor">
+            <a:schemeClr val="lt1"/>
+          </a:fontRef>
+        </p:style>
+        <p:txBody>
+          <a:bodyPr rtlCol="0" anchor="ctr"/>
+          <a:lstStyle/>
+          <a:p>
+            <a:pPr algn="ctr"/>
+            <a:endParaRPr lang="en-US"/>
+          </a:p>
+        </p:txBody>
+      </p:sp>
+      <p:sp>
+        <p:nvSpPr>
+          <p:cNvPr id="103" name="Rectangle: Rounded Corners 102">
+            <a:extLst>
+              <a:ext uri="{FF2B5EF4-FFF2-40B4-BE49-F238E27FC236}">
+                <a16:creationId xmlns:a16="http://schemas.microsoft.com/office/drawing/2014/main" id="{06677D79-ECB4-464D-A2A2-5A845483F93D}"/>
+              </a:ext>
+            </a:extLst>
+          </p:cNvPr>
+          <p:cNvSpPr/>
+          <p:nvPr/>
+        </p:nvSpPr>
+        <p:spPr>
+          <a:xfrm>
+            <a:off x="5034070" y="1592895"/>
+            <a:ext cx="2123861" cy="3981996"/>
+          </a:xfrm>
+          <a:prstGeom prst="roundRect">
+            <a:avLst>
+              <a:gd name="adj" fmla="val 6143"/>
+            </a:avLst>
+          </a:prstGeom>
+          <a:noFill/>
+          <a:ln>
+            <a:solidFill>
+              <a:schemeClr val="accent5"/>
+            </a:solidFill>
+          </a:ln>
+        </p:spPr>
+        <p:style>
+          <a:lnRef idx="2">
+            <a:schemeClr val="accent1">
+              <a:shade val="50000"/>
+            </a:schemeClr>
+          </a:lnRef>
+          <a:fillRef idx="1">
+            <a:schemeClr val="accent1"/>
+          </a:fillRef>
+          <a:effectRef idx="0">
+            <a:schemeClr val="accent1"/>
+          </a:effectRef>
+          <a:fontRef idx="minor">
+            <a:schemeClr val="lt1"/>
+          </a:fontRef>
+        </p:style>
+        <p:txBody>
+          <a:bodyPr rtlCol="0" anchor="ctr"/>
+          <a:lstStyle/>
+          <a:p>
+            <a:pPr algn="ctr"/>
+            <a:endParaRPr lang="en-US"/>
+          </a:p>
+        </p:txBody>
+      </p:sp>
+      <p:sp>
+        <p:nvSpPr>
+          <p:cNvPr id="4" name="Rectangle 3">
+            <a:extLst>
+              <a:ext uri="{FF2B5EF4-FFF2-40B4-BE49-F238E27FC236}">
+                <a16:creationId xmlns:a16="http://schemas.microsoft.com/office/drawing/2014/main" id="{DB30EF39-DF10-4CF3-89DC-8F1A1A02F3D6}"/>
+              </a:ext>
+            </a:extLst>
+          </p:cNvPr>
+          <p:cNvSpPr/>
+          <p:nvPr/>
+        </p:nvSpPr>
+        <p:spPr>
+          <a:xfrm>
+            <a:off x="10958286" y="0"/>
+            <a:ext cx="682171" cy="566057"/>
+          </a:xfrm>
+          <a:prstGeom prst="rect">
+            <a:avLst/>
+          </a:prstGeom>
+          <a:solidFill>
+            <a:schemeClr val="accent5"/>
+          </a:solidFill>
+          <a:ln>
+            <a:noFill/>
+          </a:ln>
+        </p:spPr>
+        <p:style>
+          <a:lnRef idx="2">
+            <a:schemeClr val="accent1">
+              <a:shade val="50000"/>
+            </a:schemeClr>
+          </a:lnRef>
+          <a:fillRef idx="1">
+            <a:schemeClr val="accent1"/>
+          </a:fillRef>
+          <a:effectRef idx="0">
+            <a:schemeClr val="accent1"/>
+          </a:effectRef>
+          <a:fontRef idx="minor">
+            <a:schemeClr val="lt1"/>
+          </a:fontRef>
+        </p:style>
+        <p:txBody>
+          <a:bodyPr rtlCol="0" anchor="ctr"/>
+          <a:lstStyle/>
+          <a:p>
+            <a:pPr algn="ctr"/>
+            <a:endParaRPr lang="en-US"/>
+          </a:p>
+        </p:txBody>
+      </p:sp>
+      <p:sp>
+        <p:nvSpPr>
+          <p:cNvPr id="5" name="Rectangle 4">
+            <a:extLst>
+              <a:ext uri="{FF2B5EF4-FFF2-40B4-BE49-F238E27FC236}">
+                <a16:creationId xmlns:a16="http://schemas.microsoft.com/office/drawing/2014/main" id="{B8DB75E3-9527-4C20-AF6B-7FFAAEEA6CAB}"/>
+              </a:ext>
+            </a:extLst>
+          </p:cNvPr>
+          <p:cNvSpPr/>
+          <p:nvPr/>
+        </p:nvSpPr>
+        <p:spPr>
+          <a:xfrm>
+            <a:off x="551543" y="283028"/>
+            <a:ext cx="986971" cy="566057"/>
+          </a:xfrm>
+          <a:prstGeom prst="rect">
+            <a:avLst/>
+          </a:prstGeom>
+          <a:solidFill>
+            <a:schemeClr val="accent5"/>
+          </a:solidFill>
+          <a:ln>
+            <a:noFill/>
+          </a:ln>
+        </p:spPr>
+        <p:style>
+          <a:lnRef idx="2">
+            <a:schemeClr val="accent1">
+              <a:shade val="50000"/>
+            </a:schemeClr>
+          </a:lnRef>
+          <a:fillRef idx="1">
+            <a:schemeClr val="accent1"/>
+          </a:fillRef>
+          <a:effectRef idx="0">
+            <a:schemeClr val="accent1"/>
+          </a:effectRef>
+          <a:fontRef idx="minor">
+            <a:schemeClr val="lt1"/>
+          </a:fontRef>
+        </p:style>
+        <p:txBody>
+          <a:bodyPr rtlCol="0" anchor="ctr"/>
+          <a:lstStyle/>
+          <a:p>
+            <a:pPr algn="ctr"/>
+            <a:endParaRPr lang="en-US"/>
+          </a:p>
+        </p:txBody>
+      </p:sp>
+      <p:sp>
+        <p:nvSpPr>
+          <p:cNvPr id="6" name="TextBox 5">
+            <a:extLst>
+              <a:ext uri="{FF2B5EF4-FFF2-40B4-BE49-F238E27FC236}">
+                <a16:creationId xmlns:a16="http://schemas.microsoft.com/office/drawing/2014/main" id="{4509F9C3-B4EB-490B-BABC-AFA0183BD2BC}"/>
+              </a:ext>
+            </a:extLst>
+          </p:cNvPr>
+          <p:cNvSpPr txBox="1"/>
+          <p:nvPr/>
+        </p:nvSpPr>
+        <p:spPr>
+          <a:xfrm>
+            <a:off x="534833" y="1098974"/>
+            <a:ext cx="10771632" cy="369332"/>
+          </a:xfrm>
+          <a:prstGeom prst="rect">
+            <a:avLst/>
+          </a:prstGeom>
+          <a:noFill/>
+        </p:spPr>
+        <p:txBody>
+          <a:bodyPr wrap="square" lIns="0" tIns="0" rIns="0" bIns="0" rtlCol="0" anchor="t">
+            <a:spAutoFit/>
+          </a:bodyPr>
+          <a:lstStyle/>
+          <a:p>
+            <a:r>
+              <a:rPr lang="en-US" sz="2400" b="1" dirty="0">
+                <a:solidFill>
+                  <a:schemeClr val="tx1">
+                    <a:lumMod val="75000"/>
+                    <a:lumOff val="25000"/>
+                  </a:schemeClr>
+                </a:solidFill>
+                <a:latin typeface="+mj-lt"/>
+              </a:rPr>
+              <a:t>Team Member</a:t>
+            </a:r>
+            <a:endParaRPr lang="en-US" sz="2400" dirty="0">
+              <a:solidFill>
+                <a:schemeClr val="tx1">
+                  <a:lumMod val="75000"/>
+                  <a:lumOff val="25000"/>
+                </a:schemeClr>
+              </a:solidFill>
+              <a:latin typeface="+mj-lt"/>
+            </a:endParaRPr>
+          </a:p>
+        </p:txBody>
+      </p:sp>
+      <p:sp>
+        <p:nvSpPr>
+          <p:cNvPr id="2" name="Rectangle: Rounded Corners 1">
+            <a:extLst>
+              <a:ext uri="{FF2B5EF4-FFF2-40B4-BE49-F238E27FC236}">
+                <a16:creationId xmlns:a16="http://schemas.microsoft.com/office/drawing/2014/main" id="{F3D82DEB-598F-4D32-852C-C24C5B2356BC}"/>
+              </a:ext>
+            </a:extLst>
+          </p:cNvPr>
+          <p:cNvSpPr/>
+          <p:nvPr/>
+        </p:nvSpPr>
+        <p:spPr>
+          <a:xfrm>
+            <a:off x="534833" y="1592894"/>
+            <a:ext cx="2123861" cy="3981997"/>
+          </a:xfrm>
+          <a:prstGeom prst="roundRect">
+            <a:avLst>
+              <a:gd name="adj" fmla="val 6143"/>
+            </a:avLst>
+          </a:prstGeom>
+          <a:noFill/>
+          <a:ln>
+            <a:solidFill>
+              <a:schemeClr val="accent5"/>
+            </a:solidFill>
+          </a:ln>
+        </p:spPr>
+        <p:style>
+          <a:lnRef idx="2">
+            <a:schemeClr val="accent1">
+              <a:shade val="50000"/>
+            </a:schemeClr>
+          </a:lnRef>
+          <a:fillRef idx="1">
+            <a:schemeClr val="accent1"/>
+          </a:fillRef>
+          <a:effectRef idx="0">
+            <a:schemeClr val="accent1"/>
+          </a:effectRef>
+          <a:fontRef idx="minor">
+            <a:schemeClr val="lt1"/>
+          </a:fontRef>
+        </p:style>
+        <p:txBody>
+          <a:bodyPr rtlCol="0" anchor="ctr"/>
+          <a:lstStyle/>
+          <a:p>
+            <a:pPr algn="ctr"/>
+            <a:endParaRPr lang="en-US"/>
+          </a:p>
+        </p:txBody>
+      </p:sp>
+      <p:sp>
+        <p:nvSpPr>
+          <p:cNvPr id="75" name="Rectangle 74">
+            <a:extLst>
+              <a:ext uri="{FF2B5EF4-FFF2-40B4-BE49-F238E27FC236}">
+                <a16:creationId xmlns:a16="http://schemas.microsoft.com/office/drawing/2014/main" id="{42C952D6-5EB7-4E2F-BFAC-C6766D1D45C2}"/>
+              </a:ext>
+            </a:extLst>
+          </p:cNvPr>
+          <p:cNvSpPr/>
+          <p:nvPr/>
+        </p:nvSpPr>
+        <p:spPr>
+          <a:xfrm>
+            <a:off x="862204" y="1842784"/>
+            <a:ext cx="1469118" cy="243656"/>
+          </a:xfrm>
+          <a:prstGeom prst="rect">
+            <a:avLst/>
+          </a:prstGeom>
+        </p:spPr>
+        <p:txBody>
+          <a:bodyPr wrap="square" lIns="0" tIns="0" rIns="0" bIns="0" anchor="t">
+            <a:spAutoFit/>
+          </a:bodyPr>
+          <a:lstStyle/>
+          <a:p>
+            <a:pPr algn="ctr">
+              <a:lnSpc>
+                <a:spcPts val="1900"/>
+              </a:lnSpc>
+            </a:pPr>
+            <a:r>
+              <a:rPr lang="en-US" sz="1600" b="1" dirty="0" err="1">
+                <a:solidFill>
+                  <a:schemeClr val="tx1">
+                    <a:lumMod val="75000"/>
+                    <a:lumOff val="25000"/>
+                  </a:schemeClr>
+                </a:solidFill>
+                <a:latin typeface="+mj-lt"/>
+                <a:cs typeface="Arial" panose="020B0604020202020204" pitchFamily="34" charset="0"/>
+              </a:rPr>
+              <a:t>Huỳnh</a:t>
+            </a:r>
+            <a:r>
+              <a:rPr lang="en-US" sz="1600" b="1" dirty="0">
+                <a:solidFill>
+                  <a:schemeClr val="tx1">
+                    <a:lumMod val="75000"/>
+                    <a:lumOff val="25000"/>
+                  </a:schemeClr>
+                </a:solidFill>
+                <a:latin typeface="+mj-lt"/>
+                <a:cs typeface="Arial" panose="020B0604020202020204" pitchFamily="34" charset="0"/>
+              </a:rPr>
+              <a:t> </a:t>
+            </a:r>
+            <a:r>
+              <a:rPr lang="en-US" sz="1600" b="1" dirty="0" err="1">
+                <a:solidFill>
+                  <a:schemeClr val="tx1">
+                    <a:lumMod val="75000"/>
+                    <a:lumOff val="25000"/>
+                  </a:schemeClr>
+                </a:solidFill>
+                <a:latin typeface="+mj-lt"/>
+                <a:cs typeface="Arial" panose="020B0604020202020204" pitchFamily="34" charset="0"/>
+              </a:rPr>
+              <a:t>Tuấn</a:t>
+            </a:r>
+            <a:r>
+              <a:rPr lang="en-US" sz="1600" b="1" dirty="0">
+                <a:solidFill>
+                  <a:schemeClr val="tx1">
+                    <a:lumMod val="75000"/>
+                    <a:lumOff val="25000"/>
+                  </a:schemeClr>
+                </a:solidFill>
+                <a:latin typeface="+mj-lt"/>
+                <a:cs typeface="Arial" panose="020B0604020202020204" pitchFamily="34" charset="0"/>
+              </a:rPr>
+              <a:t> </a:t>
+            </a:r>
+            <a:r>
+              <a:rPr lang="en-US" sz="1600" b="1" dirty="0" err="1">
+                <a:solidFill>
+                  <a:schemeClr val="tx1">
+                    <a:lumMod val="75000"/>
+                    <a:lumOff val="25000"/>
+                  </a:schemeClr>
+                </a:solidFill>
+                <a:latin typeface="+mj-lt"/>
+                <a:cs typeface="Arial" panose="020B0604020202020204" pitchFamily="34" charset="0"/>
+              </a:rPr>
+              <a:t>Đạt</a:t>
+            </a:r>
+            <a:endParaRPr lang="en-US" sz="1600" b="1" dirty="0">
+              <a:solidFill>
+                <a:schemeClr val="tx1">
+                  <a:lumMod val="75000"/>
+                  <a:lumOff val="25000"/>
+                </a:schemeClr>
+              </a:solidFill>
+              <a:latin typeface="+mj-lt"/>
+              <a:cs typeface="Arial" panose="020B0604020202020204" pitchFamily="34" charset="0"/>
+            </a:endParaRPr>
+          </a:p>
+        </p:txBody>
+      </p:sp>
+      <p:sp>
+        <p:nvSpPr>
+          <p:cNvPr id="76" name="Rectangle 75">
+            <a:extLst>
+              <a:ext uri="{FF2B5EF4-FFF2-40B4-BE49-F238E27FC236}">
+                <a16:creationId xmlns:a16="http://schemas.microsoft.com/office/drawing/2014/main" id="{CA7F604E-4DF5-4BC8-8DE4-511E821559B9}"/>
+              </a:ext>
+            </a:extLst>
+          </p:cNvPr>
+          <p:cNvSpPr/>
+          <p:nvPr/>
+        </p:nvSpPr>
+        <p:spPr>
+          <a:xfrm>
+            <a:off x="2829668" y="1848262"/>
+            <a:ext cx="2029922" cy="243656"/>
+          </a:xfrm>
+          <a:prstGeom prst="rect">
+            <a:avLst/>
+          </a:prstGeom>
+        </p:spPr>
+        <p:txBody>
+          <a:bodyPr wrap="square" lIns="0" tIns="0" rIns="0" bIns="0" anchor="t">
+            <a:spAutoFit/>
+          </a:bodyPr>
+          <a:lstStyle/>
+          <a:p>
+            <a:pPr algn="ctr">
+              <a:lnSpc>
+                <a:spcPts val="1900"/>
+              </a:lnSpc>
+            </a:pPr>
+            <a:r>
+              <a:rPr lang="en-US" sz="1600" b="1" dirty="0" err="1">
+                <a:solidFill>
+                  <a:schemeClr val="tx1">
+                    <a:lumMod val="75000"/>
+                    <a:lumOff val="25000"/>
+                  </a:schemeClr>
+                </a:solidFill>
+                <a:latin typeface="+mj-lt"/>
+                <a:cs typeface="Arial" panose="020B0604020202020204" pitchFamily="34" charset="0"/>
+              </a:rPr>
+              <a:t>Trương</a:t>
+            </a:r>
+            <a:r>
+              <a:rPr lang="en-US" sz="1600" b="1" dirty="0">
+                <a:solidFill>
+                  <a:schemeClr val="tx1">
+                    <a:lumMod val="75000"/>
+                    <a:lumOff val="25000"/>
+                  </a:schemeClr>
+                </a:solidFill>
+                <a:latin typeface="+mj-lt"/>
+                <a:cs typeface="Arial" panose="020B0604020202020204" pitchFamily="34" charset="0"/>
+              </a:rPr>
+              <a:t> Quang </a:t>
+            </a:r>
+            <a:r>
+              <a:rPr lang="en-US" sz="1600" b="1" dirty="0" err="1">
+                <a:solidFill>
+                  <a:schemeClr val="tx1">
+                    <a:lumMod val="75000"/>
+                    <a:lumOff val="25000"/>
+                  </a:schemeClr>
+                </a:solidFill>
+                <a:latin typeface="+mj-lt"/>
+                <a:cs typeface="Arial" panose="020B0604020202020204" pitchFamily="34" charset="0"/>
+              </a:rPr>
+              <a:t>Vương</a:t>
+            </a:r>
+            <a:endParaRPr lang="en-US" sz="1600" b="1" dirty="0">
+              <a:solidFill>
+                <a:schemeClr val="tx1">
+                  <a:lumMod val="75000"/>
+                  <a:lumOff val="25000"/>
+                </a:schemeClr>
+              </a:solidFill>
+              <a:latin typeface="+mj-lt"/>
+              <a:cs typeface="Arial" panose="020B0604020202020204" pitchFamily="34" charset="0"/>
+            </a:endParaRPr>
+          </a:p>
+        </p:txBody>
+      </p:sp>
+      <p:sp>
+        <p:nvSpPr>
+          <p:cNvPr id="77" name="Rectangle 76">
+            <a:extLst>
+              <a:ext uri="{FF2B5EF4-FFF2-40B4-BE49-F238E27FC236}">
+                <a16:creationId xmlns:a16="http://schemas.microsoft.com/office/drawing/2014/main" id="{A449AD70-3F78-4FB8-8738-E46955E10BB2}"/>
+              </a:ext>
+            </a:extLst>
+          </p:cNvPr>
+          <p:cNvSpPr/>
+          <p:nvPr/>
+        </p:nvSpPr>
+        <p:spPr>
+          <a:xfrm>
+            <a:off x="5361441" y="1842784"/>
+            <a:ext cx="1469118" cy="243656"/>
+          </a:xfrm>
+          <a:prstGeom prst="rect">
+            <a:avLst/>
+          </a:prstGeom>
+        </p:spPr>
+        <p:txBody>
+          <a:bodyPr wrap="square" lIns="0" tIns="0" rIns="0" bIns="0" anchor="t">
+            <a:spAutoFit/>
+          </a:bodyPr>
+          <a:lstStyle/>
+          <a:p>
+            <a:pPr algn="ctr">
+              <a:lnSpc>
+                <a:spcPts val="1900"/>
+              </a:lnSpc>
+            </a:pPr>
+            <a:r>
+              <a:rPr lang="en-US" sz="1600" b="1" dirty="0" err="1">
+                <a:solidFill>
+                  <a:schemeClr val="tx1">
+                    <a:lumMod val="75000"/>
+                    <a:lumOff val="25000"/>
+                  </a:schemeClr>
+                </a:solidFill>
+                <a:latin typeface="+mj-lt"/>
+                <a:cs typeface="Arial" panose="020B0604020202020204" pitchFamily="34" charset="0"/>
+              </a:rPr>
+              <a:t>Phạm</a:t>
+            </a:r>
+            <a:r>
+              <a:rPr lang="en-US" sz="1600" b="1" dirty="0">
+                <a:solidFill>
+                  <a:schemeClr val="tx1">
+                    <a:lumMod val="75000"/>
+                    <a:lumOff val="25000"/>
+                  </a:schemeClr>
+                </a:solidFill>
+                <a:latin typeface="+mj-lt"/>
+                <a:cs typeface="Arial" panose="020B0604020202020204" pitchFamily="34" charset="0"/>
+              </a:rPr>
+              <a:t> </a:t>
+            </a:r>
+            <a:r>
+              <a:rPr lang="en-US" sz="1600" b="1" dirty="0" err="1">
+                <a:solidFill>
+                  <a:schemeClr val="tx1">
+                    <a:lumMod val="75000"/>
+                    <a:lumOff val="25000"/>
+                  </a:schemeClr>
+                </a:solidFill>
+                <a:latin typeface="+mj-lt"/>
+                <a:cs typeface="Arial" panose="020B0604020202020204" pitchFamily="34" charset="0"/>
+              </a:rPr>
+              <a:t>Quốc</a:t>
+            </a:r>
+            <a:r>
+              <a:rPr lang="en-US" sz="1600" b="1" dirty="0">
+                <a:solidFill>
+                  <a:schemeClr val="tx1">
+                    <a:lumMod val="75000"/>
+                    <a:lumOff val="25000"/>
+                  </a:schemeClr>
+                </a:solidFill>
+                <a:latin typeface="+mj-lt"/>
+                <a:cs typeface="Arial" panose="020B0604020202020204" pitchFamily="34" charset="0"/>
+              </a:rPr>
+              <a:t> </a:t>
+            </a:r>
+            <a:r>
+              <a:rPr lang="en-US" sz="1600" b="1" dirty="0" err="1">
+                <a:solidFill>
+                  <a:schemeClr val="tx1">
+                    <a:lumMod val="75000"/>
+                    <a:lumOff val="25000"/>
+                  </a:schemeClr>
+                </a:solidFill>
+                <a:latin typeface="+mj-lt"/>
+                <a:cs typeface="Arial" panose="020B0604020202020204" pitchFamily="34" charset="0"/>
+              </a:rPr>
+              <a:t>Nhân</a:t>
+            </a:r>
+            <a:endParaRPr lang="en-US" sz="1600" b="1" dirty="0">
+              <a:solidFill>
+                <a:schemeClr val="tx1">
+                  <a:lumMod val="75000"/>
+                  <a:lumOff val="25000"/>
+                </a:schemeClr>
+              </a:solidFill>
+              <a:latin typeface="+mj-lt"/>
+              <a:cs typeface="Arial" panose="020B0604020202020204" pitchFamily="34" charset="0"/>
+            </a:endParaRPr>
+          </a:p>
+        </p:txBody>
+      </p:sp>
+      <p:sp>
+        <p:nvSpPr>
+          <p:cNvPr id="78" name="Rectangle 77">
+            <a:extLst>
+              <a:ext uri="{FF2B5EF4-FFF2-40B4-BE49-F238E27FC236}">
+                <a16:creationId xmlns:a16="http://schemas.microsoft.com/office/drawing/2014/main" id="{71E2B545-C4D4-42B0-91E5-14925BC7B006}"/>
+              </a:ext>
+            </a:extLst>
+          </p:cNvPr>
+          <p:cNvSpPr/>
+          <p:nvPr/>
+        </p:nvSpPr>
+        <p:spPr>
+          <a:xfrm>
+            <a:off x="7468230" y="1842784"/>
+            <a:ext cx="1751272" cy="243656"/>
+          </a:xfrm>
+          <a:prstGeom prst="rect">
+            <a:avLst/>
+          </a:prstGeom>
+        </p:spPr>
+        <p:txBody>
+          <a:bodyPr wrap="square" lIns="0" tIns="0" rIns="0" bIns="0" anchor="t">
+            <a:spAutoFit/>
+          </a:bodyPr>
+          <a:lstStyle/>
+          <a:p>
+            <a:pPr algn="ctr">
+              <a:lnSpc>
+                <a:spcPts val="1900"/>
+              </a:lnSpc>
+            </a:pPr>
+            <a:r>
+              <a:rPr lang="en-US" sz="1600" b="1" dirty="0" err="1">
+                <a:solidFill>
+                  <a:schemeClr val="tx1">
+                    <a:lumMod val="75000"/>
+                    <a:lumOff val="25000"/>
+                  </a:schemeClr>
+                </a:solidFill>
+                <a:latin typeface="+mj-lt"/>
+                <a:cs typeface="Arial" panose="020B0604020202020204" pitchFamily="34" charset="0"/>
+              </a:rPr>
+              <a:t>Trịnh</a:t>
+            </a:r>
+            <a:r>
+              <a:rPr lang="en-US" sz="1600" b="1" dirty="0">
+                <a:solidFill>
+                  <a:schemeClr val="tx1">
+                    <a:lumMod val="75000"/>
+                    <a:lumOff val="25000"/>
+                  </a:schemeClr>
+                </a:solidFill>
+                <a:latin typeface="+mj-lt"/>
+                <a:cs typeface="Arial" panose="020B0604020202020204" pitchFamily="34" charset="0"/>
+              </a:rPr>
+              <a:t> </a:t>
+            </a:r>
+            <a:r>
+              <a:rPr lang="en-US" sz="1600" b="1" dirty="0" err="1">
+                <a:solidFill>
+                  <a:schemeClr val="tx1">
+                    <a:lumMod val="75000"/>
+                    <a:lumOff val="25000"/>
+                  </a:schemeClr>
+                </a:solidFill>
+                <a:latin typeface="+mj-lt"/>
+                <a:cs typeface="Arial" panose="020B0604020202020204" pitchFamily="34" charset="0"/>
+              </a:rPr>
+              <a:t>Như</a:t>
+            </a:r>
+            <a:r>
+              <a:rPr lang="en-US" sz="1600" b="1" dirty="0">
+                <a:solidFill>
+                  <a:schemeClr val="tx1">
+                    <a:lumMod val="75000"/>
+                    <a:lumOff val="25000"/>
+                  </a:schemeClr>
+                </a:solidFill>
+                <a:latin typeface="+mj-lt"/>
+                <a:cs typeface="Arial" panose="020B0604020202020204" pitchFamily="34" charset="0"/>
+              </a:rPr>
+              <a:t> </a:t>
+            </a:r>
+            <a:r>
+              <a:rPr lang="en-US" sz="1600" b="1" dirty="0" err="1">
+                <a:solidFill>
+                  <a:schemeClr val="tx1">
+                    <a:lumMod val="75000"/>
+                    <a:lumOff val="25000"/>
+                  </a:schemeClr>
+                </a:solidFill>
+                <a:latin typeface="+mj-lt"/>
+                <a:cs typeface="Arial" panose="020B0604020202020204" pitchFamily="34" charset="0"/>
+              </a:rPr>
+              <a:t>Phương</a:t>
+            </a:r>
+            <a:endParaRPr lang="en-US" sz="1600" b="1" dirty="0">
+              <a:solidFill>
+                <a:schemeClr val="tx1">
+                  <a:lumMod val="75000"/>
+                  <a:lumOff val="25000"/>
+                </a:schemeClr>
+              </a:solidFill>
+              <a:latin typeface="+mj-lt"/>
+              <a:cs typeface="Arial" panose="020B0604020202020204" pitchFamily="34" charset="0"/>
+            </a:endParaRPr>
+          </a:p>
+        </p:txBody>
+      </p:sp>
+      <p:sp>
+        <p:nvSpPr>
+          <p:cNvPr id="79" name="Rectangle 78">
+            <a:extLst>
+              <a:ext uri="{FF2B5EF4-FFF2-40B4-BE49-F238E27FC236}">
+                <a16:creationId xmlns:a16="http://schemas.microsoft.com/office/drawing/2014/main" id="{AB614164-FC69-4841-B415-76B5D629D767}"/>
+              </a:ext>
+            </a:extLst>
+          </p:cNvPr>
+          <p:cNvSpPr/>
+          <p:nvPr/>
+        </p:nvSpPr>
+        <p:spPr>
+          <a:xfrm>
+            <a:off x="9825524" y="1842784"/>
+            <a:ext cx="1539421" cy="243656"/>
+          </a:xfrm>
+          <a:prstGeom prst="rect">
+            <a:avLst/>
+          </a:prstGeom>
+        </p:spPr>
+        <p:txBody>
+          <a:bodyPr wrap="square" lIns="0" tIns="0" rIns="0" bIns="0" anchor="t">
+            <a:spAutoFit/>
+          </a:bodyPr>
+          <a:lstStyle/>
+          <a:p>
+            <a:pPr algn="ctr">
+              <a:lnSpc>
+                <a:spcPts val="1900"/>
+              </a:lnSpc>
+            </a:pPr>
+            <a:r>
+              <a:rPr lang="en-US" sz="1600" b="1" dirty="0" err="1">
+                <a:solidFill>
+                  <a:schemeClr val="tx1">
+                    <a:lumMod val="75000"/>
+                    <a:lumOff val="25000"/>
+                  </a:schemeClr>
+                </a:solidFill>
+                <a:latin typeface="+mj-lt"/>
+                <a:cs typeface="Arial" panose="020B0604020202020204" pitchFamily="34" charset="0"/>
+              </a:rPr>
+              <a:t>Nguyễn</a:t>
+            </a:r>
+            <a:r>
+              <a:rPr lang="en-US" sz="1600" b="1" dirty="0">
+                <a:solidFill>
+                  <a:schemeClr val="tx1">
+                    <a:lumMod val="75000"/>
+                    <a:lumOff val="25000"/>
+                  </a:schemeClr>
+                </a:solidFill>
+                <a:latin typeface="+mj-lt"/>
+                <a:cs typeface="Arial" panose="020B0604020202020204" pitchFamily="34" charset="0"/>
+              </a:rPr>
+              <a:t> Anh Minh</a:t>
+            </a:r>
+          </a:p>
+        </p:txBody>
+      </p:sp>
+      <p:sp>
+        <p:nvSpPr>
+          <p:cNvPr id="84" name="Rectangle 83">
+            <a:extLst>
+              <a:ext uri="{FF2B5EF4-FFF2-40B4-BE49-F238E27FC236}">
+                <a16:creationId xmlns:a16="http://schemas.microsoft.com/office/drawing/2014/main" id="{3CB397EC-8EB2-4C31-A555-C753ED648042}"/>
+              </a:ext>
+            </a:extLst>
+          </p:cNvPr>
+          <p:cNvSpPr/>
+          <p:nvPr/>
+        </p:nvSpPr>
+        <p:spPr>
+          <a:xfrm>
+            <a:off x="9790372" y="4228126"/>
+            <a:ext cx="1609724" cy="230063"/>
+          </a:xfrm>
+          <a:prstGeom prst="rect">
+            <a:avLst/>
+          </a:prstGeom>
+        </p:spPr>
+        <p:txBody>
+          <a:bodyPr wrap="square" lIns="0" tIns="0" rIns="0" bIns="0" anchor="t">
+            <a:spAutoFit/>
+          </a:bodyPr>
+          <a:lstStyle/>
+          <a:p>
+            <a:pPr algn="ctr">
+              <a:lnSpc>
+                <a:spcPts val="1900"/>
+              </a:lnSpc>
+            </a:pPr>
+            <a:r>
+              <a:rPr lang="en-US" sz="1400" b="1" dirty="0">
+                <a:solidFill>
+                  <a:schemeClr val="tx1">
+                    <a:lumMod val="75000"/>
+                    <a:lumOff val="25000"/>
+                  </a:schemeClr>
+                </a:solidFill>
+                <a:latin typeface="Arial" panose="020B0604020202020204" pitchFamily="34" charset="0"/>
+                <a:cs typeface="Arial" panose="020B0604020202020204" pitchFamily="34" charset="0"/>
+              </a:rPr>
+              <a:t>CODER</a:t>
+            </a:r>
+          </a:p>
+        </p:txBody>
+      </p:sp>
+      <p:pic>
+        <p:nvPicPr>
+          <p:cNvPr id="25" name="Picture Placeholder 24">
+            <a:extLst>
+              <a:ext uri="{FF2B5EF4-FFF2-40B4-BE49-F238E27FC236}">
+                <a16:creationId xmlns:a16="http://schemas.microsoft.com/office/drawing/2014/main" id="{2A4B4DE8-A0B3-AD45-AD99-9789258383D5}"/>
+              </a:ext>
+            </a:extLst>
+          </p:cNvPr>
+          <p:cNvPicPr>
+            <a:picLocks noGrp="1" noChangeAspect="1"/>
+          </p:cNvPicPr>
+          <p:nvPr>
+            <p:ph type="pic" sz="quarter" idx="21"/>
+          </p:nvPr>
+        </p:nvPicPr>
+        <p:blipFill>
+          <a:blip r:embed="rId3"/>
+          <a:srcRect l="5000" r="5000"/>
+          <a:stretch>
+            <a:fillRect/>
+          </a:stretch>
+        </p:blipFill>
+        <p:spPr>
+          <a:xfrm>
+            <a:off x="840630" y="2299734"/>
+            <a:ext cx="1512266" cy="1512266"/>
+          </a:xfrm>
+        </p:spPr>
+      </p:pic>
+      <p:pic>
+        <p:nvPicPr>
+          <p:cNvPr id="27" name="Picture Placeholder 26">
+            <a:extLst>
+              <a:ext uri="{FF2B5EF4-FFF2-40B4-BE49-F238E27FC236}">
+                <a16:creationId xmlns:a16="http://schemas.microsoft.com/office/drawing/2014/main" id="{2CF29F32-EBF8-E149-9542-4D308C7E8F7A}"/>
+              </a:ext>
+            </a:extLst>
+          </p:cNvPr>
+          <p:cNvPicPr>
+            <a:picLocks noGrp="1" noChangeAspect="1"/>
+          </p:cNvPicPr>
+          <p:nvPr>
+            <p:ph type="pic" sz="quarter" idx="22"/>
+          </p:nvPr>
+        </p:nvPicPr>
+        <p:blipFill>
+          <a:blip r:embed="rId4"/>
+          <a:srcRect l="5000" r="5000"/>
+          <a:stretch>
+            <a:fillRect/>
+          </a:stretch>
+        </p:blipFill>
+        <p:spPr>
+          <a:xfrm>
+            <a:off x="3088496" y="2299734"/>
+            <a:ext cx="1512266" cy="1512266"/>
+          </a:xfrm>
+        </p:spPr>
+      </p:pic>
+      <p:pic>
+        <p:nvPicPr>
+          <p:cNvPr id="29" name="Picture Placeholder 28">
+            <a:extLst>
+              <a:ext uri="{FF2B5EF4-FFF2-40B4-BE49-F238E27FC236}">
+                <a16:creationId xmlns:a16="http://schemas.microsoft.com/office/drawing/2014/main" id="{71036A66-9021-F347-8D85-DF70100AA38B}"/>
+              </a:ext>
+            </a:extLst>
+          </p:cNvPr>
+          <p:cNvPicPr>
+            <a:picLocks noGrp="1" noChangeAspect="1"/>
+          </p:cNvPicPr>
+          <p:nvPr>
+            <p:ph type="pic" sz="quarter" idx="23"/>
+          </p:nvPr>
+        </p:nvPicPr>
+        <p:blipFill>
+          <a:blip r:embed="rId5"/>
+          <a:srcRect l="5000" r="5000"/>
+          <a:stretch>
+            <a:fillRect/>
+          </a:stretch>
+        </p:blipFill>
+        <p:spPr>
+          <a:xfrm>
+            <a:off x="5338114" y="2299734"/>
+            <a:ext cx="1512266" cy="1512266"/>
+          </a:xfrm>
+        </p:spPr>
+      </p:pic>
+      <p:pic>
+        <p:nvPicPr>
+          <p:cNvPr id="32" name="Picture Placeholder 31">
+            <a:extLst>
+              <a:ext uri="{FF2B5EF4-FFF2-40B4-BE49-F238E27FC236}">
+                <a16:creationId xmlns:a16="http://schemas.microsoft.com/office/drawing/2014/main" id="{3E2C4F86-95A3-D149-ACA8-E69A92FB293D}"/>
+              </a:ext>
+            </a:extLst>
+          </p:cNvPr>
+          <p:cNvPicPr>
+            <a:picLocks noGrp="1" noChangeAspect="1"/>
+          </p:cNvPicPr>
+          <p:nvPr>
+            <p:ph type="pic" sz="quarter" idx="24"/>
+          </p:nvPr>
+        </p:nvPicPr>
+        <p:blipFill>
+          <a:blip r:embed="rId6"/>
+          <a:srcRect l="2747" r="2747"/>
+          <a:stretch>
+            <a:fillRect/>
+          </a:stretch>
+        </p:blipFill>
+        <p:spPr>
+          <a:xfrm>
+            <a:off x="7588250" y="2300288"/>
+            <a:ext cx="1511300" cy="1511300"/>
+          </a:xfrm>
+        </p:spPr>
+      </p:pic>
+      <p:pic>
+        <p:nvPicPr>
+          <p:cNvPr id="34" name="Picture Placeholder 33">
+            <a:extLst>
+              <a:ext uri="{FF2B5EF4-FFF2-40B4-BE49-F238E27FC236}">
+                <a16:creationId xmlns:a16="http://schemas.microsoft.com/office/drawing/2014/main" id="{F7157ACA-0B77-1C40-83F8-B7A9D160302F}"/>
+              </a:ext>
+            </a:extLst>
+          </p:cNvPr>
+          <p:cNvPicPr>
+            <a:picLocks noGrp="1" noChangeAspect="1"/>
+          </p:cNvPicPr>
+          <p:nvPr>
+            <p:ph type="pic" sz="quarter" idx="25"/>
+          </p:nvPr>
+        </p:nvPicPr>
+        <p:blipFill>
+          <a:blip r:embed="rId7"/>
+          <a:srcRect/>
+          <a:stretch>
+            <a:fillRect/>
+          </a:stretch>
+        </p:blipFill>
+        <p:spPr>
+          <a:xfrm>
+            <a:off x="9839102" y="2299734"/>
+            <a:ext cx="1512266" cy="1512266"/>
+          </a:xfrm>
+        </p:spPr>
+      </p:pic>
+      <p:sp>
+        <p:nvSpPr>
+          <p:cNvPr id="64" name="Slide Number Placeholder 3">
+            <a:extLst>
+              <a:ext uri="{FF2B5EF4-FFF2-40B4-BE49-F238E27FC236}">
+                <a16:creationId xmlns:a16="http://schemas.microsoft.com/office/drawing/2014/main" id="{BD68D116-5271-A24A-A24C-2E4C78DC5B5F}"/>
+              </a:ext>
+            </a:extLst>
+          </p:cNvPr>
+          <p:cNvSpPr txBox="1">
+            <a:spLocks/>
+          </p:cNvSpPr>
+          <p:nvPr/>
+        </p:nvSpPr>
+        <p:spPr>
+          <a:xfrm>
+            <a:off x="11198390" y="6405331"/>
+            <a:ext cx="452437" cy="365125"/>
+          </a:xfrm>
+          <a:prstGeom prst="rect">
+            <a:avLst/>
+          </a:prstGeom>
+        </p:spPr>
+        <p:txBody>
+          <a:bodyPr/>
+          <a:lstStyle>
+            <a:defPPr>
+              <a:defRPr lang="en-US"/>
+            </a:defPPr>
+            <a:lvl1pPr marL="0" algn="l" defTabSz="914400" rtl="0" eaLnBrk="1" latinLnBrk="0" hangingPunct="1">
+              <a:defRPr sz="1800" kern="1200">
+                <a:solidFill>
+                  <a:schemeClr val="tx1"/>
+                </a:solidFill>
+                <a:latin typeface="+mn-lt"/>
+                <a:ea typeface="+mn-ea"/>
+                <a:cs typeface="+mn-cs"/>
+              </a:defRPr>
+            </a:lvl1pPr>
+            <a:lvl2pPr marL="457200" algn="l" defTabSz="914400" rtl="0" eaLnBrk="1" latinLnBrk="0" hangingPunct="1">
+              <a:defRPr sz="1800" kern="1200">
+                <a:solidFill>
+                  <a:schemeClr val="tx1"/>
+                </a:solidFill>
+                <a:latin typeface="+mn-lt"/>
+                <a:ea typeface="+mn-ea"/>
+                <a:cs typeface="+mn-cs"/>
+              </a:defRPr>
+            </a:lvl2pPr>
+            <a:lvl3pPr marL="914400" algn="l" defTabSz="914400" rtl="0" eaLnBrk="1" latinLnBrk="0" hangingPunct="1">
+              <a:defRPr sz="1800" kern="1200">
+                <a:solidFill>
+                  <a:schemeClr val="tx1"/>
+                </a:solidFill>
+                <a:latin typeface="+mn-lt"/>
+                <a:ea typeface="+mn-ea"/>
+                <a:cs typeface="+mn-cs"/>
+              </a:defRPr>
+            </a:lvl3pPr>
+            <a:lvl4pPr marL="1371600" algn="l" defTabSz="914400" rtl="0" eaLnBrk="1" latinLnBrk="0" hangingPunct="1">
+              <a:defRPr sz="1800" kern="1200">
+                <a:solidFill>
+                  <a:schemeClr val="tx1"/>
+                </a:solidFill>
+                <a:latin typeface="+mn-lt"/>
+                <a:ea typeface="+mn-ea"/>
+                <a:cs typeface="+mn-cs"/>
+              </a:defRPr>
+            </a:lvl4pPr>
+            <a:lvl5pPr marL="1828800" algn="l" defTabSz="914400" rtl="0" eaLnBrk="1" latinLnBrk="0" hangingPunct="1">
+              <a:defRPr sz="1800" kern="1200">
+                <a:solidFill>
+                  <a:schemeClr val="tx1"/>
+                </a:solidFill>
+                <a:latin typeface="+mn-lt"/>
+                <a:ea typeface="+mn-ea"/>
+                <a:cs typeface="+mn-cs"/>
+              </a:defRPr>
+            </a:lvl5pPr>
+            <a:lvl6pPr marL="2286000" algn="l" defTabSz="914400" rtl="0" eaLnBrk="1" latinLnBrk="0" hangingPunct="1">
+              <a:defRPr sz="1800" kern="1200">
+                <a:solidFill>
+                  <a:schemeClr val="tx1"/>
+                </a:solidFill>
+                <a:latin typeface="+mn-lt"/>
+                <a:ea typeface="+mn-ea"/>
+                <a:cs typeface="+mn-cs"/>
+              </a:defRPr>
+            </a:lvl6pPr>
+            <a:lvl7pPr marL="2743200" algn="l" defTabSz="914400" rtl="0" eaLnBrk="1" latinLnBrk="0" hangingPunct="1">
+              <a:defRPr sz="1800" kern="1200">
+                <a:solidFill>
+                  <a:schemeClr val="tx1"/>
+                </a:solidFill>
+                <a:latin typeface="+mn-lt"/>
+                <a:ea typeface="+mn-ea"/>
+                <a:cs typeface="+mn-cs"/>
+              </a:defRPr>
+            </a:lvl7pPr>
+            <a:lvl8pPr marL="3200400" algn="l" defTabSz="914400" rtl="0" eaLnBrk="1" latinLnBrk="0" hangingPunct="1">
+              <a:defRPr sz="1800" kern="1200">
+                <a:solidFill>
+                  <a:schemeClr val="tx1"/>
+                </a:solidFill>
+                <a:latin typeface="+mn-lt"/>
+                <a:ea typeface="+mn-ea"/>
+                <a:cs typeface="+mn-cs"/>
+              </a:defRPr>
+            </a:lvl8pPr>
+            <a:lvl9pPr marL="3657600" algn="l" defTabSz="914400" rtl="0" eaLnBrk="1" latinLnBrk="0" hangingPunct="1">
+              <a:defRPr sz="1800" kern="1200">
+                <a:solidFill>
+                  <a:schemeClr val="tx1"/>
+                </a:solidFill>
+                <a:latin typeface="+mn-lt"/>
+                <a:ea typeface="+mn-ea"/>
+                <a:cs typeface="+mn-cs"/>
+              </a:defRPr>
+            </a:lvl9pPr>
+          </a:lstStyle>
+          <a:p>
+            <a:fld id="{301E5F09-0F4C-0243-9596-FED7D03FE3DA}" type="slidenum">
+              <a:rPr lang="en-US" smtClean="0"/>
+              <a:pPr/>
+              <a:t>3</a:t>
+            </a:fld>
+            <a:endParaRPr lang="en-US" dirty="0"/>
+          </a:p>
+        </p:txBody>
+      </p:sp>
+      <p:sp>
+        <p:nvSpPr>
+          <p:cNvPr id="71" name="Rectangle 70">
+            <a:extLst>
+              <a:ext uri="{FF2B5EF4-FFF2-40B4-BE49-F238E27FC236}">
+                <a16:creationId xmlns:a16="http://schemas.microsoft.com/office/drawing/2014/main" id="{7EB7C28D-99B8-A748-8134-01864F93B964}"/>
+              </a:ext>
+            </a:extLst>
+          </p:cNvPr>
+          <p:cNvSpPr/>
+          <p:nvPr/>
+        </p:nvSpPr>
+        <p:spPr>
+          <a:xfrm>
+            <a:off x="791901" y="4228125"/>
+            <a:ext cx="1609724" cy="230063"/>
+          </a:xfrm>
+          <a:prstGeom prst="rect">
+            <a:avLst/>
+          </a:prstGeom>
+        </p:spPr>
+        <p:txBody>
+          <a:bodyPr wrap="square" lIns="0" tIns="0" rIns="0" bIns="0" anchor="t">
+            <a:spAutoFit/>
+          </a:bodyPr>
+          <a:lstStyle/>
+          <a:p>
+            <a:pPr algn="ctr">
+              <a:lnSpc>
+                <a:spcPts val="1900"/>
+              </a:lnSpc>
+            </a:pPr>
+            <a:r>
+              <a:rPr lang="en-US" sz="1400" b="1" dirty="0">
+                <a:solidFill>
+                  <a:schemeClr val="tx1">
+                    <a:lumMod val="75000"/>
+                    <a:lumOff val="25000"/>
+                  </a:schemeClr>
+                </a:solidFill>
+                <a:latin typeface="Arial" panose="020B0604020202020204" pitchFamily="34" charset="0"/>
+                <a:cs typeface="Arial" panose="020B0604020202020204" pitchFamily="34" charset="0"/>
+              </a:rPr>
+              <a:t>CODER</a:t>
+            </a:r>
+          </a:p>
+        </p:txBody>
+      </p:sp>
+      <p:sp>
+        <p:nvSpPr>
+          <p:cNvPr id="72" name="Rectangle 71">
+            <a:extLst>
+              <a:ext uri="{FF2B5EF4-FFF2-40B4-BE49-F238E27FC236}">
+                <a16:creationId xmlns:a16="http://schemas.microsoft.com/office/drawing/2014/main" id="{1CE55B07-7BF6-8A4F-B980-9C9A2A7B3DC7}"/>
+              </a:ext>
+            </a:extLst>
+          </p:cNvPr>
+          <p:cNvSpPr/>
+          <p:nvPr/>
+        </p:nvSpPr>
+        <p:spPr>
+          <a:xfrm>
+            <a:off x="3039767" y="4235255"/>
+            <a:ext cx="1609724" cy="230063"/>
+          </a:xfrm>
+          <a:prstGeom prst="rect">
+            <a:avLst/>
+          </a:prstGeom>
+        </p:spPr>
+        <p:txBody>
+          <a:bodyPr wrap="square" lIns="0" tIns="0" rIns="0" bIns="0" anchor="t">
+            <a:spAutoFit/>
+          </a:bodyPr>
+          <a:lstStyle/>
+          <a:p>
+            <a:pPr algn="ctr">
+              <a:lnSpc>
+                <a:spcPts val="1900"/>
+              </a:lnSpc>
+            </a:pPr>
+            <a:r>
+              <a:rPr lang="en-US" sz="1400" b="1" dirty="0">
+                <a:solidFill>
+                  <a:schemeClr val="tx1">
+                    <a:lumMod val="75000"/>
+                    <a:lumOff val="25000"/>
+                  </a:schemeClr>
+                </a:solidFill>
+                <a:latin typeface="Arial" panose="020B0604020202020204" pitchFamily="34" charset="0"/>
+                <a:cs typeface="Arial" panose="020B0604020202020204" pitchFamily="34" charset="0"/>
+              </a:rPr>
+              <a:t>CODER</a:t>
+            </a:r>
+          </a:p>
+        </p:txBody>
+      </p:sp>
+      <p:sp>
+        <p:nvSpPr>
+          <p:cNvPr id="73" name="Rectangle 72">
+            <a:extLst>
+              <a:ext uri="{FF2B5EF4-FFF2-40B4-BE49-F238E27FC236}">
+                <a16:creationId xmlns:a16="http://schemas.microsoft.com/office/drawing/2014/main" id="{F063797A-4BC8-084D-9836-D91A3D7013F4}"/>
+              </a:ext>
+            </a:extLst>
+          </p:cNvPr>
+          <p:cNvSpPr/>
+          <p:nvPr/>
+        </p:nvSpPr>
+        <p:spPr>
+          <a:xfrm>
+            <a:off x="7552367" y="4235255"/>
+            <a:ext cx="1609724" cy="230063"/>
+          </a:xfrm>
+          <a:prstGeom prst="rect">
+            <a:avLst/>
+          </a:prstGeom>
+        </p:spPr>
+        <p:txBody>
+          <a:bodyPr wrap="square" lIns="0" tIns="0" rIns="0" bIns="0" anchor="t">
+            <a:spAutoFit/>
+          </a:bodyPr>
+          <a:lstStyle/>
+          <a:p>
+            <a:pPr algn="ctr">
+              <a:lnSpc>
+                <a:spcPts val="1900"/>
+              </a:lnSpc>
+            </a:pPr>
+            <a:r>
+              <a:rPr lang="en-US" sz="1400" b="1" dirty="0">
+                <a:solidFill>
+                  <a:schemeClr val="tx1">
+                    <a:lumMod val="75000"/>
+                    <a:lumOff val="25000"/>
+                  </a:schemeClr>
+                </a:solidFill>
+                <a:latin typeface="Arial" panose="020B0604020202020204" pitchFamily="34" charset="0"/>
+                <a:cs typeface="Arial" panose="020B0604020202020204" pitchFamily="34" charset="0"/>
+              </a:rPr>
+              <a:t>TESTER</a:t>
+            </a:r>
+          </a:p>
+        </p:txBody>
+      </p:sp>
+      <p:sp>
+        <p:nvSpPr>
+          <p:cNvPr id="74" name="Rectangle 73">
+            <a:extLst>
+              <a:ext uri="{FF2B5EF4-FFF2-40B4-BE49-F238E27FC236}">
+                <a16:creationId xmlns:a16="http://schemas.microsoft.com/office/drawing/2014/main" id="{FB1650DE-0046-B14C-9DCD-FB6180076C71}"/>
+              </a:ext>
+            </a:extLst>
+          </p:cNvPr>
+          <p:cNvSpPr/>
+          <p:nvPr/>
+        </p:nvSpPr>
+        <p:spPr>
+          <a:xfrm>
+            <a:off x="5291137" y="4228124"/>
+            <a:ext cx="1609724" cy="230063"/>
+          </a:xfrm>
+          <a:prstGeom prst="rect">
+            <a:avLst/>
+          </a:prstGeom>
+        </p:spPr>
+        <p:txBody>
+          <a:bodyPr wrap="square" lIns="0" tIns="0" rIns="0" bIns="0" anchor="t">
+            <a:spAutoFit/>
+          </a:bodyPr>
+          <a:lstStyle/>
+          <a:p>
+            <a:pPr algn="ctr">
+              <a:lnSpc>
+                <a:spcPts val="1900"/>
+              </a:lnSpc>
+            </a:pPr>
+            <a:r>
+              <a:rPr lang="en-US" sz="1400" b="1" dirty="0">
+                <a:solidFill>
+                  <a:schemeClr val="tx1">
+                    <a:lumMod val="75000"/>
+                    <a:lumOff val="25000"/>
+                  </a:schemeClr>
+                </a:solidFill>
+                <a:latin typeface="Arial" panose="020B0604020202020204" pitchFamily="34" charset="0"/>
+                <a:cs typeface="Arial" panose="020B0604020202020204" pitchFamily="34" charset="0"/>
+              </a:rPr>
+              <a:t>DESIGNER</a:t>
+            </a:r>
+          </a:p>
+        </p:txBody>
+      </p:sp>
+      <p:sp>
+        <p:nvSpPr>
+          <p:cNvPr id="26" name="TextBox 9">
+            <a:extLst>
+              <a:ext uri="{FF2B5EF4-FFF2-40B4-BE49-F238E27FC236}">
+                <a16:creationId xmlns:a16="http://schemas.microsoft.com/office/drawing/2014/main" id="{FDB45A10-79C1-0342-B2BA-D910DFF1E427}"/>
+              </a:ext>
+            </a:extLst>
+          </p:cNvPr>
+          <p:cNvSpPr txBox="1"/>
+          <p:nvPr/>
+        </p:nvSpPr>
+        <p:spPr>
+          <a:xfrm>
+            <a:off x="1045028" y="233389"/>
+            <a:ext cx="6614308" cy="707886"/>
+          </a:xfrm>
+          <a:prstGeom prst="rect">
+            <a:avLst/>
+          </a:prstGeom>
+          <a:noFill/>
+        </p:spPr>
+        <p:txBody>
+          <a:bodyPr wrap="square" rtlCol="0" anchor="ctr">
+            <a:spAutoFit/>
+          </a:bodyPr>
+          <a:lstStyle/>
+          <a:p>
+            <a:r>
+              <a:rPr lang="en-US" altLang="ko-KR" sz="4000" b="1" dirty="0">
+                <a:latin typeface="+mj-lt"/>
+                <a:cs typeface="Arial" pitchFamily="34" charset="0"/>
+              </a:rPr>
+              <a:t>1. TEAM INTRODUCTION</a:t>
+            </a:r>
+            <a:endParaRPr lang="ko-KR" altLang="en-US" sz="4000" b="1" dirty="0">
+              <a:latin typeface="+mj-lt"/>
+              <a:cs typeface="Arial" pitchFamily="34" charset="0"/>
+            </a:endParaRPr>
+          </a:p>
+        </p:txBody>
+      </p:sp>
+    </p:spTree>
+    <p:extLst>
+      <p:ext uri="{BB962C8B-B14F-4D97-AF65-F5344CB8AC3E}">
+        <p14:creationId xmlns:p14="http://schemas.microsoft.com/office/powerpoint/2010/main" val="3907333373"/>
+      </p:ext>
+    </p:extLst>
+  </p:cSld>
+  <p:clrMapOvr>
+    <a:masterClrMapping/>
+  </p:clrMapOvr>
+  <mc:AlternateContent xmlns:mc="http://schemas.openxmlformats.org/markup-compatibility/2006" xmlns:p14="http://schemas.microsoft.com/office/powerpoint/2010/main">
+    <mc:Choice Requires="p14">
+      <p:transition spd="med" p14:dur="700">
+        <p:fade/>
+      </p:transition>
+    </mc:Choice>
+    <mc:Fallback xmlns="">
+      <p:transition spd="med">
+        <p:fade/>
+      </p:transition>
+    </mc:Fallback>
+  </mc:AlternateContent>
+</p:sld>
+</file>
+
+<file path=ppt/slides/slide4.xml><?xml version="1.0" encoding="utf-8"?>
+<p:sld xmlns:a="http://schemas.openxmlformats.org/drawingml/2006/main" xmlns:r="http://schemas.openxmlformats.org/officeDocument/2006/relationships" xmlns:p="http://schemas.openxmlformats.org/presentationml/2006/main">
+  <p:cSld>
+    <p:spTree>
+      <p:nvGrpSpPr>
+        <p:cNvPr id="1" name=""/>
+        <p:cNvGrpSpPr/>
+        <p:nvPr/>
+      </p:nvGrpSpPr>
+      <p:grpSpPr>
+        <a:xfrm>
+          <a:off x="0" y="0"/>
+          <a:ext cx="0" cy="0"/>
+          <a:chOff x="0" y="0"/>
+          <a:chExt cx="0" cy="0"/>
+        </a:xfrm>
+      </p:grpSpPr>
+      <p:sp>
+        <p:nvSpPr>
           <p:cNvPr id="5" name="Rectangle 4">
             <a:extLst>
               <a:ext uri="{FF2B5EF4-FFF2-40B4-BE49-F238E27FC236}">
@@ -23425,1475 +28334,6 @@
     <p:extLst>
       <p:ext uri="{BB962C8B-B14F-4D97-AF65-F5344CB8AC3E}">
         <p14:creationId xmlns:p14="http://schemas.microsoft.com/office/powerpoint/2010/main" val="1102748810"/>
-      </p:ext>
-    </p:extLst>
-  </p:cSld>
-  <p:clrMapOvr>
-    <a:masterClrMapping/>
-  </p:clrMapOvr>
-  <mc:AlternateContent xmlns:mc="http://schemas.openxmlformats.org/markup-compatibility/2006" xmlns:p14="http://schemas.microsoft.com/office/powerpoint/2010/main">
-    <mc:Choice Requires="p14">
-      <p:transition spd="med" p14:dur="700">
-        <p:fade/>
-      </p:transition>
-    </mc:Choice>
-    <mc:Fallback xmlns="">
-      <p:transition spd="med">
-        <p:fade/>
-      </p:transition>
-    </mc:Fallback>
-  </mc:AlternateContent>
-</p:sld>
-</file>
-
-<file path=ppt/slides/slide4.xml><?xml version="1.0" encoding="utf-8"?>
-<p:sld xmlns:a="http://schemas.openxmlformats.org/drawingml/2006/main" xmlns:r="http://schemas.openxmlformats.org/officeDocument/2006/relationships" xmlns:p="http://schemas.openxmlformats.org/presentationml/2006/main">
-  <p:cSld>
-    <p:spTree>
-      <p:nvGrpSpPr>
-        <p:cNvPr id="1" name=""/>
-        <p:cNvGrpSpPr/>
-        <p:nvPr/>
-      </p:nvGrpSpPr>
-      <p:grpSpPr>
-        <a:xfrm>
-          <a:off x="0" y="0"/>
-          <a:ext cx="0" cy="0"/>
-          <a:chOff x="0" y="0"/>
-          <a:chExt cx="0" cy="0"/>
-        </a:xfrm>
-      </p:grpSpPr>
-      <p:sp>
-        <p:nvSpPr>
-          <p:cNvPr id="105" name="Rectangle: Rounded Corners 104">
-            <a:extLst>
-              <a:ext uri="{FF2B5EF4-FFF2-40B4-BE49-F238E27FC236}">
-                <a16:creationId xmlns:a16="http://schemas.microsoft.com/office/drawing/2014/main" id="{80704783-8D34-4B76-992C-C1D597A0BEBC}"/>
-              </a:ext>
-            </a:extLst>
-          </p:cNvPr>
-          <p:cNvSpPr/>
-          <p:nvPr/>
-        </p:nvSpPr>
-        <p:spPr>
-          <a:xfrm>
-            <a:off x="7283689" y="1592895"/>
-            <a:ext cx="2123861" cy="3981996"/>
-          </a:xfrm>
-          <a:prstGeom prst="roundRect">
-            <a:avLst>
-              <a:gd name="adj" fmla="val 6143"/>
-            </a:avLst>
-          </a:prstGeom>
-          <a:noFill/>
-          <a:ln>
-            <a:solidFill>
-              <a:schemeClr val="tx1">
-                <a:lumMod val="75000"/>
-                <a:lumOff val="25000"/>
-              </a:schemeClr>
-            </a:solidFill>
-          </a:ln>
-        </p:spPr>
-        <p:style>
-          <a:lnRef idx="2">
-            <a:schemeClr val="accent1">
-              <a:shade val="50000"/>
-            </a:schemeClr>
-          </a:lnRef>
-          <a:fillRef idx="1">
-            <a:schemeClr val="accent1"/>
-          </a:fillRef>
-          <a:effectRef idx="0">
-            <a:schemeClr val="accent1"/>
-          </a:effectRef>
-          <a:fontRef idx="minor">
-            <a:schemeClr val="lt1"/>
-          </a:fontRef>
-        </p:style>
-        <p:txBody>
-          <a:bodyPr rtlCol="0" anchor="ctr"/>
-          <a:lstStyle/>
-          <a:p>
-            <a:pPr algn="ctr"/>
-            <a:endParaRPr lang="en-US"/>
-          </a:p>
-        </p:txBody>
-      </p:sp>
-      <p:sp>
-        <p:nvSpPr>
-          <p:cNvPr id="106" name="Rectangle: Rounded Corners 105">
-            <a:extLst>
-              <a:ext uri="{FF2B5EF4-FFF2-40B4-BE49-F238E27FC236}">
-                <a16:creationId xmlns:a16="http://schemas.microsoft.com/office/drawing/2014/main" id="{D43C0384-4898-46D7-99CA-E8B5DF7D3EE9}"/>
-              </a:ext>
-            </a:extLst>
-          </p:cNvPr>
-          <p:cNvSpPr/>
-          <p:nvPr/>
-        </p:nvSpPr>
-        <p:spPr>
-          <a:xfrm>
-            <a:off x="2784452" y="1592895"/>
-            <a:ext cx="2123861" cy="3981996"/>
-          </a:xfrm>
-          <a:prstGeom prst="roundRect">
-            <a:avLst>
-              <a:gd name="adj" fmla="val 6143"/>
-            </a:avLst>
-          </a:prstGeom>
-          <a:noFill/>
-          <a:ln>
-            <a:solidFill>
-              <a:schemeClr val="tx1">
-                <a:lumMod val="75000"/>
-                <a:lumOff val="25000"/>
-              </a:schemeClr>
-            </a:solidFill>
-          </a:ln>
-        </p:spPr>
-        <p:style>
-          <a:lnRef idx="2">
-            <a:schemeClr val="accent1">
-              <a:shade val="50000"/>
-            </a:schemeClr>
-          </a:lnRef>
-          <a:fillRef idx="1">
-            <a:schemeClr val="accent1"/>
-          </a:fillRef>
-          <a:effectRef idx="0">
-            <a:schemeClr val="accent1"/>
-          </a:effectRef>
-          <a:fontRef idx="minor">
-            <a:schemeClr val="lt1"/>
-          </a:fontRef>
-        </p:style>
-        <p:txBody>
-          <a:bodyPr rtlCol="0" anchor="ctr"/>
-          <a:lstStyle/>
-          <a:p>
-            <a:pPr algn="ctr"/>
-            <a:endParaRPr lang="en-US"/>
-          </a:p>
-        </p:txBody>
-      </p:sp>
-      <p:sp>
-        <p:nvSpPr>
-          <p:cNvPr id="104" name="Rectangle: Rounded Corners 103">
-            <a:extLst>
-              <a:ext uri="{FF2B5EF4-FFF2-40B4-BE49-F238E27FC236}">
-                <a16:creationId xmlns:a16="http://schemas.microsoft.com/office/drawing/2014/main" id="{830976E2-CD3D-4EE3-AAC1-D9E2B9A434B9}"/>
-              </a:ext>
-            </a:extLst>
-          </p:cNvPr>
-          <p:cNvSpPr/>
-          <p:nvPr/>
-        </p:nvSpPr>
-        <p:spPr>
-          <a:xfrm>
-            <a:off x="9533305" y="1592895"/>
-            <a:ext cx="2123861" cy="3981996"/>
-          </a:xfrm>
-          <a:prstGeom prst="roundRect">
-            <a:avLst>
-              <a:gd name="adj" fmla="val 6143"/>
-            </a:avLst>
-          </a:prstGeom>
-          <a:noFill/>
-          <a:ln>
-            <a:solidFill>
-              <a:schemeClr val="accent5"/>
-            </a:solidFill>
-          </a:ln>
-        </p:spPr>
-        <p:style>
-          <a:lnRef idx="2">
-            <a:schemeClr val="accent1">
-              <a:shade val="50000"/>
-            </a:schemeClr>
-          </a:lnRef>
-          <a:fillRef idx="1">
-            <a:schemeClr val="accent1"/>
-          </a:fillRef>
-          <a:effectRef idx="0">
-            <a:schemeClr val="accent1"/>
-          </a:effectRef>
-          <a:fontRef idx="minor">
-            <a:schemeClr val="lt1"/>
-          </a:fontRef>
-        </p:style>
-        <p:txBody>
-          <a:bodyPr rtlCol="0" anchor="ctr"/>
-          <a:lstStyle/>
-          <a:p>
-            <a:pPr algn="ctr"/>
-            <a:endParaRPr lang="en-US"/>
-          </a:p>
-        </p:txBody>
-      </p:sp>
-      <p:sp>
-        <p:nvSpPr>
-          <p:cNvPr id="103" name="Rectangle: Rounded Corners 102">
-            <a:extLst>
-              <a:ext uri="{FF2B5EF4-FFF2-40B4-BE49-F238E27FC236}">
-                <a16:creationId xmlns:a16="http://schemas.microsoft.com/office/drawing/2014/main" id="{06677D79-ECB4-464D-A2A2-5A845483F93D}"/>
-              </a:ext>
-            </a:extLst>
-          </p:cNvPr>
-          <p:cNvSpPr/>
-          <p:nvPr/>
-        </p:nvSpPr>
-        <p:spPr>
-          <a:xfrm>
-            <a:off x="5034070" y="1592895"/>
-            <a:ext cx="2123861" cy="3981996"/>
-          </a:xfrm>
-          <a:prstGeom prst="roundRect">
-            <a:avLst>
-              <a:gd name="adj" fmla="val 6143"/>
-            </a:avLst>
-          </a:prstGeom>
-          <a:noFill/>
-          <a:ln>
-            <a:solidFill>
-              <a:schemeClr val="accent5"/>
-            </a:solidFill>
-          </a:ln>
-        </p:spPr>
-        <p:style>
-          <a:lnRef idx="2">
-            <a:schemeClr val="accent1">
-              <a:shade val="50000"/>
-            </a:schemeClr>
-          </a:lnRef>
-          <a:fillRef idx="1">
-            <a:schemeClr val="accent1"/>
-          </a:fillRef>
-          <a:effectRef idx="0">
-            <a:schemeClr val="accent1"/>
-          </a:effectRef>
-          <a:fontRef idx="minor">
-            <a:schemeClr val="lt1"/>
-          </a:fontRef>
-        </p:style>
-        <p:txBody>
-          <a:bodyPr rtlCol="0" anchor="ctr"/>
-          <a:lstStyle/>
-          <a:p>
-            <a:pPr algn="ctr"/>
-            <a:endParaRPr lang="en-US"/>
-          </a:p>
-        </p:txBody>
-      </p:sp>
-      <p:sp>
-        <p:nvSpPr>
-          <p:cNvPr id="4" name="Rectangle 3">
-            <a:extLst>
-              <a:ext uri="{FF2B5EF4-FFF2-40B4-BE49-F238E27FC236}">
-                <a16:creationId xmlns:a16="http://schemas.microsoft.com/office/drawing/2014/main" id="{DB30EF39-DF10-4CF3-89DC-8F1A1A02F3D6}"/>
-              </a:ext>
-            </a:extLst>
-          </p:cNvPr>
-          <p:cNvSpPr/>
-          <p:nvPr/>
-        </p:nvSpPr>
-        <p:spPr>
-          <a:xfrm>
-            <a:off x="10958286" y="0"/>
-            <a:ext cx="682171" cy="566057"/>
-          </a:xfrm>
-          <a:prstGeom prst="rect">
-            <a:avLst/>
-          </a:prstGeom>
-          <a:solidFill>
-            <a:schemeClr val="accent5"/>
-          </a:solidFill>
-          <a:ln>
-            <a:noFill/>
-          </a:ln>
-        </p:spPr>
-        <p:style>
-          <a:lnRef idx="2">
-            <a:schemeClr val="accent1">
-              <a:shade val="50000"/>
-            </a:schemeClr>
-          </a:lnRef>
-          <a:fillRef idx="1">
-            <a:schemeClr val="accent1"/>
-          </a:fillRef>
-          <a:effectRef idx="0">
-            <a:schemeClr val="accent1"/>
-          </a:effectRef>
-          <a:fontRef idx="minor">
-            <a:schemeClr val="lt1"/>
-          </a:fontRef>
-        </p:style>
-        <p:txBody>
-          <a:bodyPr rtlCol="0" anchor="ctr"/>
-          <a:lstStyle/>
-          <a:p>
-            <a:pPr algn="ctr"/>
-            <a:endParaRPr lang="en-US"/>
-          </a:p>
-        </p:txBody>
-      </p:sp>
-      <p:sp>
-        <p:nvSpPr>
-          <p:cNvPr id="5" name="Rectangle 4">
-            <a:extLst>
-              <a:ext uri="{FF2B5EF4-FFF2-40B4-BE49-F238E27FC236}">
-                <a16:creationId xmlns:a16="http://schemas.microsoft.com/office/drawing/2014/main" id="{B8DB75E3-9527-4C20-AF6B-7FFAAEEA6CAB}"/>
-              </a:ext>
-            </a:extLst>
-          </p:cNvPr>
-          <p:cNvSpPr/>
-          <p:nvPr/>
-        </p:nvSpPr>
-        <p:spPr>
-          <a:xfrm>
-            <a:off x="551543" y="283028"/>
-            <a:ext cx="986971" cy="566057"/>
-          </a:xfrm>
-          <a:prstGeom prst="rect">
-            <a:avLst/>
-          </a:prstGeom>
-          <a:solidFill>
-            <a:schemeClr val="accent5"/>
-          </a:solidFill>
-          <a:ln>
-            <a:noFill/>
-          </a:ln>
-        </p:spPr>
-        <p:style>
-          <a:lnRef idx="2">
-            <a:schemeClr val="accent1">
-              <a:shade val="50000"/>
-            </a:schemeClr>
-          </a:lnRef>
-          <a:fillRef idx="1">
-            <a:schemeClr val="accent1"/>
-          </a:fillRef>
-          <a:effectRef idx="0">
-            <a:schemeClr val="accent1"/>
-          </a:effectRef>
-          <a:fontRef idx="minor">
-            <a:schemeClr val="lt1"/>
-          </a:fontRef>
-        </p:style>
-        <p:txBody>
-          <a:bodyPr rtlCol="0" anchor="ctr"/>
-          <a:lstStyle/>
-          <a:p>
-            <a:pPr algn="ctr"/>
-            <a:endParaRPr lang="en-US"/>
-          </a:p>
-        </p:txBody>
-      </p:sp>
-      <p:sp>
-        <p:nvSpPr>
-          <p:cNvPr id="6" name="TextBox 5">
-            <a:extLst>
-              <a:ext uri="{FF2B5EF4-FFF2-40B4-BE49-F238E27FC236}">
-                <a16:creationId xmlns:a16="http://schemas.microsoft.com/office/drawing/2014/main" id="{4509F9C3-B4EB-490B-BABC-AFA0183BD2BC}"/>
-              </a:ext>
-            </a:extLst>
-          </p:cNvPr>
-          <p:cNvSpPr txBox="1"/>
-          <p:nvPr/>
-        </p:nvSpPr>
-        <p:spPr>
-          <a:xfrm>
-            <a:off x="710184" y="384628"/>
-            <a:ext cx="10771632" cy="677108"/>
-          </a:xfrm>
-          <a:prstGeom prst="rect">
-            <a:avLst/>
-          </a:prstGeom>
-          <a:noFill/>
-        </p:spPr>
-        <p:txBody>
-          <a:bodyPr wrap="square" lIns="0" tIns="0" rIns="0" bIns="0" rtlCol="0" anchor="t">
-            <a:spAutoFit/>
-          </a:bodyPr>
-          <a:lstStyle/>
-          <a:p>
-            <a:r>
-              <a:rPr lang="en-US" sz="4400" b="1" dirty="0">
-                <a:solidFill>
-                  <a:schemeClr val="tx1">
-                    <a:lumMod val="75000"/>
-                    <a:lumOff val="25000"/>
-                  </a:schemeClr>
-                </a:solidFill>
-                <a:latin typeface="+mj-lt"/>
-              </a:rPr>
-              <a:t>TEAM MEMBER</a:t>
-            </a:r>
-            <a:endParaRPr lang="en-US" sz="4400" dirty="0">
-              <a:solidFill>
-                <a:schemeClr val="tx1">
-                  <a:lumMod val="75000"/>
-                  <a:lumOff val="25000"/>
-                </a:schemeClr>
-              </a:solidFill>
-              <a:latin typeface="+mj-lt"/>
-            </a:endParaRPr>
-          </a:p>
-        </p:txBody>
-      </p:sp>
-      <p:sp>
-        <p:nvSpPr>
-          <p:cNvPr id="2" name="Rectangle: Rounded Corners 1">
-            <a:extLst>
-              <a:ext uri="{FF2B5EF4-FFF2-40B4-BE49-F238E27FC236}">
-                <a16:creationId xmlns:a16="http://schemas.microsoft.com/office/drawing/2014/main" id="{F3D82DEB-598F-4D32-852C-C24C5B2356BC}"/>
-              </a:ext>
-            </a:extLst>
-          </p:cNvPr>
-          <p:cNvSpPr/>
-          <p:nvPr/>
-        </p:nvSpPr>
-        <p:spPr>
-          <a:xfrm>
-            <a:off x="534833" y="1592894"/>
-            <a:ext cx="2123861" cy="3981997"/>
-          </a:xfrm>
-          <a:prstGeom prst="roundRect">
-            <a:avLst>
-              <a:gd name="adj" fmla="val 6143"/>
-            </a:avLst>
-          </a:prstGeom>
-          <a:noFill/>
-          <a:ln>
-            <a:solidFill>
-              <a:schemeClr val="accent5"/>
-            </a:solidFill>
-          </a:ln>
-        </p:spPr>
-        <p:style>
-          <a:lnRef idx="2">
-            <a:schemeClr val="accent1">
-              <a:shade val="50000"/>
-            </a:schemeClr>
-          </a:lnRef>
-          <a:fillRef idx="1">
-            <a:schemeClr val="accent1"/>
-          </a:fillRef>
-          <a:effectRef idx="0">
-            <a:schemeClr val="accent1"/>
-          </a:effectRef>
-          <a:fontRef idx="minor">
-            <a:schemeClr val="lt1"/>
-          </a:fontRef>
-        </p:style>
-        <p:txBody>
-          <a:bodyPr rtlCol="0" anchor="ctr"/>
-          <a:lstStyle/>
-          <a:p>
-            <a:pPr algn="ctr"/>
-            <a:endParaRPr lang="en-US"/>
-          </a:p>
-        </p:txBody>
-      </p:sp>
-      <p:sp>
-        <p:nvSpPr>
-          <p:cNvPr id="75" name="Rectangle 74">
-            <a:extLst>
-              <a:ext uri="{FF2B5EF4-FFF2-40B4-BE49-F238E27FC236}">
-                <a16:creationId xmlns:a16="http://schemas.microsoft.com/office/drawing/2014/main" id="{42C952D6-5EB7-4E2F-BFAC-C6766D1D45C2}"/>
-              </a:ext>
-            </a:extLst>
-          </p:cNvPr>
-          <p:cNvSpPr/>
-          <p:nvPr/>
-        </p:nvSpPr>
-        <p:spPr>
-          <a:xfrm>
-            <a:off x="862204" y="1842784"/>
-            <a:ext cx="1469118" cy="243656"/>
-          </a:xfrm>
-          <a:prstGeom prst="rect">
-            <a:avLst/>
-          </a:prstGeom>
-        </p:spPr>
-        <p:txBody>
-          <a:bodyPr wrap="square" lIns="0" tIns="0" rIns="0" bIns="0" anchor="t">
-            <a:spAutoFit/>
-          </a:bodyPr>
-          <a:lstStyle/>
-          <a:p>
-            <a:pPr algn="ctr">
-              <a:lnSpc>
-                <a:spcPts val="1900"/>
-              </a:lnSpc>
-            </a:pPr>
-            <a:r>
-              <a:rPr lang="en-US" sz="1600" b="1" dirty="0" err="1">
-                <a:solidFill>
-                  <a:schemeClr val="tx1">
-                    <a:lumMod val="75000"/>
-                    <a:lumOff val="25000"/>
-                  </a:schemeClr>
-                </a:solidFill>
-                <a:latin typeface="+mj-lt"/>
-                <a:cs typeface="Arial" panose="020B0604020202020204" pitchFamily="34" charset="0"/>
-              </a:rPr>
-              <a:t>Huỳnh</a:t>
-            </a:r>
-            <a:r>
-              <a:rPr lang="en-US" sz="1600" b="1" dirty="0">
-                <a:solidFill>
-                  <a:schemeClr val="tx1">
-                    <a:lumMod val="75000"/>
-                    <a:lumOff val="25000"/>
-                  </a:schemeClr>
-                </a:solidFill>
-                <a:latin typeface="+mj-lt"/>
-                <a:cs typeface="Arial" panose="020B0604020202020204" pitchFamily="34" charset="0"/>
-              </a:rPr>
-              <a:t> </a:t>
-            </a:r>
-            <a:r>
-              <a:rPr lang="en-US" sz="1600" b="1" dirty="0" err="1">
-                <a:solidFill>
-                  <a:schemeClr val="tx1">
-                    <a:lumMod val="75000"/>
-                    <a:lumOff val="25000"/>
-                  </a:schemeClr>
-                </a:solidFill>
-                <a:latin typeface="+mj-lt"/>
-                <a:cs typeface="Arial" panose="020B0604020202020204" pitchFamily="34" charset="0"/>
-              </a:rPr>
-              <a:t>Tuấn</a:t>
-            </a:r>
-            <a:r>
-              <a:rPr lang="en-US" sz="1600" b="1" dirty="0">
-                <a:solidFill>
-                  <a:schemeClr val="tx1">
-                    <a:lumMod val="75000"/>
-                    <a:lumOff val="25000"/>
-                  </a:schemeClr>
-                </a:solidFill>
-                <a:latin typeface="+mj-lt"/>
-                <a:cs typeface="Arial" panose="020B0604020202020204" pitchFamily="34" charset="0"/>
-              </a:rPr>
-              <a:t> </a:t>
-            </a:r>
-            <a:r>
-              <a:rPr lang="en-US" sz="1600" b="1" dirty="0" err="1">
-                <a:solidFill>
-                  <a:schemeClr val="tx1">
-                    <a:lumMod val="75000"/>
-                    <a:lumOff val="25000"/>
-                  </a:schemeClr>
-                </a:solidFill>
-                <a:latin typeface="+mj-lt"/>
-                <a:cs typeface="Arial" panose="020B0604020202020204" pitchFamily="34" charset="0"/>
-              </a:rPr>
-              <a:t>Đạt</a:t>
-            </a:r>
-            <a:endParaRPr lang="en-US" sz="1600" b="1" dirty="0">
-              <a:solidFill>
-                <a:schemeClr val="tx1">
-                  <a:lumMod val="75000"/>
-                  <a:lumOff val="25000"/>
-                </a:schemeClr>
-              </a:solidFill>
-              <a:latin typeface="+mj-lt"/>
-              <a:cs typeface="Arial" panose="020B0604020202020204" pitchFamily="34" charset="0"/>
-            </a:endParaRPr>
-          </a:p>
-        </p:txBody>
-      </p:sp>
-      <p:sp>
-        <p:nvSpPr>
-          <p:cNvPr id="76" name="Rectangle 75">
-            <a:extLst>
-              <a:ext uri="{FF2B5EF4-FFF2-40B4-BE49-F238E27FC236}">
-                <a16:creationId xmlns:a16="http://schemas.microsoft.com/office/drawing/2014/main" id="{CA7F604E-4DF5-4BC8-8DE4-511E821559B9}"/>
-              </a:ext>
-            </a:extLst>
-          </p:cNvPr>
-          <p:cNvSpPr/>
-          <p:nvPr/>
-        </p:nvSpPr>
-        <p:spPr>
-          <a:xfrm>
-            <a:off x="2829668" y="1848262"/>
-            <a:ext cx="2029922" cy="243656"/>
-          </a:xfrm>
-          <a:prstGeom prst="rect">
-            <a:avLst/>
-          </a:prstGeom>
-        </p:spPr>
-        <p:txBody>
-          <a:bodyPr wrap="square" lIns="0" tIns="0" rIns="0" bIns="0" anchor="t">
-            <a:spAutoFit/>
-          </a:bodyPr>
-          <a:lstStyle/>
-          <a:p>
-            <a:pPr algn="ctr">
-              <a:lnSpc>
-                <a:spcPts val="1900"/>
-              </a:lnSpc>
-            </a:pPr>
-            <a:r>
-              <a:rPr lang="en-US" sz="1600" b="1" dirty="0" err="1">
-                <a:solidFill>
-                  <a:schemeClr val="tx1">
-                    <a:lumMod val="75000"/>
-                    <a:lumOff val="25000"/>
-                  </a:schemeClr>
-                </a:solidFill>
-                <a:latin typeface="+mj-lt"/>
-                <a:cs typeface="Arial" panose="020B0604020202020204" pitchFamily="34" charset="0"/>
-              </a:rPr>
-              <a:t>Trương</a:t>
-            </a:r>
-            <a:r>
-              <a:rPr lang="en-US" sz="1600" b="1" dirty="0">
-                <a:solidFill>
-                  <a:schemeClr val="tx1">
-                    <a:lumMod val="75000"/>
-                    <a:lumOff val="25000"/>
-                  </a:schemeClr>
-                </a:solidFill>
-                <a:latin typeface="+mj-lt"/>
-                <a:cs typeface="Arial" panose="020B0604020202020204" pitchFamily="34" charset="0"/>
-              </a:rPr>
-              <a:t> Quang </a:t>
-            </a:r>
-            <a:r>
-              <a:rPr lang="en-US" sz="1600" b="1" dirty="0" err="1">
-                <a:solidFill>
-                  <a:schemeClr val="tx1">
-                    <a:lumMod val="75000"/>
-                    <a:lumOff val="25000"/>
-                  </a:schemeClr>
-                </a:solidFill>
-                <a:latin typeface="+mj-lt"/>
-                <a:cs typeface="Arial" panose="020B0604020202020204" pitchFamily="34" charset="0"/>
-              </a:rPr>
-              <a:t>Vương</a:t>
-            </a:r>
-            <a:endParaRPr lang="en-US" sz="1600" b="1" dirty="0">
-              <a:solidFill>
-                <a:schemeClr val="tx1">
-                  <a:lumMod val="75000"/>
-                  <a:lumOff val="25000"/>
-                </a:schemeClr>
-              </a:solidFill>
-              <a:latin typeface="+mj-lt"/>
-              <a:cs typeface="Arial" panose="020B0604020202020204" pitchFamily="34" charset="0"/>
-            </a:endParaRPr>
-          </a:p>
-        </p:txBody>
-      </p:sp>
-      <p:sp>
-        <p:nvSpPr>
-          <p:cNvPr id="77" name="Rectangle 76">
-            <a:extLst>
-              <a:ext uri="{FF2B5EF4-FFF2-40B4-BE49-F238E27FC236}">
-                <a16:creationId xmlns:a16="http://schemas.microsoft.com/office/drawing/2014/main" id="{A449AD70-3F78-4FB8-8738-E46955E10BB2}"/>
-              </a:ext>
-            </a:extLst>
-          </p:cNvPr>
-          <p:cNvSpPr/>
-          <p:nvPr/>
-        </p:nvSpPr>
-        <p:spPr>
-          <a:xfrm>
-            <a:off x="5361441" y="1842784"/>
-            <a:ext cx="1469118" cy="243656"/>
-          </a:xfrm>
-          <a:prstGeom prst="rect">
-            <a:avLst/>
-          </a:prstGeom>
-        </p:spPr>
-        <p:txBody>
-          <a:bodyPr wrap="square" lIns="0" tIns="0" rIns="0" bIns="0" anchor="t">
-            <a:spAutoFit/>
-          </a:bodyPr>
-          <a:lstStyle/>
-          <a:p>
-            <a:pPr algn="ctr">
-              <a:lnSpc>
-                <a:spcPts val="1900"/>
-              </a:lnSpc>
-            </a:pPr>
-            <a:r>
-              <a:rPr lang="en-US" sz="1600" b="1" dirty="0" err="1">
-                <a:solidFill>
-                  <a:schemeClr val="tx1">
-                    <a:lumMod val="75000"/>
-                    <a:lumOff val="25000"/>
-                  </a:schemeClr>
-                </a:solidFill>
-                <a:latin typeface="+mj-lt"/>
-                <a:cs typeface="Arial" panose="020B0604020202020204" pitchFamily="34" charset="0"/>
-              </a:rPr>
-              <a:t>Phạm</a:t>
-            </a:r>
-            <a:r>
-              <a:rPr lang="en-US" sz="1600" b="1" dirty="0">
-                <a:solidFill>
-                  <a:schemeClr val="tx1">
-                    <a:lumMod val="75000"/>
-                    <a:lumOff val="25000"/>
-                  </a:schemeClr>
-                </a:solidFill>
-                <a:latin typeface="+mj-lt"/>
-                <a:cs typeface="Arial" panose="020B0604020202020204" pitchFamily="34" charset="0"/>
-              </a:rPr>
-              <a:t> </a:t>
-            </a:r>
-            <a:r>
-              <a:rPr lang="en-US" sz="1600" b="1" dirty="0" err="1">
-                <a:solidFill>
-                  <a:schemeClr val="tx1">
-                    <a:lumMod val="75000"/>
-                    <a:lumOff val="25000"/>
-                  </a:schemeClr>
-                </a:solidFill>
-                <a:latin typeface="+mj-lt"/>
-                <a:cs typeface="Arial" panose="020B0604020202020204" pitchFamily="34" charset="0"/>
-              </a:rPr>
-              <a:t>Quốc</a:t>
-            </a:r>
-            <a:r>
-              <a:rPr lang="en-US" sz="1600" b="1" dirty="0">
-                <a:solidFill>
-                  <a:schemeClr val="tx1">
-                    <a:lumMod val="75000"/>
-                    <a:lumOff val="25000"/>
-                  </a:schemeClr>
-                </a:solidFill>
-                <a:latin typeface="+mj-lt"/>
-                <a:cs typeface="Arial" panose="020B0604020202020204" pitchFamily="34" charset="0"/>
-              </a:rPr>
-              <a:t> </a:t>
-            </a:r>
-            <a:r>
-              <a:rPr lang="en-US" sz="1600" b="1" dirty="0" err="1">
-                <a:solidFill>
-                  <a:schemeClr val="tx1">
-                    <a:lumMod val="75000"/>
-                    <a:lumOff val="25000"/>
-                  </a:schemeClr>
-                </a:solidFill>
-                <a:latin typeface="+mj-lt"/>
-                <a:cs typeface="Arial" panose="020B0604020202020204" pitchFamily="34" charset="0"/>
-              </a:rPr>
-              <a:t>Nhân</a:t>
-            </a:r>
-            <a:endParaRPr lang="en-US" sz="1600" b="1" dirty="0">
-              <a:solidFill>
-                <a:schemeClr val="tx1">
-                  <a:lumMod val="75000"/>
-                  <a:lumOff val="25000"/>
-                </a:schemeClr>
-              </a:solidFill>
-              <a:latin typeface="+mj-lt"/>
-              <a:cs typeface="Arial" panose="020B0604020202020204" pitchFamily="34" charset="0"/>
-            </a:endParaRPr>
-          </a:p>
-        </p:txBody>
-      </p:sp>
-      <p:sp>
-        <p:nvSpPr>
-          <p:cNvPr id="78" name="Rectangle 77">
-            <a:extLst>
-              <a:ext uri="{FF2B5EF4-FFF2-40B4-BE49-F238E27FC236}">
-                <a16:creationId xmlns:a16="http://schemas.microsoft.com/office/drawing/2014/main" id="{71E2B545-C4D4-42B0-91E5-14925BC7B006}"/>
-              </a:ext>
-            </a:extLst>
-          </p:cNvPr>
-          <p:cNvSpPr/>
-          <p:nvPr/>
-        </p:nvSpPr>
-        <p:spPr>
-          <a:xfrm>
-            <a:off x="7468230" y="1842784"/>
-            <a:ext cx="1751272" cy="243656"/>
-          </a:xfrm>
-          <a:prstGeom prst="rect">
-            <a:avLst/>
-          </a:prstGeom>
-        </p:spPr>
-        <p:txBody>
-          <a:bodyPr wrap="square" lIns="0" tIns="0" rIns="0" bIns="0" anchor="t">
-            <a:spAutoFit/>
-          </a:bodyPr>
-          <a:lstStyle/>
-          <a:p>
-            <a:pPr algn="ctr">
-              <a:lnSpc>
-                <a:spcPts val="1900"/>
-              </a:lnSpc>
-            </a:pPr>
-            <a:r>
-              <a:rPr lang="en-US" sz="1600" b="1" dirty="0" err="1">
-                <a:solidFill>
-                  <a:schemeClr val="tx1">
-                    <a:lumMod val="75000"/>
-                    <a:lumOff val="25000"/>
-                  </a:schemeClr>
-                </a:solidFill>
-                <a:latin typeface="+mj-lt"/>
-                <a:cs typeface="Arial" panose="020B0604020202020204" pitchFamily="34" charset="0"/>
-              </a:rPr>
-              <a:t>Trịnh</a:t>
-            </a:r>
-            <a:r>
-              <a:rPr lang="en-US" sz="1600" b="1" dirty="0">
-                <a:solidFill>
-                  <a:schemeClr val="tx1">
-                    <a:lumMod val="75000"/>
-                    <a:lumOff val="25000"/>
-                  </a:schemeClr>
-                </a:solidFill>
-                <a:latin typeface="+mj-lt"/>
-                <a:cs typeface="Arial" panose="020B0604020202020204" pitchFamily="34" charset="0"/>
-              </a:rPr>
-              <a:t> </a:t>
-            </a:r>
-            <a:r>
-              <a:rPr lang="en-US" sz="1600" b="1" dirty="0" err="1">
-                <a:solidFill>
-                  <a:schemeClr val="tx1">
-                    <a:lumMod val="75000"/>
-                    <a:lumOff val="25000"/>
-                  </a:schemeClr>
-                </a:solidFill>
-                <a:latin typeface="+mj-lt"/>
-                <a:cs typeface="Arial" panose="020B0604020202020204" pitchFamily="34" charset="0"/>
-              </a:rPr>
-              <a:t>Như</a:t>
-            </a:r>
-            <a:r>
-              <a:rPr lang="en-US" sz="1600" b="1" dirty="0">
-                <a:solidFill>
-                  <a:schemeClr val="tx1">
-                    <a:lumMod val="75000"/>
-                    <a:lumOff val="25000"/>
-                  </a:schemeClr>
-                </a:solidFill>
-                <a:latin typeface="+mj-lt"/>
-                <a:cs typeface="Arial" panose="020B0604020202020204" pitchFamily="34" charset="0"/>
-              </a:rPr>
-              <a:t> </a:t>
-            </a:r>
-            <a:r>
-              <a:rPr lang="en-US" sz="1600" b="1" dirty="0" err="1">
-                <a:solidFill>
-                  <a:schemeClr val="tx1">
-                    <a:lumMod val="75000"/>
-                    <a:lumOff val="25000"/>
-                  </a:schemeClr>
-                </a:solidFill>
-                <a:latin typeface="+mj-lt"/>
-                <a:cs typeface="Arial" panose="020B0604020202020204" pitchFamily="34" charset="0"/>
-              </a:rPr>
-              <a:t>Phương</a:t>
-            </a:r>
-            <a:endParaRPr lang="en-US" sz="1600" b="1" dirty="0">
-              <a:solidFill>
-                <a:schemeClr val="tx1">
-                  <a:lumMod val="75000"/>
-                  <a:lumOff val="25000"/>
-                </a:schemeClr>
-              </a:solidFill>
-              <a:latin typeface="+mj-lt"/>
-              <a:cs typeface="Arial" panose="020B0604020202020204" pitchFamily="34" charset="0"/>
-            </a:endParaRPr>
-          </a:p>
-        </p:txBody>
-      </p:sp>
-      <p:sp>
-        <p:nvSpPr>
-          <p:cNvPr id="79" name="Rectangle 78">
-            <a:extLst>
-              <a:ext uri="{FF2B5EF4-FFF2-40B4-BE49-F238E27FC236}">
-                <a16:creationId xmlns:a16="http://schemas.microsoft.com/office/drawing/2014/main" id="{AB614164-FC69-4841-B415-76B5D629D767}"/>
-              </a:ext>
-            </a:extLst>
-          </p:cNvPr>
-          <p:cNvSpPr/>
-          <p:nvPr/>
-        </p:nvSpPr>
-        <p:spPr>
-          <a:xfrm>
-            <a:off x="9825524" y="1842784"/>
-            <a:ext cx="1539421" cy="243656"/>
-          </a:xfrm>
-          <a:prstGeom prst="rect">
-            <a:avLst/>
-          </a:prstGeom>
-        </p:spPr>
-        <p:txBody>
-          <a:bodyPr wrap="square" lIns="0" tIns="0" rIns="0" bIns="0" anchor="t">
-            <a:spAutoFit/>
-          </a:bodyPr>
-          <a:lstStyle/>
-          <a:p>
-            <a:pPr algn="ctr">
-              <a:lnSpc>
-                <a:spcPts val="1900"/>
-              </a:lnSpc>
-            </a:pPr>
-            <a:r>
-              <a:rPr lang="en-US" sz="1600" b="1" dirty="0" err="1">
-                <a:solidFill>
-                  <a:schemeClr val="tx1">
-                    <a:lumMod val="75000"/>
-                    <a:lumOff val="25000"/>
-                  </a:schemeClr>
-                </a:solidFill>
-                <a:latin typeface="+mj-lt"/>
-                <a:cs typeface="Arial" panose="020B0604020202020204" pitchFamily="34" charset="0"/>
-              </a:rPr>
-              <a:t>Nguyễn</a:t>
-            </a:r>
-            <a:r>
-              <a:rPr lang="en-US" sz="1600" b="1" dirty="0">
-                <a:solidFill>
-                  <a:schemeClr val="tx1">
-                    <a:lumMod val="75000"/>
-                    <a:lumOff val="25000"/>
-                  </a:schemeClr>
-                </a:solidFill>
-                <a:latin typeface="+mj-lt"/>
-                <a:cs typeface="Arial" panose="020B0604020202020204" pitchFamily="34" charset="0"/>
-              </a:rPr>
-              <a:t> Anh Minh</a:t>
-            </a:r>
-          </a:p>
-        </p:txBody>
-      </p:sp>
-      <p:sp>
-        <p:nvSpPr>
-          <p:cNvPr id="84" name="Rectangle 83">
-            <a:extLst>
-              <a:ext uri="{FF2B5EF4-FFF2-40B4-BE49-F238E27FC236}">
-                <a16:creationId xmlns:a16="http://schemas.microsoft.com/office/drawing/2014/main" id="{3CB397EC-8EB2-4C31-A555-C753ED648042}"/>
-              </a:ext>
-            </a:extLst>
-          </p:cNvPr>
-          <p:cNvSpPr/>
-          <p:nvPr/>
-        </p:nvSpPr>
-        <p:spPr>
-          <a:xfrm>
-            <a:off x="9790372" y="4228126"/>
-            <a:ext cx="1609724" cy="230063"/>
-          </a:xfrm>
-          <a:prstGeom prst="rect">
-            <a:avLst/>
-          </a:prstGeom>
-        </p:spPr>
-        <p:txBody>
-          <a:bodyPr wrap="square" lIns="0" tIns="0" rIns="0" bIns="0" anchor="t">
-            <a:spAutoFit/>
-          </a:bodyPr>
-          <a:lstStyle/>
-          <a:p>
-            <a:pPr algn="ctr">
-              <a:lnSpc>
-                <a:spcPts val="1900"/>
-              </a:lnSpc>
-            </a:pPr>
-            <a:r>
-              <a:rPr lang="en-US" sz="1400" b="1" dirty="0">
-                <a:solidFill>
-                  <a:schemeClr val="tx1">
-                    <a:lumMod val="75000"/>
-                    <a:lumOff val="25000"/>
-                  </a:schemeClr>
-                </a:solidFill>
-                <a:latin typeface="Arial" panose="020B0604020202020204" pitchFamily="34" charset="0"/>
-                <a:cs typeface="Arial" panose="020B0604020202020204" pitchFamily="34" charset="0"/>
-              </a:rPr>
-              <a:t>CODER</a:t>
-            </a:r>
-          </a:p>
-        </p:txBody>
-      </p:sp>
-      <p:pic>
-        <p:nvPicPr>
-          <p:cNvPr id="25" name="Picture Placeholder 24">
-            <a:extLst>
-              <a:ext uri="{FF2B5EF4-FFF2-40B4-BE49-F238E27FC236}">
-                <a16:creationId xmlns:a16="http://schemas.microsoft.com/office/drawing/2014/main" id="{2A4B4DE8-A0B3-AD45-AD99-9789258383D5}"/>
-              </a:ext>
-            </a:extLst>
-          </p:cNvPr>
-          <p:cNvPicPr>
-            <a:picLocks noGrp="1" noChangeAspect="1"/>
-          </p:cNvPicPr>
-          <p:nvPr>
-            <p:ph type="pic" sz="quarter" idx="21"/>
-          </p:nvPr>
-        </p:nvPicPr>
-        <p:blipFill>
-          <a:blip r:embed="rId2"/>
-          <a:srcRect l="5000" r="5000"/>
-          <a:stretch>
-            <a:fillRect/>
-          </a:stretch>
-        </p:blipFill>
-        <p:spPr>
-          <a:xfrm>
-            <a:off x="840630" y="2299734"/>
-            <a:ext cx="1512266" cy="1512266"/>
-          </a:xfrm>
-        </p:spPr>
-      </p:pic>
-      <p:pic>
-        <p:nvPicPr>
-          <p:cNvPr id="27" name="Picture Placeholder 26">
-            <a:extLst>
-              <a:ext uri="{FF2B5EF4-FFF2-40B4-BE49-F238E27FC236}">
-                <a16:creationId xmlns:a16="http://schemas.microsoft.com/office/drawing/2014/main" id="{2CF29F32-EBF8-E149-9542-4D308C7E8F7A}"/>
-              </a:ext>
-            </a:extLst>
-          </p:cNvPr>
-          <p:cNvPicPr>
-            <a:picLocks noGrp="1" noChangeAspect="1"/>
-          </p:cNvPicPr>
-          <p:nvPr>
-            <p:ph type="pic" sz="quarter" idx="22"/>
-          </p:nvPr>
-        </p:nvPicPr>
-        <p:blipFill>
-          <a:blip r:embed="rId3"/>
-          <a:srcRect l="5000" r="5000"/>
-          <a:stretch>
-            <a:fillRect/>
-          </a:stretch>
-        </p:blipFill>
-        <p:spPr>
-          <a:xfrm>
-            <a:off x="3088496" y="2299734"/>
-            <a:ext cx="1512266" cy="1512266"/>
-          </a:xfrm>
-        </p:spPr>
-      </p:pic>
-      <p:pic>
-        <p:nvPicPr>
-          <p:cNvPr id="29" name="Picture Placeholder 28">
-            <a:extLst>
-              <a:ext uri="{FF2B5EF4-FFF2-40B4-BE49-F238E27FC236}">
-                <a16:creationId xmlns:a16="http://schemas.microsoft.com/office/drawing/2014/main" id="{71036A66-9021-F347-8D85-DF70100AA38B}"/>
-              </a:ext>
-            </a:extLst>
-          </p:cNvPr>
-          <p:cNvPicPr>
-            <a:picLocks noGrp="1" noChangeAspect="1"/>
-          </p:cNvPicPr>
-          <p:nvPr>
-            <p:ph type="pic" sz="quarter" idx="23"/>
-          </p:nvPr>
-        </p:nvPicPr>
-        <p:blipFill>
-          <a:blip r:embed="rId4"/>
-          <a:srcRect l="5000" r="5000"/>
-          <a:stretch>
-            <a:fillRect/>
-          </a:stretch>
-        </p:blipFill>
-        <p:spPr>
-          <a:xfrm>
-            <a:off x="5338114" y="2299734"/>
-            <a:ext cx="1512266" cy="1512266"/>
-          </a:xfrm>
-        </p:spPr>
-      </p:pic>
-      <p:pic>
-        <p:nvPicPr>
-          <p:cNvPr id="32" name="Picture Placeholder 31">
-            <a:extLst>
-              <a:ext uri="{FF2B5EF4-FFF2-40B4-BE49-F238E27FC236}">
-                <a16:creationId xmlns:a16="http://schemas.microsoft.com/office/drawing/2014/main" id="{3E2C4F86-95A3-D149-ACA8-E69A92FB293D}"/>
-              </a:ext>
-            </a:extLst>
-          </p:cNvPr>
-          <p:cNvPicPr>
-            <a:picLocks noGrp="1" noChangeAspect="1"/>
-          </p:cNvPicPr>
-          <p:nvPr>
-            <p:ph type="pic" sz="quarter" idx="24"/>
-          </p:nvPr>
-        </p:nvPicPr>
-        <p:blipFill>
-          <a:blip r:embed="rId5"/>
-          <a:srcRect l="2747" r="2747"/>
-          <a:stretch>
-            <a:fillRect/>
-          </a:stretch>
-        </p:blipFill>
-        <p:spPr>
-          <a:xfrm>
-            <a:off x="7588250" y="2300288"/>
-            <a:ext cx="1511300" cy="1511300"/>
-          </a:xfrm>
-        </p:spPr>
-      </p:pic>
-      <p:pic>
-        <p:nvPicPr>
-          <p:cNvPr id="34" name="Picture Placeholder 33">
-            <a:extLst>
-              <a:ext uri="{FF2B5EF4-FFF2-40B4-BE49-F238E27FC236}">
-                <a16:creationId xmlns:a16="http://schemas.microsoft.com/office/drawing/2014/main" id="{F7157ACA-0B77-1C40-83F8-B7A9D160302F}"/>
-              </a:ext>
-            </a:extLst>
-          </p:cNvPr>
-          <p:cNvPicPr>
-            <a:picLocks noGrp="1" noChangeAspect="1"/>
-          </p:cNvPicPr>
-          <p:nvPr>
-            <p:ph type="pic" sz="quarter" idx="25"/>
-          </p:nvPr>
-        </p:nvPicPr>
-        <p:blipFill>
-          <a:blip r:embed="rId6"/>
-          <a:srcRect/>
-          <a:stretch>
-            <a:fillRect/>
-          </a:stretch>
-        </p:blipFill>
-        <p:spPr>
-          <a:xfrm>
-            <a:off x="9839102" y="2299734"/>
-            <a:ext cx="1512266" cy="1512266"/>
-          </a:xfrm>
-        </p:spPr>
-      </p:pic>
-      <p:sp>
-        <p:nvSpPr>
-          <p:cNvPr id="64" name="Slide Number Placeholder 3">
-            <a:extLst>
-              <a:ext uri="{FF2B5EF4-FFF2-40B4-BE49-F238E27FC236}">
-                <a16:creationId xmlns:a16="http://schemas.microsoft.com/office/drawing/2014/main" id="{BD68D116-5271-A24A-A24C-2E4C78DC5B5F}"/>
-              </a:ext>
-            </a:extLst>
-          </p:cNvPr>
-          <p:cNvSpPr txBox="1">
-            <a:spLocks/>
-          </p:cNvSpPr>
-          <p:nvPr/>
-        </p:nvSpPr>
-        <p:spPr>
-          <a:xfrm>
-            <a:off x="11198390" y="6405331"/>
-            <a:ext cx="452437" cy="365125"/>
-          </a:xfrm>
-          <a:prstGeom prst="rect">
-            <a:avLst/>
-          </a:prstGeom>
-        </p:spPr>
-        <p:txBody>
-          <a:bodyPr/>
-          <a:lstStyle>
-            <a:defPPr>
-              <a:defRPr lang="en-US"/>
-            </a:defPPr>
-            <a:lvl1pPr marL="0" algn="l" defTabSz="914400" rtl="0" eaLnBrk="1" latinLnBrk="0" hangingPunct="1">
-              <a:defRPr sz="1800" kern="1200">
-                <a:solidFill>
-                  <a:schemeClr val="tx1"/>
-                </a:solidFill>
-                <a:latin typeface="+mn-lt"/>
-                <a:ea typeface="+mn-ea"/>
-                <a:cs typeface="+mn-cs"/>
-              </a:defRPr>
-            </a:lvl1pPr>
-            <a:lvl2pPr marL="457200" algn="l" defTabSz="914400" rtl="0" eaLnBrk="1" latinLnBrk="0" hangingPunct="1">
-              <a:defRPr sz="1800" kern="1200">
-                <a:solidFill>
-                  <a:schemeClr val="tx1"/>
-                </a:solidFill>
-                <a:latin typeface="+mn-lt"/>
-                <a:ea typeface="+mn-ea"/>
-                <a:cs typeface="+mn-cs"/>
-              </a:defRPr>
-            </a:lvl2pPr>
-            <a:lvl3pPr marL="914400" algn="l" defTabSz="914400" rtl="0" eaLnBrk="1" latinLnBrk="0" hangingPunct="1">
-              <a:defRPr sz="1800" kern="1200">
-                <a:solidFill>
-                  <a:schemeClr val="tx1"/>
-                </a:solidFill>
-                <a:latin typeface="+mn-lt"/>
-                <a:ea typeface="+mn-ea"/>
-                <a:cs typeface="+mn-cs"/>
-              </a:defRPr>
-            </a:lvl3pPr>
-            <a:lvl4pPr marL="1371600" algn="l" defTabSz="914400" rtl="0" eaLnBrk="1" latinLnBrk="0" hangingPunct="1">
-              <a:defRPr sz="1800" kern="1200">
-                <a:solidFill>
-                  <a:schemeClr val="tx1"/>
-                </a:solidFill>
-                <a:latin typeface="+mn-lt"/>
-                <a:ea typeface="+mn-ea"/>
-                <a:cs typeface="+mn-cs"/>
-              </a:defRPr>
-            </a:lvl4pPr>
-            <a:lvl5pPr marL="1828800" algn="l" defTabSz="914400" rtl="0" eaLnBrk="1" latinLnBrk="0" hangingPunct="1">
-              <a:defRPr sz="1800" kern="1200">
-                <a:solidFill>
-                  <a:schemeClr val="tx1"/>
-                </a:solidFill>
-                <a:latin typeface="+mn-lt"/>
-                <a:ea typeface="+mn-ea"/>
-                <a:cs typeface="+mn-cs"/>
-              </a:defRPr>
-            </a:lvl5pPr>
-            <a:lvl6pPr marL="2286000" algn="l" defTabSz="914400" rtl="0" eaLnBrk="1" latinLnBrk="0" hangingPunct="1">
-              <a:defRPr sz="1800" kern="1200">
-                <a:solidFill>
-                  <a:schemeClr val="tx1"/>
-                </a:solidFill>
-                <a:latin typeface="+mn-lt"/>
-                <a:ea typeface="+mn-ea"/>
-                <a:cs typeface="+mn-cs"/>
-              </a:defRPr>
-            </a:lvl6pPr>
-            <a:lvl7pPr marL="2743200" algn="l" defTabSz="914400" rtl="0" eaLnBrk="1" latinLnBrk="0" hangingPunct="1">
-              <a:defRPr sz="1800" kern="1200">
-                <a:solidFill>
-                  <a:schemeClr val="tx1"/>
-                </a:solidFill>
-                <a:latin typeface="+mn-lt"/>
-                <a:ea typeface="+mn-ea"/>
-                <a:cs typeface="+mn-cs"/>
-              </a:defRPr>
-            </a:lvl7pPr>
-            <a:lvl8pPr marL="3200400" algn="l" defTabSz="914400" rtl="0" eaLnBrk="1" latinLnBrk="0" hangingPunct="1">
-              <a:defRPr sz="1800" kern="1200">
-                <a:solidFill>
-                  <a:schemeClr val="tx1"/>
-                </a:solidFill>
-                <a:latin typeface="+mn-lt"/>
-                <a:ea typeface="+mn-ea"/>
-                <a:cs typeface="+mn-cs"/>
-              </a:defRPr>
-            </a:lvl8pPr>
-            <a:lvl9pPr marL="3657600" algn="l" defTabSz="914400" rtl="0" eaLnBrk="1" latinLnBrk="0" hangingPunct="1">
-              <a:defRPr sz="1800" kern="1200">
-                <a:solidFill>
-                  <a:schemeClr val="tx1"/>
-                </a:solidFill>
-                <a:latin typeface="+mn-lt"/>
-                <a:ea typeface="+mn-ea"/>
-                <a:cs typeface="+mn-cs"/>
-              </a:defRPr>
-            </a:lvl9pPr>
-          </a:lstStyle>
-          <a:p>
-            <a:fld id="{301E5F09-0F4C-0243-9596-FED7D03FE3DA}" type="slidenum">
-              <a:rPr lang="en-US" smtClean="0"/>
-              <a:pPr/>
-              <a:t>4</a:t>
-            </a:fld>
-            <a:endParaRPr lang="en-US" dirty="0"/>
-          </a:p>
-        </p:txBody>
-      </p:sp>
-      <p:sp>
-        <p:nvSpPr>
-          <p:cNvPr id="71" name="Rectangle 70">
-            <a:extLst>
-              <a:ext uri="{FF2B5EF4-FFF2-40B4-BE49-F238E27FC236}">
-                <a16:creationId xmlns:a16="http://schemas.microsoft.com/office/drawing/2014/main" id="{7EB7C28D-99B8-A748-8134-01864F93B964}"/>
-              </a:ext>
-            </a:extLst>
-          </p:cNvPr>
-          <p:cNvSpPr/>
-          <p:nvPr/>
-        </p:nvSpPr>
-        <p:spPr>
-          <a:xfrm>
-            <a:off x="791901" y="4228125"/>
-            <a:ext cx="1609724" cy="230063"/>
-          </a:xfrm>
-          <a:prstGeom prst="rect">
-            <a:avLst/>
-          </a:prstGeom>
-        </p:spPr>
-        <p:txBody>
-          <a:bodyPr wrap="square" lIns="0" tIns="0" rIns="0" bIns="0" anchor="t">
-            <a:spAutoFit/>
-          </a:bodyPr>
-          <a:lstStyle/>
-          <a:p>
-            <a:pPr algn="ctr">
-              <a:lnSpc>
-                <a:spcPts val="1900"/>
-              </a:lnSpc>
-            </a:pPr>
-            <a:r>
-              <a:rPr lang="en-US" sz="1400" b="1" dirty="0">
-                <a:solidFill>
-                  <a:schemeClr val="tx1">
-                    <a:lumMod val="75000"/>
-                    <a:lumOff val="25000"/>
-                  </a:schemeClr>
-                </a:solidFill>
-                <a:latin typeface="Arial" panose="020B0604020202020204" pitchFamily="34" charset="0"/>
-                <a:cs typeface="Arial" panose="020B0604020202020204" pitchFamily="34" charset="0"/>
-              </a:rPr>
-              <a:t>CODER</a:t>
-            </a:r>
-          </a:p>
-        </p:txBody>
-      </p:sp>
-      <p:sp>
-        <p:nvSpPr>
-          <p:cNvPr id="72" name="Rectangle 71">
-            <a:extLst>
-              <a:ext uri="{FF2B5EF4-FFF2-40B4-BE49-F238E27FC236}">
-                <a16:creationId xmlns:a16="http://schemas.microsoft.com/office/drawing/2014/main" id="{1CE55B07-7BF6-8A4F-B980-9C9A2A7B3DC7}"/>
-              </a:ext>
-            </a:extLst>
-          </p:cNvPr>
-          <p:cNvSpPr/>
-          <p:nvPr/>
-        </p:nvSpPr>
-        <p:spPr>
-          <a:xfrm>
-            <a:off x="3039767" y="4235255"/>
-            <a:ext cx="1609724" cy="230063"/>
-          </a:xfrm>
-          <a:prstGeom prst="rect">
-            <a:avLst/>
-          </a:prstGeom>
-        </p:spPr>
-        <p:txBody>
-          <a:bodyPr wrap="square" lIns="0" tIns="0" rIns="0" bIns="0" anchor="t">
-            <a:spAutoFit/>
-          </a:bodyPr>
-          <a:lstStyle/>
-          <a:p>
-            <a:pPr algn="ctr">
-              <a:lnSpc>
-                <a:spcPts val="1900"/>
-              </a:lnSpc>
-            </a:pPr>
-            <a:r>
-              <a:rPr lang="en-US" sz="1400" b="1" dirty="0">
-                <a:solidFill>
-                  <a:schemeClr val="tx1">
-                    <a:lumMod val="75000"/>
-                    <a:lumOff val="25000"/>
-                  </a:schemeClr>
-                </a:solidFill>
-                <a:latin typeface="Arial" panose="020B0604020202020204" pitchFamily="34" charset="0"/>
-                <a:cs typeface="Arial" panose="020B0604020202020204" pitchFamily="34" charset="0"/>
-              </a:rPr>
-              <a:t>CODER</a:t>
-            </a:r>
-          </a:p>
-        </p:txBody>
-      </p:sp>
-      <p:sp>
-        <p:nvSpPr>
-          <p:cNvPr id="73" name="Rectangle 72">
-            <a:extLst>
-              <a:ext uri="{FF2B5EF4-FFF2-40B4-BE49-F238E27FC236}">
-                <a16:creationId xmlns:a16="http://schemas.microsoft.com/office/drawing/2014/main" id="{F063797A-4BC8-084D-9836-D91A3D7013F4}"/>
-              </a:ext>
-            </a:extLst>
-          </p:cNvPr>
-          <p:cNvSpPr/>
-          <p:nvPr/>
-        </p:nvSpPr>
-        <p:spPr>
-          <a:xfrm>
-            <a:off x="7552367" y="4235255"/>
-            <a:ext cx="1609724" cy="230063"/>
-          </a:xfrm>
-          <a:prstGeom prst="rect">
-            <a:avLst/>
-          </a:prstGeom>
-        </p:spPr>
-        <p:txBody>
-          <a:bodyPr wrap="square" lIns="0" tIns="0" rIns="0" bIns="0" anchor="t">
-            <a:spAutoFit/>
-          </a:bodyPr>
-          <a:lstStyle/>
-          <a:p>
-            <a:pPr algn="ctr">
-              <a:lnSpc>
-                <a:spcPts val="1900"/>
-              </a:lnSpc>
-            </a:pPr>
-            <a:r>
-              <a:rPr lang="en-US" sz="1400" b="1" dirty="0">
-                <a:solidFill>
-                  <a:schemeClr val="tx1">
-                    <a:lumMod val="75000"/>
-                    <a:lumOff val="25000"/>
-                  </a:schemeClr>
-                </a:solidFill>
-                <a:latin typeface="Arial" panose="020B0604020202020204" pitchFamily="34" charset="0"/>
-                <a:cs typeface="Arial" panose="020B0604020202020204" pitchFamily="34" charset="0"/>
-              </a:rPr>
-              <a:t>TESTER</a:t>
-            </a:r>
-          </a:p>
-        </p:txBody>
-      </p:sp>
-      <p:sp>
-        <p:nvSpPr>
-          <p:cNvPr id="74" name="Rectangle 73">
-            <a:extLst>
-              <a:ext uri="{FF2B5EF4-FFF2-40B4-BE49-F238E27FC236}">
-                <a16:creationId xmlns:a16="http://schemas.microsoft.com/office/drawing/2014/main" id="{FB1650DE-0046-B14C-9DCD-FB6180076C71}"/>
-              </a:ext>
-            </a:extLst>
-          </p:cNvPr>
-          <p:cNvSpPr/>
-          <p:nvPr/>
-        </p:nvSpPr>
-        <p:spPr>
-          <a:xfrm>
-            <a:off x="5291137" y="4228124"/>
-            <a:ext cx="1609724" cy="230063"/>
-          </a:xfrm>
-          <a:prstGeom prst="rect">
-            <a:avLst/>
-          </a:prstGeom>
-        </p:spPr>
-        <p:txBody>
-          <a:bodyPr wrap="square" lIns="0" tIns="0" rIns="0" bIns="0" anchor="t">
-            <a:spAutoFit/>
-          </a:bodyPr>
-          <a:lstStyle/>
-          <a:p>
-            <a:pPr algn="ctr">
-              <a:lnSpc>
-                <a:spcPts val="1900"/>
-              </a:lnSpc>
-            </a:pPr>
-            <a:r>
-              <a:rPr lang="en-US" sz="1400" b="1" dirty="0">
-                <a:solidFill>
-                  <a:schemeClr val="tx1">
-                    <a:lumMod val="75000"/>
-                    <a:lumOff val="25000"/>
-                  </a:schemeClr>
-                </a:solidFill>
-                <a:latin typeface="Arial" panose="020B0604020202020204" pitchFamily="34" charset="0"/>
-                <a:cs typeface="Arial" panose="020B0604020202020204" pitchFamily="34" charset="0"/>
-              </a:rPr>
-              <a:t>DESIGNER</a:t>
-            </a:r>
-          </a:p>
-        </p:txBody>
-      </p:sp>
-    </p:spTree>
-    <p:extLst>
-      <p:ext uri="{BB962C8B-B14F-4D97-AF65-F5344CB8AC3E}">
-        <p14:creationId xmlns:p14="http://schemas.microsoft.com/office/powerpoint/2010/main" val="3907333373"/>
       </p:ext>
     </p:extLst>
   </p:cSld>
